--- a/PPT/Week3.pptx
+++ b/PPT/Week3.pptx
@@ -5,23 +5,24 @@
     <p:sldMasterId id="2147483648" r:id="rId1"/>
   </p:sldMasterIdLst>
   <p:notesMasterIdLst>
-    <p:notesMasterId r:id="rId16"/>
+    <p:notesMasterId r:id="rId17"/>
   </p:notesMasterIdLst>
   <p:sldIdLst>
     <p:sldId id="256" r:id="rId2"/>
-    <p:sldId id="257" r:id="rId3"/>
-    <p:sldId id="258" r:id="rId4"/>
-    <p:sldId id="276" r:id="rId5"/>
-    <p:sldId id="262" r:id="rId6"/>
-    <p:sldId id="277" r:id="rId7"/>
-    <p:sldId id="279" r:id="rId8"/>
-    <p:sldId id="278" r:id="rId9"/>
-    <p:sldId id="281" r:id="rId10"/>
-    <p:sldId id="282" r:id="rId11"/>
-    <p:sldId id="283" r:id="rId12"/>
-    <p:sldId id="284" r:id="rId13"/>
-    <p:sldId id="280" r:id="rId14"/>
-    <p:sldId id="275" r:id="rId15"/>
+    <p:sldId id="285" r:id="rId3"/>
+    <p:sldId id="257" r:id="rId4"/>
+    <p:sldId id="258" r:id="rId5"/>
+    <p:sldId id="276" r:id="rId6"/>
+    <p:sldId id="262" r:id="rId7"/>
+    <p:sldId id="277" r:id="rId8"/>
+    <p:sldId id="279" r:id="rId9"/>
+    <p:sldId id="278" r:id="rId10"/>
+    <p:sldId id="281" r:id="rId11"/>
+    <p:sldId id="282" r:id="rId12"/>
+    <p:sldId id="283" r:id="rId13"/>
+    <p:sldId id="284" r:id="rId14"/>
+    <p:sldId id="280" r:id="rId15"/>
+    <p:sldId id="275" r:id="rId16"/>
   </p:sldIdLst>
   <p:sldSz cx="13004800" cy="9753600"/>
   <p:notesSz cx="6858000" cy="9144000"/>
@@ -453,6 +454,209 @@
     </a:lvl9pPr>
   </p:notesStyle>
 </p:notesMaster>
+</file>
+
+<file path=ppt/notesSlides/notesSlide1.xml><?xml version="1.0" encoding="utf-8"?>
+<p:notes xmlns:a="http://schemas.openxmlformats.org/drawingml/2006/main" xmlns:r="http://schemas.openxmlformats.org/officeDocument/2006/relationships" xmlns:p="http://schemas.openxmlformats.org/presentationml/2006/main">
+  <p:cSld>
+    <p:spTree>
+      <p:nvGrpSpPr>
+        <p:cNvPr id="1" name=""/>
+        <p:cNvGrpSpPr/>
+        <p:nvPr/>
+      </p:nvGrpSpPr>
+      <p:grpSpPr>
+        <a:xfrm>
+          <a:off x="0" y="0"/>
+          <a:ext cx="0" cy="0"/>
+          <a:chOff x="0" y="0"/>
+          <a:chExt cx="0" cy="0"/>
+        </a:xfrm>
+      </p:grpSpPr>
+      <p:sp>
+        <p:nvSpPr>
+          <p:cNvPr id="2" name="슬라이드 이미지 개체 틀 1"/>
+          <p:cNvSpPr>
+            <a:spLocks noGrp="1" noRot="1" noChangeAspect="1"/>
+          </p:cNvSpPr>
+          <p:nvPr>
+            <p:ph type="sldImg"/>
+          </p:nvPr>
+        </p:nvSpPr>
+        <p:spPr/>
+      </p:sp>
+      <p:sp>
+        <p:nvSpPr>
+          <p:cNvPr id="3" name="슬라이드 노트 개체 틀 2"/>
+          <p:cNvSpPr>
+            <a:spLocks noGrp="1"/>
+          </p:cNvSpPr>
+          <p:nvPr>
+            <p:ph type="body" idx="1"/>
+          </p:nvPr>
+        </p:nvSpPr>
+        <p:spPr/>
+        <p:txBody>
+          <a:bodyPr/>
+          <a:lstStyle/>
+          <a:p>
+            <a:endParaRPr lang="ko-KR" altLang="en-US" dirty="0"/>
+          </a:p>
+        </p:txBody>
+      </p:sp>
+    </p:spTree>
+    <p:extLst>
+      <p:ext uri="{BB962C8B-B14F-4D97-AF65-F5344CB8AC3E}">
+        <p14:creationId xmlns:p14="http://schemas.microsoft.com/office/powerpoint/2010/main" val="530908968"/>
+      </p:ext>
+    </p:extLst>
+  </p:cSld>
+  <p:clrMapOvr>
+    <a:masterClrMapping/>
+  </p:clrMapOvr>
+</p:notes>
+</file>
+
+<file path=ppt/notesSlides/notesSlide2.xml><?xml version="1.0" encoding="utf-8"?>
+<p:notes xmlns:a="http://schemas.openxmlformats.org/drawingml/2006/main" xmlns:r="http://schemas.openxmlformats.org/officeDocument/2006/relationships" xmlns:p="http://schemas.openxmlformats.org/presentationml/2006/main">
+  <p:cSld>
+    <p:spTree>
+      <p:nvGrpSpPr>
+        <p:cNvPr id="1" name=""/>
+        <p:cNvGrpSpPr/>
+        <p:nvPr/>
+      </p:nvGrpSpPr>
+      <p:grpSpPr>
+        <a:xfrm>
+          <a:off x="0" y="0"/>
+          <a:ext cx="0" cy="0"/>
+          <a:chOff x="0" y="0"/>
+          <a:chExt cx="0" cy="0"/>
+        </a:xfrm>
+      </p:grpSpPr>
+      <p:sp>
+        <p:nvSpPr>
+          <p:cNvPr id="2" name="슬라이드 이미지 개체 틀 1"/>
+          <p:cNvSpPr>
+            <a:spLocks noGrp="1" noRot="1" noChangeAspect="1"/>
+          </p:cNvSpPr>
+          <p:nvPr>
+            <p:ph type="sldImg"/>
+          </p:nvPr>
+        </p:nvSpPr>
+        <p:spPr/>
+      </p:sp>
+      <p:sp>
+        <p:nvSpPr>
+          <p:cNvPr id="3" name="슬라이드 노트 개체 틀 2"/>
+          <p:cNvSpPr>
+            <a:spLocks noGrp="1"/>
+          </p:cNvSpPr>
+          <p:nvPr>
+            <p:ph type="body" idx="1"/>
+          </p:nvPr>
+        </p:nvSpPr>
+        <p:spPr/>
+        <p:txBody>
+          <a:bodyPr/>
+          <a:lstStyle/>
+          <a:p>
+            <a:r>
+              <a:rPr lang="en-US" altLang="ko-KR" dirty="0"/>
+              <a:t>push</a:t>
+            </a:r>
+            <a:r>
+              <a:rPr lang="ko-KR" altLang="en-US" dirty="0"/>
+              <a:t>와 </a:t>
+            </a:r>
+            <a:r>
+              <a:rPr lang="en-US" altLang="ko-KR" dirty="0"/>
+              <a:t>pop</a:t>
+            </a:r>
+            <a:r>
+              <a:rPr lang="ko-KR" altLang="en-US" dirty="0"/>
+              <a:t>의 </a:t>
+            </a:r>
+            <a:r>
+              <a:rPr lang="ko-KR" altLang="en-US" dirty="0" err="1"/>
+              <a:t>시간복잡도는</a:t>
+            </a:r>
+            <a:r>
+              <a:rPr lang="ko-KR" altLang="en-US" dirty="0"/>
+              <a:t> </a:t>
+            </a:r>
+            <a:r>
+              <a:rPr lang="en-US" altLang="ko-KR" dirty="0"/>
+              <a:t>O(1)</a:t>
+            </a:r>
+            <a:r>
+              <a:rPr lang="ko-KR" altLang="en-US" dirty="0"/>
+              <a:t>이다</a:t>
+            </a:r>
+            <a:r>
+              <a:rPr lang="en-US" altLang="ko-KR" dirty="0"/>
+              <a:t>. </a:t>
+            </a:r>
+            <a:r>
+              <a:rPr lang="ko-KR" altLang="en-US" dirty="0"/>
+              <a:t>하지만 일단 자료구조의 특성을 이해하기 위해 배열로 구현하여 </a:t>
+            </a:r>
+            <a:r>
+              <a:rPr lang="ko-KR" altLang="en-US" dirty="0" err="1"/>
+              <a:t>시간복잡도</a:t>
+            </a:r>
+            <a:r>
+              <a:rPr lang="ko-KR" altLang="en-US" dirty="0"/>
+              <a:t> </a:t>
+            </a:r>
+            <a:r>
+              <a:rPr lang="en-US" altLang="ko-KR" dirty="0"/>
+              <a:t>O(N)</a:t>
+            </a:r>
+            <a:r>
+              <a:rPr lang="ko-KR" altLang="en-US" dirty="0"/>
+              <a:t>이내로 해결하도록 해보자</a:t>
+            </a:r>
+            <a:r>
+              <a:rPr lang="en-US" altLang="ko-KR" dirty="0"/>
+              <a:t>.</a:t>
+            </a:r>
+          </a:p>
+          <a:p>
+            <a:r>
+              <a:rPr lang="ko-KR" altLang="en-US" dirty="0"/>
+              <a:t>나중에 </a:t>
+            </a:r>
+            <a:r>
+              <a:rPr lang="en-US" altLang="ko-KR" dirty="0"/>
+              <a:t>linked list</a:t>
+            </a:r>
+            <a:r>
+              <a:rPr lang="ko-KR" altLang="en-US" dirty="0"/>
+              <a:t>를 배우면서 포인터의 개념에 대해 복습하고 이를 다시 </a:t>
+            </a:r>
+            <a:r>
+              <a:rPr lang="en-US" altLang="ko-KR" dirty="0"/>
+              <a:t>linked list</a:t>
+            </a:r>
+            <a:r>
+              <a:rPr lang="ko-KR" altLang="en-US" dirty="0"/>
+              <a:t>를 이용하여 구현해보자</a:t>
+            </a:r>
+          </a:p>
+        </p:txBody>
+      </p:sp>
+    </p:spTree>
+    <p:extLst>
+      <p:ext uri="{BB962C8B-B14F-4D97-AF65-F5344CB8AC3E}">
+        <p14:creationId xmlns:p14="http://schemas.microsoft.com/office/powerpoint/2010/main" val="3876131532"/>
+      </p:ext>
+    </p:extLst>
+  </p:cSld>
+  <p:clrMapOvr>
+    <a:masterClrMapping/>
+  </p:clrMapOvr>
+</p:notes>
 </file>
 
 <file path=ppt/slideLayouts/slideLayout1.xml><?xml version="1.0" encoding="utf-8"?>
@@ -5138,8 +5342,16 @@
           <a:p>
             <a:pPr lvl="0"/>
             <a:r>
+              <a:rPr lang="en-US" sz="6600"/>
+              <a:t>implementation  10845</a:t>
+            </a:r>
+            <a:r>
               <a:rPr lang="en-US" sz="6600" dirty="0"/>
-              <a:t>Stack</a:t>
+              <a:t>: </a:t>
+            </a:r>
+            <a:r>
+              <a:rPr lang="ko-KR" altLang="en-US" sz="6600" dirty="0"/>
+              <a:t>큐</a:t>
             </a:r>
             <a:endParaRPr sz="6600" dirty="0"/>
           </a:p>
@@ -5173,14 +5385,320 @@
                 <a:latin typeface="배달의민족 주아" panose="02020603020101020101" pitchFamily="18" charset="-127"/>
                 <a:ea typeface="배달의민족 주아" panose="02020603020101020101" pitchFamily="18" charset="-127"/>
               </a:rPr>
-              <a:t>자료구조의 일종으로 </a:t>
+              <a:t>다음 기능들을 고려하여 </a:t>
             </a:r>
             <a:r>
               <a:rPr lang="en-US" altLang="ko-KR" sz="2400" dirty="0">
                 <a:latin typeface="배달의민족 주아" panose="02020603020101020101" pitchFamily="18" charset="-127"/>
                 <a:ea typeface="배달의민족 주아" panose="02020603020101020101" pitchFamily="18" charset="-127"/>
               </a:rPr>
-              <a:t>LIFO(Last In First Out)</a:t>
+              <a:t>queue</a:t>
+            </a:r>
+            <a:r>
+              <a:rPr lang="ko-KR" altLang="en-US" sz="2400" dirty="0">
+                <a:latin typeface="배달의민족 주아" panose="02020603020101020101" pitchFamily="18" charset="-127"/>
+                <a:ea typeface="배달의민족 주아" panose="02020603020101020101" pitchFamily="18" charset="-127"/>
+              </a:rPr>
+              <a:t>를 구현해보자</a:t>
+            </a:r>
+            <a:endParaRPr lang="en-US" altLang="ko-KR" sz="2400" dirty="0">
+              <a:latin typeface="배달의민족 주아" panose="02020603020101020101" pitchFamily="18" charset="-127"/>
+              <a:ea typeface="배달의민족 주아" panose="02020603020101020101" pitchFamily="18" charset="-127"/>
+            </a:endParaRPr>
+          </a:p>
+          <a:p>
+            <a:pPr marL="0" indent="0">
+              <a:buNone/>
+            </a:pPr>
+            <a:r>
+              <a:rPr lang="en-US" altLang="ko-KR" sz="2400" dirty="0">
+                <a:latin typeface="배달의민족 주아" panose="02020603020101020101" pitchFamily="18" charset="-127"/>
+                <a:ea typeface="배달의민족 주아" panose="02020603020101020101" pitchFamily="18" charset="-127"/>
+              </a:rPr>
+              <a:t>   - push(): Queue</a:t>
+            </a:r>
+            <a:r>
+              <a:rPr lang="ko-KR" altLang="en-US" sz="2400" dirty="0">
+                <a:latin typeface="배달의민족 주아" panose="02020603020101020101" pitchFamily="18" charset="-127"/>
+                <a:ea typeface="배달의민족 주아" panose="02020603020101020101" pitchFamily="18" charset="-127"/>
+              </a:rPr>
+              <a:t>에 </a:t>
+            </a:r>
+            <a:r>
+              <a:rPr lang="en-US" altLang="ko-KR" sz="2400" dirty="0">
+                <a:latin typeface="배달의민족 주아" panose="02020603020101020101" pitchFamily="18" charset="-127"/>
+                <a:ea typeface="배달의민족 주아" panose="02020603020101020101" pitchFamily="18" charset="-127"/>
+              </a:rPr>
+              <a:t>data</a:t>
+            </a:r>
+            <a:r>
+              <a:rPr lang="ko-KR" altLang="en-US" sz="2400" dirty="0">
+                <a:latin typeface="배달의민족 주아" panose="02020603020101020101" pitchFamily="18" charset="-127"/>
+                <a:ea typeface="배달의민족 주아" panose="02020603020101020101" pitchFamily="18" charset="-127"/>
+              </a:rPr>
+              <a:t>를 저장</a:t>
+            </a:r>
+            <a:endParaRPr lang="en-US" altLang="ko-KR" sz="2400" dirty="0">
+              <a:latin typeface="배달의민족 주아" panose="02020603020101020101" pitchFamily="18" charset="-127"/>
+              <a:ea typeface="배달의민족 주아" panose="02020603020101020101" pitchFamily="18" charset="-127"/>
+            </a:endParaRPr>
+          </a:p>
+          <a:p>
+            <a:pPr marL="0" indent="0">
+              <a:buNone/>
+            </a:pPr>
+            <a:r>
+              <a:rPr lang="en-US" altLang="ko-KR" sz="2400" dirty="0">
+                <a:latin typeface="배달의민족 주아" panose="02020603020101020101" pitchFamily="18" charset="-127"/>
+                <a:ea typeface="배달의민족 주아" panose="02020603020101020101" pitchFamily="18" charset="-127"/>
+              </a:rPr>
+              <a:t>   - pop(): Queue</a:t>
+            </a:r>
+            <a:r>
+              <a:rPr lang="ko-KR" altLang="en-US" sz="2400" dirty="0">
+                <a:latin typeface="배달의민족 주아" panose="02020603020101020101" pitchFamily="18" charset="-127"/>
+                <a:ea typeface="배달의민족 주아" panose="02020603020101020101" pitchFamily="18" charset="-127"/>
+              </a:rPr>
+              <a:t>의 맨 앞에 있는 </a:t>
+            </a:r>
+            <a:r>
+              <a:rPr lang="en-US" altLang="ko-KR" sz="2400" dirty="0">
+                <a:latin typeface="배달의민족 주아" panose="02020603020101020101" pitchFamily="18" charset="-127"/>
+                <a:ea typeface="배달의민족 주아" panose="02020603020101020101" pitchFamily="18" charset="-127"/>
+              </a:rPr>
+              <a:t>data</a:t>
+            </a:r>
+            <a:r>
+              <a:rPr lang="ko-KR" altLang="en-US" sz="2400" dirty="0">
+                <a:latin typeface="배달의민족 주아" panose="02020603020101020101" pitchFamily="18" charset="-127"/>
+                <a:ea typeface="배달의민족 주아" panose="02020603020101020101" pitchFamily="18" charset="-127"/>
+              </a:rPr>
+              <a:t>를 제거</a:t>
+            </a:r>
+            <a:r>
+              <a:rPr lang="en-US" altLang="ko-KR" sz="2400" dirty="0">
+                <a:latin typeface="배달의민족 주아" panose="02020603020101020101" pitchFamily="18" charset="-127"/>
+                <a:ea typeface="배달의민족 주아" panose="02020603020101020101" pitchFamily="18" charset="-127"/>
+              </a:rPr>
+              <a:t>(</a:t>
+            </a:r>
+            <a:r>
+              <a:rPr lang="ko-KR" altLang="en-US" sz="2400" dirty="0">
+                <a:latin typeface="배달의민족 주아" panose="02020603020101020101" pitchFamily="18" charset="-127"/>
+                <a:ea typeface="배달의민족 주아" panose="02020603020101020101" pitchFamily="18" charset="-127"/>
+              </a:rPr>
+              <a:t>동시에 출력을 할 수도 있음</a:t>
+            </a:r>
+            <a:r>
+              <a:rPr lang="en-US" altLang="ko-KR" sz="2400" dirty="0">
+                <a:latin typeface="배달의민족 주아" panose="02020603020101020101" pitchFamily="18" charset="-127"/>
+                <a:ea typeface="배달의민족 주아" panose="02020603020101020101" pitchFamily="18" charset="-127"/>
+              </a:rPr>
+              <a:t>)</a:t>
+            </a:r>
+          </a:p>
+          <a:p>
+            <a:pPr marL="0" indent="0">
+              <a:buNone/>
+            </a:pPr>
+            <a:r>
+              <a:rPr lang="en-US" altLang="ko-KR" sz="2400" dirty="0">
+                <a:latin typeface="배달의민족 주아" panose="02020603020101020101" pitchFamily="18" charset="-127"/>
+                <a:ea typeface="배달의민족 주아" panose="02020603020101020101" pitchFamily="18" charset="-127"/>
+              </a:rPr>
+              <a:t>   - front(): Queue</a:t>
+            </a:r>
+            <a:r>
+              <a:rPr lang="ko-KR" altLang="en-US" sz="2400" dirty="0">
+                <a:latin typeface="배달의민족 주아" panose="02020603020101020101" pitchFamily="18" charset="-127"/>
+                <a:ea typeface="배달의민족 주아" panose="02020603020101020101" pitchFamily="18" charset="-127"/>
+              </a:rPr>
+              <a:t>의 맨 앞에 있는 </a:t>
+            </a:r>
+            <a:r>
+              <a:rPr lang="en-US" altLang="ko-KR" sz="2400" dirty="0">
+                <a:latin typeface="배달의민족 주아" panose="02020603020101020101" pitchFamily="18" charset="-127"/>
+                <a:ea typeface="배달의민족 주아" panose="02020603020101020101" pitchFamily="18" charset="-127"/>
+              </a:rPr>
+              <a:t>data</a:t>
+            </a:r>
+            <a:r>
+              <a:rPr lang="ko-KR" altLang="en-US" sz="2400" dirty="0">
+                <a:latin typeface="배달의민족 주아" panose="02020603020101020101" pitchFamily="18" charset="-127"/>
+                <a:ea typeface="배달의민족 주아" panose="02020603020101020101" pitchFamily="18" charset="-127"/>
+              </a:rPr>
+              <a:t>를 </a:t>
+            </a:r>
+            <a:r>
+              <a:rPr lang="en-US" altLang="ko-KR" sz="2400" dirty="0">
+                <a:latin typeface="배달의민족 주아" panose="02020603020101020101" pitchFamily="18" charset="-127"/>
+                <a:ea typeface="배달의민족 주아" panose="02020603020101020101" pitchFamily="18" charset="-127"/>
+              </a:rPr>
+              <a:t>return</a:t>
+            </a:r>
+          </a:p>
+          <a:p>
+            <a:pPr marL="0" indent="0">
+              <a:buNone/>
+            </a:pPr>
+            <a:r>
+              <a:rPr lang="en-US" altLang="ko-KR" sz="2400" dirty="0">
+                <a:latin typeface="배달의민족 주아" panose="02020603020101020101" pitchFamily="18" charset="-127"/>
+                <a:ea typeface="배달의민족 주아" panose="02020603020101020101" pitchFamily="18" charset="-127"/>
+              </a:rPr>
+              <a:t>   - size(): Queue</a:t>
+            </a:r>
+            <a:r>
+              <a:rPr lang="ko-KR" altLang="en-US" sz="2400" dirty="0">
+                <a:latin typeface="배달의민족 주아" panose="02020603020101020101" pitchFamily="18" charset="-127"/>
+                <a:ea typeface="배달의민족 주아" panose="02020603020101020101" pitchFamily="18" charset="-127"/>
+              </a:rPr>
+              <a:t>의 크기를 </a:t>
+            </a:r>
+            <a:r>
+              <a:rPr lang="en-US" altLang="ko-KR" sz="2400" dirty="0">
+                <a:latin typeface="배달의민족 주아" panose="02020603020101020101" pitchFamily="18" charset="-127"/>
+                <a:ea typeface="배달의민족 주아" panose="02020603020101020101" pitchFamily="18" charset="-127"/>
+              </a:rPr>
+              <a:t>return</a:t>
+            </a:r>
+          </a:p>
+          <a:p>
+            <a:pPr marL="0" indent="0">
+              <a:buNone/>
+            </a:pPr>
+            <a:r>
+              <a:rPr lang="en-US" altLang="ko-KR" sz="2400" dirty="0">
+                <a:latin typeface="배달의민족 주아" panose="02020603020101020101" pitchFamily="18" charset="-127"/>
+                <a:ea typeface="배달의민족 주아" panose="02020603020101020101" pitchFamily="18" charset="-127"/>
+              </a:rPr>
+              <a:t>   - empty(): Queue</a:t>
+            </a:r>
+            <a:r>
+              <a:rPr lang="ko-KR" altLang="en-US" sz="2400" dirty="0">
+                <a:latin typeface="배달의민족 주아" panose="02020603020101020101" pitchFamily="18" charset="-127"/>
+                <a:ea typeface="배달의민족 주아" panose="02020603020101020101" pitchFamily="18" charset="-127"/>
+              </a:rPr>
+              <a:t>가 비어 있는지를 </a:t>
+            </a:r>
+            <a:r>
+              <a:rPr lang="en-US" altLang="ko-KR" sz="2400" dirty="0">
+                <a:latin typeface="배달의민족 주아" panose="02020603020101020101" pitchFamily="18" charset="-127"/>
+                <a:ea typeface="배달의민족 주아" panose="02020603020101020101" pitchFamily="18" charset="-127"/>
+              </a:rPr>
+              <a:t>return</a:t>
+            </a:r>
+          </a:p>
+          <a:p>
+            <a:pPr marL="0" indent="0">
+              <a:buNone/>
+            </a:pPr>
+            <a:endParaRPr lang="en-US" altLang="ko-KR" sz="2400" dirty="0">
+              <a:latin typeface="배달의민족 주아" panose="02020603020101020101" pitchFamily="18" charset="-127"/>
+              <a:ea typeface="배달의민족 주아" panose="02020603020101020101" pitchFamily="18" charset="-127"/>
+            </a:endParaRPr>
+          </a:p>
+        </p:txBody>
+      </p:sp>
+    </p:spTree>
+    <p:extLst>
+      <p:ext uri="{BB962C8B-B14F-4D97-AF65-F5344CB8AC3E}">
+        <p14:creationId xmlns:p14="http://schemas.microsoft.com/office/powerpoint/2010/main" val="319148522"/>
+      </p:ext>
+    </p:extLst>
+  </p:cSld>
+  <p:clrMapOvr>
+    <a:masterClrMapping/>
+  </p:clrMapOvr>
+  <p:transition spd="med"/>
+</p:sld>
+</file>
+
+<file path=ppt/slides/slide11.xml><?xml version="1.0" encoding="utf-8"?>
+<p:sld xmlns:a="http://schemas.openxmlformats.org/drawingml/2006/main" xmlns:r="http://schemas.openxmlformats.org/officeDocument/2006/relationships" xmlns:p="http://schemas.openxmlformats.org/presentationml/2006/main">
+  <p:cSld>
+    <p:spTree>
+      <p:nvGrpSpPr>
+        <p:cNvPr id="1" name=""/>
+        <p:cNvGrpSpPr/>
+        <p:nvPr/>
+      </p:nvGrpSpPr>
+      <p:grpSpPr>
+        <a:xfrm>
+          <a:off x="0" y="0"/>
+          <a:ext cx="0" cy="0"/>
+          <a:chOff x="0" y="0"/>
+          <a:chExt cx="0" cy="0"/>
+        </a:xfrm>
+      </p:grpSpPr>
+      <p:sp>
+        <p:nvSpPr>
+          <p:cNvPr id="6" name="Shape 206"/>
+          <p:cNvSpPr>
+            <a:spLocks noGrp="1"/>
+          </p:cNvSpPr>
+          <p:nvPr>
+            <p:ph type="title"/>
+          </p:nvPr>
+        </p:nvSpPr>
+        <p:spPr>
+          <a:xfrm>
+            <a:off x="1041400" y="355600"/>
+            <a:ext cx="10922000" cy="1066800"/>
+          </a:xfrm>
+          <a:prstGeom prst="rect">
+            <a:avLst/>
+          </a:prstGeom>
+        </p:spPr>
+        <p:txBody>
+          <a:bodyPr/>
+          <a:lstStyle/>
+          <a:p>
+            <a:pPr lvl="0"/>
+            <a:r>
+              <a:rPr lang="en-US" sz="6600" dirty="0"/>
+              <a:t>Stack</a:t>
+            </a:r>
+            <a:endParaRPr sz="6600" dirty="0"/>
+          </a:p>
+        </p:txBody>
+      </p:sp>
+      <p:sp>
+        <p:nvSpPr>
+          <p:cNvPr id="7" name="Shape 207"/>
+          <p:cNvSpPr>
+            <a:spLocks noGrp="1"/>
+          </p:cNvSpPr>
+          <p:nvPr>
+            <p:ph type="body" idx="1"/>
+          </p:nvPr>
+        </p:nvSpPr>
+        <p:spPr>
+          <a:xfrm>
+            <a:off x="1041400" y="2286000"/>
+            <a:ext cx="10922000" cy="6616700"/>
+          </a:xfrm>
+          <a:prstGeom prst="rect">
+            <a:avLst/>
+          </a:prstGeom>
+        </p:spPr>
+        <p:txBody>
+          <a:bodyPr/>
+          <a:lstStyle/>
+          <a:p>
+            <a:r>
+              <a:rPr lang="ko-KR" altLang="en-US" sz="2400" dirty="0">
+                <a:latin typeface="배달의민족 주아" panose="02020603020101020101" pitchFamily="18" charset="-127"/>
+                <a:ea typeface="배달의민족 주아" panose="02020603020101020101" pitchFamily="18" charset="-127"/>
+              </a:rPr>
+              <a:t>자료구조의 일종으로 </a:t>
+            </a:r>
+            <a:r>
+              <a:rPr lang="en-US" altLang="ko-KR" sz="2400" dirty="0">
+                <a:latin typeface="배달의민족 주아" panose="02020603020101020101" pitchFamily="18" charset="-127"/>
+                <a:ea typeface="배달의민족 주아" panose="02020603020101020101" pitchFamily="18" charset="-127"/>
+              </a:rPr>
+              <a:t>LIFO(Last In First Out) </a:t>
             </a:r>
             <a:r>
               <a:rPr lang="ko-KR" altLang="en-US" sz="2400" dirty="0">
@@ -5347,312 +5865,6 @@
 </p:sld>
 </file>
 
-<file path=ppt/slides/slide11.xml><?xml version="1.0" encoding="utf-8"?>
-<p:sld xmlns:a="http://schemas.openxmlformats.org/drawingml/2006/main" xmlns:r="http://schemas.openxmlformats.org/officeDocument/2006/relationships" xmlns:p="http://schemas.openxmlformats.org/presentationml/2006/main">
-  <p:cSld>
-    <p:spTree>
-      <p:nvGrpSpPr>
-        <p:cNvPr id="1" name=""/>
-        <p:cNvGrpSpPr/>
-        <p:nvPr/>
-      </p:nvGrpSpPr>
-      <p:grpSpPr>
-        <a:xfrm>
-          <a:off x="0" y="0"/>
-          <a:ext cx="0" cy="0"/>
-          <a:chOff x="0" y="0"/>
-          <a:chExt cx="0" cy="0"/>
-        </a:xfrm>
-      </p:grpSpPr>
-      <p:sp>
-        <p:nvSpPr>
-          <p:cNvPr id="6" name="Shape 206"/>
-          <p:cNvSpPr>
-            <a:spLocks noGrp="1"/>
-          </p:cNvSpPr>
-          <p:nvPr>
-            <p:ph type="title"/>
-          </p:nvPr>
-        </p:nvSpPr>
-        <p:spPr>
-          <a:xfrm>
-            <a:off x="1041400" y="355600"/>
-            <a:ext cx="10922000" cy="1066800"/>
-          </a:xfrm>
-          <a:prstGeom prst="rect">
-            <a:avLst/>
-          </a:prstGeom>
-        </p:spPr>
-        <p:txBody>
-          <a:bodyPr/>
-          <a:lstStyle/>
-          <a:p>
-            <a:pPr lvl="0"/>
-            <a:r>
-              <a:rPr lang="en-US" sz="6600" dirty="0"/>
-              <a:t>implement</a:t>
-            </a:r>
-            <a:endParaRPr sz="6600" dirty="0"/>
-          </a:p>
-        </p:txBody>
-      </p:sp>
-      <p:sp>
-        <p:nvSpPr>
-          <p:cNvPr id="7" name="Shape 207"/>
-          <p:cNvSpPr>
-            <a:spLocks noGrp="1"/>
-          </p:cNvSpPr>
-          <p:nvPr>
-            <p:ph type="body" idx="1"/>
-          </p:nvPr>
-        </p:nvSpPr>
-        <p:spPr>
-          <a:xfrm>
-            <a:off x="1041400" y="2286000"/>
-            <a:ext cx="10922000" cy="6616700"/>
-          </a:xfrm>
-          <a:prstGeom prst="rect">
-            <a:avLst/>
-          </a:prstGeom>
-        </p:spPr>
-        <p:txBody>
-          <a:bodyPr/>
-          <a:lstStyle/>
-          <a:p>
-            <a:r>
-              <a:rPr lang="ko-KR" altLang="en-US" sz="2400" dirty="0">
-                <a:latin typeface="배달의민족 주아" panose="02020603020101020101" pitchFamily="18" charset="-127"/>
-                <a:ea typeface="배달의민족 주아" panose="02020603020101020101" pitchFamily="18" charset="-127"/>
-              </a:rPr>
-              <a:t>다음 기능들을 고려하여 </a:t>
-            </a:r>
-            <a:r>
-              <a:rPr lang="en-US" altLang="ko-KR" sz="2400" dirty="0">
-                <a:latin typeface="배달의민족 주아" panose="02020603020101020101" pitchFamily="18" charset="-127"/>
-                <a:ea typeface="배달의민족 주아" panose="02020603020101020101" pitchFamily="18" charset="-127"/>
-              </a:rPr>
-              <a:t>stack</a:t>
-            </a:r>
-            <a:r>
-              <a:rPr lang="ko-KR" altLang="en-US" sz="2400" dirty="0">
-                <a:latin typeface="배달의민족 주아" panose="02020603020101020101" pitchFamily="18" charset="-127"/>
-                <a:ea typeface="배달의민족 주아" panose="02020603020101020101" pitchFamily="18" charset="-127"/>
-              </a:rPr>
-              <a:t>를 구현해보자</a:t>
-            </a:r>
-            <a:endParaRPr lang="en-US" altLang="ko-KR" sz="2400" dirty="0">
-              <a:latin typeface="배달의민족 주아" panose="02020603020101020101" pitchFamily="18" charset="-127"/>
-              <a:ea typeface="배달의민족 주아" panose="02020603020101020101" pitchFamily="18" charset="-127"/>
-            </a:endParaRPr>
-          </a:p>
-          <a:p>
-            <a:pPr marL="0" indent="0">
-              <a:buNone/>
-            </a:pPr>
-            <a:r>
-              <a:rPr lang="en-US" altLang="ko-KR" sz="2400" dirty="0">
-                <a:latin typeface="배달의민족 주아" panose="02020603020101020101" pitchFamily="18" charset="-127"/>
-                <a:ea typeface="배달의민족 주아" panose="02020603020101020101" pitchFamily="18" charset="-127"/>
-              </a:rPr>
-              <a:t>   - push(): Stack</a:t>
-            </a:r>
-            <a:r>
-              <a:rPr lang="ko-KR" altLang="en-US" sz="2400" dirty="0">
-                <a:latin typeface="배달의민족 주아" panose="02020603020101020101" pitchFamily="18" charset="-127"/>
-                <a:ea typeface="배달의민족 주아" panose="02020603020101020101" pitchFamily="18" charset="-127"/>
-              </a:rPr>
-              <a:t>에 </a:t>
-            </a:r>
-            <a:r>
-              <a:rPr lang="en-US" altLang="ko-KR" sz="2400" dirty="0">
-                <a:latin typeface="배달의민족 주아" panose="02020603020101020101" pitchFamily="18" charset="-127"/>
-                <a:ea typeface="배달의민족 주아" panose="02020603020101020101" pitchFamily="18" charset="-127"/>
-              </a:rPr>
-              <a:t>data</a:t>
-            </a:r>
-            <a:r>
-              <a:rPr lang="ko-KR" altLang="en-US" sz="2400" dirty="0">
-                <a:latin typeface="배달의민족 주아" panose="02020603020101020101" pitchFamily="18" charset="-127"/>
-                <a:ea typeface="배달의민족 주아" panose="02020603020101020101" pitchFamily="18" charset="-127"/>
-              </a:rPr>
-              <a:t>를 저장</a:t>
-            </a:r>
-            <a:endParaRPr lang="en-US" altLang="ko-KR" sz="2400" dirty="0">
-              <a:latin typeface="배달의민족 주아" panose="02020603020101020101" pitchFamily="18" charset="-127"/>
-              <a:ea typeface="배달의민족 주아" panose="02020603020101020101" pitchFamily="18" charset="-127"/>
-            </a:endParaRPr>
-          </a:p>
-          <a:p>
-            <a:pPr marL="0" indent="0">
-              <a:buNone/>
-            </a:pPr>
-            <a:r>
-              <a:rPr lang="en-US" altLang="ko-KR" sz="2400" dirty="0">
-                <a:latin typeface="배달의민족 주아" panose="02020603020101020101" pitchFamily="18" charset="-127"/>
-                <a:ea typeface="배달의민족 주아" panose="02020603020101020101" pitchFamily="18" charset="-127"/>
-              </a:rPr>
-              <a:t>   - pop(): Stack</a:t>
-            </a:r>
-            <a:r>
-              <a:rPr lang="ko-KR" altLang="en-US" sz="2400" dirty="0">
-                <a:latin typeface="배달의민족 주아" panose="02020603020101020101" pitchFamily="18" charset="-127"/>
-                <a:ea typeface="배달의민족 주아" panose="02020603020101020101" pitchFamily="18" charset="-127"/>
-              </a:rPr>
-              <a:t>의 맨 앞에 있는 </a:t>
-            </a:r>
-            <a:r>
-              <a:rPr lang="en-US" altLang="ko-KR" sz="2400" dirty="0">
-                <a:latin typeface="배달의민족 주아" panose="02020603020101020101" pitchFamily="18" charset="-127"/>
-                <a:ea typeface="배달의민족 주아" panose="02020603020101020101" pitchFamily="18" charset="-127"/>
-              </a:rPr>
-              <a:t>data</a:t>
-            </a:r>
-            <a:r>
-              <a:rPr lang="ko-KR" altLang="en-US" sz="2400" dirty="0">
-                <a:latin typeface="배달의민족 주아" panose="02020603020101020101" pitchFamily="18" charset="-127"/>
-                <a:ea typeface="배달의민족 주아" panose="02020603020101020101" pitchFamily="18" charset="-127"/>
-              </a:rPr>
-              <a:t>를 제거</a:t>
-            </a:r>
-            <a:r>
-              <a:rPr lang="en-US" altLang="ko-KR" sz="2400" dirty="0">
-                <a:latin typeface="배달의민족 주아" panose="02020603020101020101" pitchFamily="18" charset="-127"/>
-                <a:ea typeface="배달의민족 주아" panose="02020603020101020101" pitchFamily="18" charset="-127"/>
-              </a:rPr>
-              <a:t>(</a:t>
-            </a:r>
-            <a:r>
-              <a:rPr lang="ko-KR" altLang="en-US" sz="2400" dirty="0">
-                <a:latin typeface="배달의민족 주아" panose="02020603020101020101" pitchFamily="18" charset="-127"/>
-                <a:ea typeface="배달의민족 주아" panose="02020603020101020101" pitchFamily="18" charset="-127"/>
-              </a:rPr>
-              <a:t>동시에 출력을 할 수도 있음</a:t>
-            </a:r>
-            <a:r>
-              <a:rPr lang="en-US" altLang="ko-KR" sz="2400" dirty="0">
-                <a:latin typeface="배달의민족 주아" panose="02020603020101020101" pitchFamily="18" charset="-127"/>
-                <a:ea typeface="배달의민족 주아" panose="02020603020101020101" pitchFamily="18" charset="-127"/>
-              </a:rPr>
-              <a:t>)</a:t>
-            </a:r>
-          </a:p>
-          <a:p>
-            <a:pPr marL="0" indent="0">
-              <a:buNone/>
-            </a:pPr>
-            <a:r>
-              <a:rPr lang="en-US" altLang="ko-KR" sz="2400" dirty="0">
-                <a:latin typeface="배달의민족 주아" panose="02020603020101020101" pitchFamily="18" charset="-127"/>
-                <a:ea typeface="배달의민족 주아" panose="02020603020101020101" pitchFamily="18" charset="-127"/>
-              </a:rPr>
-              <a:t>   - top(): Stack</a:t>
-            </a:r>
-            <a:r>
-              <a:rPr lang="ko-KR" altLang="en-US" sz="2400" dirty="0">
-                <a:latin typeface="배달의민족 주아" panose="02020603020101020101" pitchFamily="18" charset="-127"/>
-                <a:ea typeface="배달의민족 주아" panose="02020603020101020101" pitchFamily="18" charset="-127"/>
-              </a:rPr>
-              <a:t>의 맨 위에 있는 </a:t>
-            </a:r>
-            <a:r>
-              <a:rPr lang="en-US" altLang="ko-KR" sz="2400" dirty="0">
-                <a:latin typeface="배달의민족 주아" panose="02020603020101020101" pitchFamily="18" charset="-127"/>
-                <a:ea typeface="배달의민족 주아" panose="02020603020101020101" pitchFamily="18" charset="-127"/>
-              </a:rPr>
-              <a:t>data</a:t>
-            </a:r>
-            <a:r>
-              <a:rPr lang="ko-KR" altLang="en-US" sz="2400" dirty="0">
-                <a:latin typeface="배달의민족 주아" panose="02020603020101020101" pitchFamily="18" charset="-127"/>
-                <a:ea typeface="배달의민족 주아" panose="02020603020101020101" pitchFamily="18" charset="-127"/>
-              </a:rPr>
-              <a:t>를 </a:t>
-            </a:r>
-            <a:r>
-              <a:rPr lang="en-US" altLang="ko-KR" sz="2400" dirty="0">
-                <a:latin typeface="배달의민족 주아" panose="02020603020101020101" pitchFamily="18" charset="-127"/>
-                <a:ea typeface="배달의민족 주아" panose="02020603020101020101" pitchFamily="18" charset="-127"/>
-              </a:rPr>
-              <a:t>return</a:t>
-            </a:r>
-          </a:p>
-          <a:p>
-            <a:pPr marL="0" indent="0">
-              <a:buNone/>
-            </a:pPr>
-            <a:r>
-              <a:rPr lang="en-US" altLang="ko-KR" sz="2400" dirty="0">
-                <a:latin typeface="배달의민족 주아" panose="02020603020101020101" pitchFamily="18" charset="-127"/>
-                <a:ea typeface="배달의민족 주아" panose="02020603020101020101" pitchFamily="18" charset="-127"/>
-              </a:rPr>
-              <a:t>   - size(): Stack</a:t>
-            </a:r>
-            <a:r>
-              <a:rPr lang="ko-KR" altLang="en-US" sz="2400" dirty="0">
-                <a:latin typeface="배달의민족 주아" panose="02020603020101020101" pitchFamily="18" charset="-127"/>
-                <a:ea typeface="배달의민족 주아" panose="02020603020101020101" pitchFamily="18" charset="-127"/>
-              </a:rPr>
-              <a:t>의 크기를 </a:t>
-            </a:r>
-            <a:r>
-              <a:rPr lang="en-US" altLang="ko-KR" sz="2400" dirty="0">
-                <a:latin typeface="배달의민족 주아" panose="02020603020101020101" pitchFamily="18" charset="-127"/>
-                <a:ea typeface="배달의민족 주아" panose="02020603020101020101" pitchFamily="18" charset="-127"/>
-              </a:rPr>
-              <a:t>return</a:t>
-            </a:r>
-          </a:p>
-          <a:p>
-            <a:pPr marL="0" indent="0">
-              <a:buNone/>
-            </a:pPr>
-            <a:r>
-              <a:rPr lang="en-US" altLang="ko-KR" sz="2400" dirty="0">
-                <a:latin typeface="배달의민족 주아" panose="02020603020101020101" pitchFamily="18" charset="-127"/>
-                <a:ea typeface="배달의민족 주아" panose="02020603020101020101" pitchFamily="18" charset="-127"/>
-              </a:rPr>
-              <a:t>   - empty(): Stack</a:t>
-            </a:r>
-            <a:r>
-              <a:rPr lang="ko-KR" altLang="en-US" sz="2400" dirty="0">
-                <a:latin typeface="배달의민족 주아" panose="02020603020101020101" pitchFamily="18" charset="-127"/>
-                <a:ea typeface="배달의민족 주아" panose="02020603020101020101" pitchFamily="18" charset="-127"/>
-              </a:rPr>
-              <a:t>이 비어 있는지를 </a:t>
-            </a:r>
-            <a:r>
-              <a:rPr lang="en-US" altLang="ko-KR" sz="2400" dirty="0">
-                <a:latin typeface="배달의민족 주아" panose="02020603020101020101" pitchFamily="18" charset="-127"/>
-                <a:ea typeface="배달의민족 주아" panose="02020603020101020101" pitchFamily="18" charset="-127"/>
-              </a:rPr>
-              <a:t>return</a:t>
-            </a:r>
-          </a:p>
-          <a:p>
-            <a:pPr marL="0" indent="0">
-              <a:buNone/>
-            </a:pPr>
-            <a:endParaRPr lang="en-US" altLang="ko-KR" sz="2400" dirty="0">
-              <a:latin typeface="배달의민족 주아" panose="02020603020101020101" pitchFamily="18" charset="-127"/>
-              <a:ea typeface="배달의민족 주아" panose="02020603020101020101" pitchFamily="18" charset="-127"/>
-            </a:endParaRPr>
-          </a:p>
-        </p:txBody>
-      </p:sp>
-    </p:spTree>
-    <p:extLst>
-      <p:ext uri="{BB962C8B-B14F-4D97-AF65-F5344CB8AC3E}">
-        <p14:creationId xmlns:p14="http://schemas.microsoft.com/office/powerpoint/2010/main" val="172985666"/>
-      </p:ext>
-    </p:extLst>
-  </p:cSld>
-  <p:clrMapOvr>
-    <a:masterClrMapping/>
-  </p:clrMapOvr>
-  <p:transition spd="med"/>
-</p:sld>
-</file>
-
 <file path=ppt/slides/slide12.xml><?xml version="1.0" encoding="utf-8"?>
 <p:sld xmlns:a="http://schemas.openxmlformats.org/drawingml/2006/main" xmlns:r="http://schemas.openxmlformats.org/officeDocument/2006/relationships" xmlns:p="http://schemas.openxmlformats.org/presentationml/2006/main">
   <p:cSld>
@@ -5696,7 +5908,11 @@
             <a:pPr lvl="0"/>
             <a:r>
               <a:rPr lang="en-US" sz="6600" dirty="0"/>
-              <a:t>STANDARD TEMPLATE LIBRARY</a:t>
+              <a:t>implementation  10828: </a:t>
+            </a:r>
+            <a:r>
+              <a:rPr lang="ko-KR" altLang="en-US" sz="6600" dirty="0"/>
+              <a:t>스택</a:t>
             </a:r>
             <a:endParaRPr sz="6600" dirty="0"/>
           </a:p>
@@ -5726,6 +5942,312 @@
           <a:lstStyle/>
           <a:p>
             <a:r>
+              <a:rPr lang="ko-KR" altLang="en-US" sz="2400" dirty="0">
+                <a:latin typeface="배달의민족 주아" panose="02020603020101020101" pitchFamily="18" charset="-127"/>
+                <a:ea typeface="배달의민족 주아" panose="02020603020101020101" pitchFamily="18" charset="-127"/>
+              </a:rPr>
+              <a:t>다음 기능들을 고려하여 </a:t>
+            </a:r>
+            <a:r>
+              <a:rPr lang="en-US" altLang="ko-KR" sz="2400" dirty="0">
+                <a:latin typeface="배달의민족 주아" panose="02020603020101020101" pitchFamily="18" charset="-127"/>
+                <a:ea typeface="배달의민족 주아" panose="02020603020101020101" pitchFamily="18" charset="-127"/>
+              </a:rPr>
+              <a:t>stack</a:t>
+            </a:r>
+            <a:r>
+              <a:rPr lang="ko-KR" altLang="en-US" sz="2400" dirty="0">
+                <a:latin typeface="배달의민족 주아" panose="02020603020101020101" pitchFamily="18" charset="-127"/>
+                <a:ea typeface="배달의민족 주아" panose="02020603020101020101" pitchFamily="18" charset="-127"/>
+              </a:rPr>
+              <a:t>를 구현해보자</a:t>
+            </a:r>
+            <a:endParaRPr lang="en-US" altLang="ko-KR" sz="2400" dirty="0">
+              <a:latin typeface="배달의민족 주아" panose="02020603020101020101" pitchFamily="18" charset="-127"/>
+              <a:ea typeface="배달의민족 주아" panose="02020603020101020101" pitchFamily="18" charset="-127"/>
+            </a:endParaRPr>
+          </a:p>
+          <a:p>
+            <a:pPr marL="0" indent="0">
+              <a:buNone/>
+            </a:pPr>
+            <a:r>
+              <a:rPr lang="en-US" altLang="ko-KR" sz="2400" dirty="0">
+                <a:latin typeface="배달의민족 주아" panose="02020603020101020101" pitchFamily="18" charset="-127"/>
+                <a:ea typeface="배달의민족 주아" panose="02020603020101020101" pitchFamily="18" charset="-127"/>
+              </a:rPr>
+              <a:t>   - push(): Stack</a:t>
+            </a:r>
+            <a:r>
+              <a:rPr lang="ko-KR" altLang="en-US" sz="2400" dirty="0">
+                <a:latin typeface="배달의민족 주아" panose="02020603020101020101" pitchFamily="18" charset="-127"/>
+                <a:ea typeface="배달의민족 주아" panose="02020603020101020101" pitchFamily="18" charset="-127"/>
+              </a:rPr>
+              <a:t>에 </a:t>
+            </a:r>
+            <a:r>
+              <a:rPr lang="en-US" altLang="ko-KR" sz="2400" dirty="0">
+                <a:latin typeface="배달의민족 주아" panose="02020603020101020101" pitchFamily="18" charset="-127"/>
+                <a:ea typeface="배달의민족 주아" panose="02020603020101020101" pitchFamily="18" charset="-127"/>
+              </a:rPr>
+              <a:t>data</a:t>
+            </a:r>
+            <a:r>
+              <a:rPr lang="ko-KR" altLang="en-US" sz="2400" dirty="0">
+                <a:latin typeface="배달의민족 주아" panose="02020603020101020101" pitchFamily="18" charset="-127"/>
+                <a:ea typeface="배달의민족 주아" panose="02020603020101020101" pitchFamily="18" charset="-127"/>
+              </a:rPr>
+              <a:t>를 저장</a:t>
+            </a:r>
+            <a:endParaRPr lang="en-US" altLang="ko-KR" sz="2400" dirty="0">
+              <a:latin typeface="배달의민족 주아" panose="02020603020101020101" pitchFamily="18" charset="-127"/>
+              <a:ea typeface="배달의민족 주아" panose="02020603020101020101" pitchFamily="18" charset="-127"/>
+            </a:endParaRPr>
+          </a:p>
+          <a:p>
+            <a:pPr marL="0" indent="0">
+              <a:buNone/>
+            </a:pPr>
+            <a:r>
+              <a:rPr lang="en-US" altLang="ko-KR" sz="2400" dirty="0">
+                <a:latin typeface="배달의민족 주아" panose="02020603020101020101" pitchFamily="18" charset="-127"/>
+                <a:ea typeface="배달의민족 주아" panose="02020603020101020101" pitchFamily="18" charset="-127"/>
+              </a:rPr>
+              <a:t>   - pop(): Stack</a:t>
+            </a:r>
+            <a:r>
+              <a:rPr lang="ko-KR" altLang="en-US" sz="2400" dirty="0">
+                <a:latin typeface="배달의민족 주아" panose="02020603020101020101" pitchFamily="18" charset="-127"/>
+                <a:ea typeface="배달의민족 주아" panose="02020603020101020101" pitchFamily="18" charset="-127"/>
+              </a:rPr>
+              <a:t>의 맨 앞에 있는 </a:t>
+            </a:r>
+            <a:r>
+              <a:rPr lang="en-US" altLang="ko-KR" sz="2400" dirty="0">
+                <a:latin typeface="배달의민족 주아" panose="02020603020101020101" pitchFamily="18" charset="-127"/>
+                <a:ea typeface="배달의민족 주아" panose="02020603020101020101" pitchFamily="18" charset="-127"/>
+              </a:rPr>
+              <a:t>data</a:t>
+            </a:r>
+            <a:r>
+              <a:rPr lang="ko-KR" altLang="en-US" sz="2400" dirty="0">
+                <a:latin typeface="배달의민족 주아" panose="02020603020101020101" pitchFamily="18" charset="-127"/>
+                <a:ea typeface="배달의민족 주아" panose="02020603020101020101" pitchFamily="18" charset="-127"/>
+              </a:rPr>
+              <a:t>를 제거</a:t>
+            </a:r>
+            <a:r>
+              <a:rPr lang="en-US" altLang="ko-KR" sz="2400" dirty="0">
+                <a:latin typeface="배달의민족 주아" panose="02020603020101020101" pitchFamily="18" charset="-127"/>
+                <a:ea typeface="배달의민족 주아" panose="02020603020101020101" pitchFamily="18" charset="-127"/>
+              </a:rPr>
+              <a:t>(</a:t>
+            </a:r>
+            <a:r>
+              <a:rPr lang="ko-KR" altLang="en-US" sz="2400" dirty="0">
+                <a:latin typeface="배달의민족 주아" panose="02020603020101020101" pitchFamily="18" charset="-127"/>
+                <a:ea typeface="배달의민족 주아" panose="02020603020101020101" pitchFamily="18" charset="-127"/>
+              </a:rPr>
+              <a:t>동시에 출력을 할 수도 있음</a:t>
+            </a:r>
+            <a:r>
+              <a:rPr lang="en-US" altLang="ko-KR" sz="2400" dirty="0">
+                <a:latin typeface="배달의민족 주아" panose="02020603020101020101" pitchFamily="18" charset="-127"/>
+                <a:ea typeface="배달의민족 주아" panose="02020603020101020101" pitchFamily="18" charset="-127"/>
+              </a:rPr>
+              <a:t>)</a:t>
+            </a:r>
+          </a:p>
+          <a:p>
+            <a:pPr marL="0" indent="0">
+              <a:buNone/>
+            </a:pPr>
+            <a:r>
+              <a:rPr lang="en-US" altLang="ko-KR" sz="2400" dirty="0">
+                <a:latin typeface="배달의민족 주아" panose="02020603020101020101" pitchFamily="18" charset="-127"/>
+                <a:ea typeface="배달의민족 주아" panose="02020603020101020101" pitchFamily="18" charset="-127"/>
+              </a:rPr>
+              <a:t>   - top(): Stack</a:t>
+            </a:r>
+            <a:r>
+              <a:rPr lang="ko-KR" altLang="en-US" sz="2400" dirty="0">
+                <a:latin typeface="배달의민족 주아" panose="02020603020101020101" pitchFamily="18" charset="-127"/>
+                <a:ea typeface="배달의민족 주아" panose="02020603020101020101" pitchFamily="18" charset="-127"/>
+              </a:rPr>
+              <a:t>의 맨 위에 있는 </a:t>
+            </a:r>
+            <a:r>
+              <a:rPr lang="en-US" altLang="ko-KR" sz="2400" dirty="0">
+                <a:latin typeface="배달의민족 주아" panose="02020603020101020101" pitchFamily="18" charset="-127"/>
+                <a:ea typeface="배달의민족 주아" panose="02020603020101020101" pitchFamily="18" charset="-127"/>
+              </a:rPr>
+              <a:t>data</a:t>
+            </a:r>
+            <a:r>
+              <a:rPr lang="ko-KR" altLang="en-US" sz="2400" dirty="0">
+                <a:latin typeface="배달의민족 주아" panose="02020603020101020101" pitchFamily="18" charset="-127"/>
+                <a:ea typeface="배달의민족 주아" panose="02020603020101020101" pitchFamily="18" charset="-127"/>
+              </a:rPr>
+              <a:t>를 </a:t>
+            </a:r>
+            <a:r>
+              <a:rPr lang="en-US" altLang="ko-KR" sz="2400" dirty="0">
+                <a:latin typeface="배달의민족 주아" panose="02020603020101020101" pitchFamily="18" charset="-127"/>
+                <a:ea typeface="배달의민족 주아" panose="02020603020101020101" pitchFamily="18" charset="-127"/>
+              </a:rPr>
+              <a:t>return</a:t>
+            </a:r>
+          </a:p>
+          <a:p>
+            <a:pPr marL="0" indent="0">
+              <a:buNone/>
+            </a:pPr>
+            <a:r>
+              <a:rPr lang="en-US" altLang="ko-KR" sz="2400" dirty="0">
+                <a:latin typeface="배달의민족 주아" panose="02020603020101020101" pitchFamily="18" charset="-127"/>
+                <a:ea typeface="배달의민족 주아" panose="02020603020101020101" pitchFamily="18" charset="-127"/>
+              </a:rPr>
+              <a:t>   - size(): Stack</a:t>
+            </a:r>
+            <a:r>
+              <a:rPr lang="ko-KR" altLang="en-US" sz="2400" dirty="0">
+                <a:latin typeface="배달의민족 주아" panose="02020603020101020101" pitchFamily="18" charset="-127"/>
+                <a:ea typeface="배달의민족 주아" panose="02020603020101020101" pitchFamily="18" charset="-127"/>
+              </a:rPr>
+              <a:t>의 크기를 </a:t>
+            </a:r>
+            <a:r>
+              <a:rPr lang="en-US" altLang="ko-KR" sz="2400" dirty="0">
+                <a:latin typeface="배달의민족 주아" panose="02020603020101020101" pitchFamily="18" charset="-127"/>
+                <a:ea typeface="배달의민족 주아" panose="02020603020101020101" pitchFamily="18" charset="-127"/>
+              </a:rPr>
+              <a:t>return</a:t>
+            </a:r>
+          </a:p>
+          <a:p>
+            <a:pPr marL="0" indent="0">
+              <a:buNone/>
+            </a:pPr>
+            <a:r>
+              <a:rPr lang="en-US" altLang="ko-KR" sz="2400" dirty="0">
+                <a:latin typeface="배달의민족 주아" panose="02020603020101020101" pitchFamily="18" charset="-127"/>
+                <a:ea typeface="배달의민족 주아" panose="02020603020101020101" pitchFamily="18" charset="-127"/>
+              </a:rPr>
+              <a:t>   - empty(): Stack</a:t>
+            </a:r>
+            <a:r>
+              <a:rPr lang="ko-KR" altLang="en-US" sz="2400" dirty="0">
+                <a:latin typeface="배달의민족 주아" panose="02020603020101020101" pitchFamily="18" charset="-127"/>
+                <a:ea typeface="배달의민족 주아" panose="02020603020101020101" pitchFamily="18" charset="-127"/>
+              </a:rPr>
+              <a:t>이 비어 있는지를 </a:t>
+            </a:r>
+            <a:r>
+              <a:rPr lang="en-US" altLang="ko-KR" sz="2400" dirty="0">
+                <a:latin typeface="배달의민족 주아" panose="02020603020101020101" pitchFamily="18" charset="-127"/>
+                <a:ea typeface="배달의민족 주아" panose="02020603020101020101" pitchFamily="18" charset="-127"/>
+              </a:rPr>
+              <a:t>return</a:t>
+            </a:r>
+          </a:p>
+          <a:p>
+            <a:pPr marL="0" indent="0">
+              <a:buNone/>
+            </a:pPr>
+            <a:endParaRPr lang="en-US" altLang="ko-KR" sz="2400" dirty="0">
+              <a:latin typeface="배달의민족 주아" panose="02020603020101020101" pitchFamily="18" charset="-127"/>
+              <a:ea typeface="배달의민족 주아" panose="02020603020101020101" pitchFamily="18" charset="-127"/>
+            </a:endParaRPr>
+          </a:p>
+        </p:txBody>
+      </p:sp>
+    </p:spTree>
+    <p:extLst>
+      <p:ext uri="{BB962C8B-B14F-4D97-AF65-F5344CB8AC3E}">
+        <p14:creationId xmlns:p14="http://schemas.microsoft.com/office/powerpoint/2010/main" val="172985666"/>
+      </p:ext>
+    </p:extLst>
+  </p:cSld>
+  <p:clrMapOvr>
+    <a:masterClrMapping/>
+  </p:clrMapOvr>
+  <p:transition spd="med"/>
+</p:sld>
+</file>
+
+<file path=ppt/slides/slide13.xml><?xml version="1.0" encoding="utf-8"?>
+<p:sld xmlns:a="http://schemas.openxmlformats.org/drawingml/2006/main" xmlns:r="http://schemas.openxmlformats.org/officeDocument/2006/relationships" xmlns:p="http://schemas.openxmlformats.org/presentationml/2006/main">
+  <p:cSld>
+    <p:spTree>
+      <p:nvGrpSpPr>
+        <p:cNvPr id="1" name=""/>
+        <p:cNvGrpSpPr/>
+        <p:nvPr/>
+      </p:nvGrpSpPr>
+      <p:grpSpPr>
+        <a:xfrm>
+          <a:off x="0" y="0"/>
+          <a:ext cx="0" cy="0"/>
+          <a:chOff x="0" y="0"/>
+          <a:chExt cx="0" cy="0"/>
+        </a:xfrm>
+      </p:grpSpPr>
+      <p:sp>
+        <p:nvSpPr>
+          <p:cNvPr id="6" name="Shape 206"/>
+          <p:cNvSpPr>
+            <a:spLocks noGrp="1"/>
+          </p:cNvSpPr>
+          <p:nvPr>
+            <p:ph type="title"/>
+          </p:nvPr>
+        </p:nvSpPr>
+        <p:spPr>
+          <a:xfrm>
+            <a:off x="1041400" y="355600"/>
+            <a:ext cx="10922000" cy="1066800"/>
+          </a:xfrm>
+          <a:prstGeom prst="rect">
+            <a:avLst/>
+          </a:prstGeom>
+        </p:spPr>
+        <p:txBody>
+          <a:bodyPr/>
+          <a:lstStyle/>
+          <a:p>
+            <a:pPr lvl="0"/>
+            <a:r>
+              <a:rPr lang="en-US" sz="6600" dirty="0"/>
+              <a:t>STANDARD TEMPLATE LIBRARY</a:t>
+            </a:r>
+            <a:endParaRPr sz="6600" dirty="0"/>
+          </a:p>
+        </p:txBody>
+      </p:sp>
+      <p:sp>
+        <p:nvSpPr>
+          <p:cNvPr id="7" name="Shape 207"/>
+          <p:cNvSpPr>
+            <a:spLocks noGrp="1"/>
+          </p:cNvSpPr>
+          <p:nvPr>
+            <p:ph type="body" idx="1"/>
+          </p:nvPr>
+        </p:nvSpPr>
+        <p:spPr>
+          <a:xfrm>
+            <a:off x="1041400" y="2286000"/>
+            <a:ext cx="10922000" cy="6616700"/>
+          </a:xfrm>
+          <a:prstGeom prst="rect">
+            <a:avLst/>
+          </a:prstGeom>
+        </p:spPr>
+        <p:txBody>
+          <a:bodyPr/>
+          <a:lstStyle/>
+          <a:p>
+            <a:r>
               <a:rPr lang="en-US" altLang="ko-KR" sz="2400" dirty="0">
                 <a:latin typeface="배달의민족 주아" panose="02020603020101020101" pitchFamily="18" charset="-127"/>
                 <a:ea typeface="배달의민족 주아" panose="02020603020101020101" pitchFamily="18" charset="-127"/>
@@ -5865,7 +6387,7 @@
 </p:sld>
 </file>
 
-<file path=ppt/slides/slide13.xml><?xml version="1.0" encoding="utf-8"?>
+<file path=ppt/slides/slide14.xml><?xml version="1.0" encoding="utf-8"?>
 <p:sld xmlns:a="http://schemas.openxmlformats.org/drawingml/2006/main" xmlns:r="http://schemas.openxmlformats.org/officeDocument/2006/relationships" xmlns:p="http://schemas.openxmlformats.org/presentationml/2006/main">
   <p:cSld>
     <p:spTree>
@@ -9779,6 +10301,973 @@
           </a:p>
         </p:txBody>
       </p:sp>
+      <p:sp>
+        <p:nvSpPr>
+          <p:cNvPr id="16" name="Shape 16">
+            <a:extLst>
+              <a:ext uri="{FF2B5EF4-FFF2-40B4-BE49-F238E27FC236}">
+                <a16:creationId xmlns:a16="http://schemas.microsoft.com/office/drawing/2014/main" id="{C3561348-295D-4B47-A8EE-5F24F0C2476C}"/>
+              </a:ext>
+            </a:extLst>
+          </p:cNvPr>
+          <p:cNvSpPr/>
+          <p:nvPr/>
+        </p:nvSpPr>
+        <p:spPr>
+          <a:xfrm>
+            <a:off x="6756399" y="2286000"/>
+            <a:ext cx="889001" cy="889001"/>
+          </a:xfrm>
+          <a:custGeom>
+            <a:avLst/>
+            <a:gdLst/>
+            <a:ahLst/>
+            <a:cxnLst>
+              <a:cxn ang="0">
+                <a:pos x="wd2" y="hd2"/>
+              </a:cxn>
+              <a:cxn ang="5400000">
+                <a:pos x="wd2" y="hd2"/>
+              </a:cxn>
+              <a:cxn ang="10800000">
+                <a:pos x="wd2" y="hd2"/>
+              </a:cxn>
+              <a:cxn ang="16200000">
+                <a:pos x="wd2" y="hd2"/>
+              </a:cxn>
+            </a:cxnLst>
+            <a:rect l="0" t="0" r="r" b="b"/>
+            <a:pathLst>
+              <a:path w="21485" h="21542" extrusionOk="0">
+                <a:moveTo>
+                  <a:pt x="10568" y="21542"/>
+                </a:moveTo>
+                <a:cubicBezTo>
+                  <a:pt x="10429" y="21542"/>
+                  <a:pt x="10293" y="21470"/>
+                  <a:pt x="10213" y="21338"/>
+                </a:cubicBezTo>
+                <a:cubicBezTo>
+                  <a:pt x="10091" y="21139"/>
+                  <a:pt x="10140" y="20874"/>
+                  <a:pt x="10324" y="20737"/>
+                </a:cubicBezTo>
+                <a:lnTo>
+                  <a:pt x="12314" y="19261"/>
+                </a:lnTo>
+                <a:lnTo>
+                  <a:pt x="9527" y="20951"/>
+                </a:lnTo>
+                <a:cubicBezTo>
+                  <a:pt x="9329" y="21072"/>
+                  <a:pt x="9075" y="21004"/>
+                  <a:pt x="8956" y="20797"/>
+                </a:cubicBezTo>
+                <a:cubicBezTo>
+                  <a:pt x="8925" y="20744"/>
+                  <a:pt x="8906" y="20686"/>
+                  <a:pt x="8899" y="20627"/>
+                </a:cubicBezTo>
+                <a:lnTo>
+                  <a:pt x="8887" y="20634"/>
+                </a:lnTo>
+                <a:cubicBezTo>
+                  <a:pt x="8690" y="20754"/>
+                  <a:pt x="8439" y="20688"/>
+                  <a:pt x="8319" y="20485"/>
+                </a:cubicBezTo>
+                <a:cubicBezTo>
+                  <a:pt x="8199" y="20283"/>
+                  <a:pt x="8253" y="20016"/>
+                  <a:pt x="8442" y="19883"/>
+                </a:cubicBezTo>
+                <a:lnTo>
+                  <a:pt x="9250" y="19313"/>
+                </a:lnTo>
+                <a:lnTo>
+                  <a:pt x="6890" y="20744"/>
+                </a:lnTo>
+                <a:cubicBezTo>
+                  <a:pt x="6692" y="20865"/>
+                  <a:pt x="6440" y="20797"/>
+                  <a:pt x="6320" y="20592"/>
+                </a:cubicBezTo>
+                <a:cubicBezTo>
+                  <a:pt x="6216" y="20415"/>
+                  <a:pt x="6246" y="20189"/>
+                  <a:pt x="6382" y="20048"/>
+                </a:cubicBezTo>
+                <a:lnTo>
+                  <a:pt x="6246" y="20130"/>
+                </a:lnTo>
+                <a:cubicBezTo>
+                  <a:pt x="6047" y="20251"/>
+                  <a:pt x="5793" y="20182"/>
+                  <a:pt x="5674" y="19974"/>
+                </a:cubicBezTo>
+                <a:cubicBezTo>
+                  <a:pt x="5556" y="19767"/>
+                  <a:pt x="5617" y="19499"/>
+                  <a:pt x="5812" y="19371"/>
+                </a:cubicBezTo>
+                <a:lnTo>
+                  <a:pt x="5938" y="19288"/>
+                </a:lnTo>
+                <a:cubicBezTo>
+                  <a:pt x="5905" y="19258"/>
+                  <a:pt x="5876" y="19222"/>
+                  <a:pt x="5852" y="19181"/>
+                </a:cubicBezTo>
+                <a:cubicBezTo>
+                  <a:pt x="5803" y="19094"/>
+                  <a:pt x="5784" y="18997"/>
+                  <a:pt x="5794" y="18904"/>
+                </a:cubicBezTo>
+                <a:cubicBezTo>
+                  <a:pt x="5598" y="19014"/>
+                  <a:pt x="5355" y="18946"/>
+                  <a:pt x="5237" y="18747"/>
+                </a:cubicBezTo>
+                <a:cubicBezTo>
+                  <a:pt x="5117" y="18544"/>
+                  <a:pt x="5173" y="18277"/>
+                  <a:pt x="5362" y="18145"/>
+                </a:cubicBezTo>
+                <a:lnTo>
+                  <a:pt x="8559" y="15908"/>
+                </a:lnTo>
+                <a:lnTo>
+                  <a:pt x="5044" y="18041"/>
+                </a:lnTo>
+                <a:cubicBezTo>
+                  <a:pt x="4845" y="18162"/>
+                  <a:pt x="4590" y="18092"/>
+                  <a:pt x="4472" y="17885"/>
+                </a:cubicBezTo>
+                <a:cubicBezTo>
+                  <a:pt x="4430" y="17810"/>
+                  <a:pt x="4410" y="17728"/>
+                  <a:pt x="4412" y="17647"/>
+                </a:cubicBezTo>
+                <a:lnTo>
+                  <a:pt x="3093" y="18447"/>
+                </a:lnTo>
+                <a:cubicBezTo>
+                  <a:pt x="2895" y="18568"/>
+                  <a:pt x="2642" y="18499"/>
+                  <a:pt x="2523" y="18295"/>
+                </a:cubicBezTo>
+                <a:cubicBezTo>
+                  <a:pt x="2404" y="18090"/>
+                  <a:pt x="2462" y="17823"/>
+                  <a:pt x="2653" y="17692"/>
+                </a:cubicBezTo>
+                <a:lnTo>
+                  <a:pt x="5432" y="15801"/>
+                </a:lnTo>
+                <a:lnTo>
+                  <a:pt x="2634" y="17498"/>
+                </a:lnTo>
+                <a:cubicBezTo>
+                  <a:pt x="2434" y="17620"/>
+                  <a:pt x="2179" y="17549"/>
+                  <a:pt x="2061" y="17342"/>
+                </a:cubicBezTo>
+                <a:cubicBezTo>
+                  <a:pt x="2033" y="17292"/>
+                  <a:pt x="2015" y="17239"/>
+                  <a:pt x="2007" y="17185"/>
+                </a:cubicBezTo>
+                <a:lnTo>
+                  <a:pt x="1955" y="17217"/>
+                </a:lnTo>
+                <a:cubicBezTo>
+                  <a:pt x="1755" y="17338"/>
+                  <a:pt x="1500" y="17268"/>
+                  <a:pt x="1382" y="17060"/>
+                </a:cubicBezTo>
+                <a:cubicBezTo>
+                  <a:pt x="1264" y="16852"/>
+                  <a:pt x="1327" y="16583"/>
+                  <a:pt x="1524" y="16457"/>
+                </a:cubicBezTo>
+                <a:lnTo>
+                  <a:pt x="1619" y="16395"/>
+                </a:lnTo>
+                <a:cubicBezTo>
+                  <a:pt x="1581" y="16363"/>
+                  <a:pt x="1548" y="16324"/>
+                  <a:pt x="1521" y="16278"/>
+                </a:cubicBezTo>
+                <a:cubicBezTo>
+                  <a:pt x="1402" y="16073"/>
+                  <a:pt x="1461" y="15805"/>
+                  <a:pt x="1654" y="15675"/>
+                </a:cubicBezTo>
+                <a:lnTo>
+                  <a:pt x="3911" y="14153"/>
+                </a:lnTo>
+                <a:lnTo>
+                  <a:pt x="2785" y="14836"/>
+                </a:lnTo>
+                <a:cubicBezTo>
+                  <a:pt x="2587" y="14957"/>
+                  <a:pt x="2333" y="14888"/>
+                  <a:pt x="2214" y="14682"/>
+                </a:cubicBezTo>
+                <a:cubicBezTo>
+                  <a:pt x="2135" y="14544"/>
+                  <a:pt x="2135" y="14378"/>
+                  <a:pt x="2203" y="14245"/>
+                </a:cubicBezTo>
+                <a:lnTo>
+                  <a:pt x="1518" y="14660"/>
+                </a:lnTo>
+                <a:cubicBezTo>
+                  <a:pt x="1320" y="14781"/>
+                  <a:pt x="1067" y="14712"/>
+                  <a:pt x="948" y="14508"/>
+                </a:cubicBezTo>
+                <a:cubicBezTo>
+                  <a:pt x="828" y="14303"/>
+                  <a:pt x="886" y="14035"/>
+                  <a:pt x="1078" y="13905"/>
+                </a:cubicBezTo>
+                <a:lnTo>
+                  <a:pt x="3011" y="12591"/>
+                </a:lnTo>
+                <a:lnTo>
+                  <a:pt x="1866" y="13286"/>
+                </a:lnTo>
+                <a:cubicBezTo>
+                  <a:pt x="1667" y="13407"/>
+                  <a:pt x="1414" y="13338"/>
+                  <a:pt x="1295" y="13132"/>
+                </a:cubicBezTo>
+                <a:cubicBezTo>
+                  <a:pt x="1176" y="12927"/>
+                  <a:pt x="1235" y="12659"/>
+                  <a:pt x="1429" y="12529"/>
+                </a:cubicBezTo>
+                <a:lnTo>
+                  <a:pt x="1593" y="12419"/>
+                </a:lnTo>
+                <a:lnTo>
+                  <a:pt x="632" y="13002"/>
+                </a:lnTo>
+                <a:cubicBezTo>
+                  <a:pt x="434" y="13123"/>
+                  <a:pt x="182" y="13055"/>
+                  <a:pt x="63" y="12851"/>
+                </a:cubicBezTo>
+                <a:cubicBezTo>
+                  <a:pt x="-57" y="12647"/>
+                  <a:pt x="-1" y="12380"/>
+                  <a:pt x="190" y="12248"/>
+                </a:cubicBezTo>
+                <a:lnTo>
+                  <a:pt x="2952" y="10343"/>
+                </a:lnTo>
+                <a:lnTo>
+                  <a:pt x="796" y="11651"/>
+                </a:lnTo>
+                <a:cubicBezTo>
+                  <a:pt x="597" y="11773"/>
+                  <a:pt x="342" y="11703"/>
+                  <a:pt x="224" y="11496"/>
+                </a:cubicBezTo>
+                <a:cubicBezTo>
+                  <a:pt x="106" y="11289"/>
+                  <a:pt x="167" y="11021"/>
+                  <a:pt x="361" y="10892"/>
+                </a:cubicBezTo>
+                <a:lnTo>
+                  <a:pt x="559" y="10762"/>
+                </a:lnTo>
+                <a:cubicBezTo>
+                  <a:pt x="507" y="10728"/>
+                  <a:pt x="462" y="10680"/>
+                  <a:pt x="427" y="10622"/>
+                </a:cubicBezTo>
+                <a:cubicBezTo>
+                  <a:pt x="307" y="10418"/>
+                  <a:pt x="363" y="10151"/>
+                  <a:pt x="553" y="10019"/>
+                </a:cubicBezTo>
+                <a:lnTo>
+                  <a:pt x="2730" y="8505"/>
+                </a:lnTo>
+                <a:lnTo>
+                  <a:pt x="1014" y="9546"/>
+                </a:lnTo>
+                <a:cubicBezTo>
+                  <a:pt x="816" y="9667"/>
+                  <a:pt x="562" y="9598"/>
+                  <a:pt x="443" y="9392"/>
+                </a:cubicBezTo>
+                <a:cubicBezTo>
+                  <a:pt x="324" y="9185"/>
+                  <a:pt x="385" y="8917"/>
+                  <a:pt x="579" y="8788"/>
+                </a:cubicBezTo>
+                <a:lnTo>
+                  <a:pt x="1586" y="8121"/>
+                </a:lnTo>
+                <a:cubicBezTo>
+                  <a:pt x="1567" y="8100"/>
+                  <a:pt x="1549" y="8077"/>
+                  <a:pt x="1534" y="8052"/>
+                </a:cubicBezTo>
+                <a:cubicBezTo>
+                  <a:pt x="1413" y="7852"/>
+                  <a:pt x="1462" y="7588"/>
+                  <a:pt x="1646" y="7451"/>
+                </a:cubicBezTo>
+                <a:lnTo>
+                  <a:pt x="3934" y="5755"/>
+                </a:lnTo>
+                <a:lnTo>
+                  <a:pt x="1630" y="7153"/>
+                </a:lnTo>
+                <a:cubicBezTo>
+                  <a:pt x="1436" y="7271"/>
+                  <a:pt x="1187" y="7209"/>
+                  <a:pt x="1065" y="7011"/>
+                </a:cubicBezTo>
+                <a:cubicBezTo>
+                  <a:pt x="943" y="6813"/>
+                  <a:pt x="990" y="6549"/>
+                  <a:pt x="1172" y="6411"/>
+                </a:cubicBezTo>
+                <a:lnTo>
+                  <a:pt x="2876" y="5114"/>
+                </a:lnTo>
+                <a:lnTo>
+                  <a:pt x="2721" y="5208"/>
+                </a:lnTo>
+                <a:cubicBezTo>
+                  <a:pt x="2532" y="5323"/>
+                  <a:pt x="2291" y="5267"/>
+                  <a:pt x="2165" y="5079"/>
+                </a:cubicBezTo>
+                <a:cubicBezTo>
+                  <a:pt x="2040" y="4890"/>
+                  <a:pt x="2073" y="4633"/>
+                  <a:pt x="2240" y="4485"/>
+                </a:cubicBezTo>
+                <a:lnTo>
+                  <a:pt x="3715" y="3188"/>
+                </a:lnTo>
+                <a:cubicBezTo>
+                  <a:pt x="3634" y="3151"/>
+                  <a:pt x="3564" y="3088"/>
+                  <a:pt x="3517" y="3003"/>
+                </a:cubicBezTo>
+                <a:cubicBezTo>
+                  <a:pt x="3401" y="2791"/>
+                  <a:pt x="3470" y="2520"/>
+                  <a:pt x="3671" y="2398"/>
+                </a:cubicBezTo>
+                <a:lnTo>
+                  <a:pt x="6733" y="540"/>
+                </a:lnTo>
+                <a:cubicBezTo>
+                  <a:pt x="6922" y="425"/>
+                  <a:pt x="7164" y="481"/>
+                  <a:pt x="7289" y="670"/>
+                </a:cubicBezTo>
+                <a:cubicBezTo>
+                  <a:pt x="7414" y="858"/>
+                  <a:pt x="7382" y="1116"/>
+                  <a:pt x="7214" y="1263"/>
+                </a:cubicBezTo>
+                <a:lnTo>
+                  <a:pt x="6495" y="1896"/>
+                </a:lnTo>
+                <a:lnTo>
+                  <a:pt x="9522" y="59"/>
+                </a:lnTo>
+                <a:cubicBezTo>
+                  <a:pt x="9716" y="-58"/>
+                  <a:pt x="9964" y="4"/>
+                  <a:pt x="10086" y="202"/>
+                </a:cubicBezTo>
+                <a:cubicBezTo>
+                  <a:pt x="10208" y="400"/>
+                  <a:pt x="10162" y="663"/>
+                  <a:pt x="9980" y="801"/>
+                </a:cubicBezTo>
+                <a:lnTo>
+                  <a:pt x="8276" y="2098"/>
+                </a:lnTo>
+                <a:lnTo>
+                  <a:pt x="11546" y="114"/>
+                </a:lnTo>
+                <a:cubicBezTo>
+                  <a:pt x="11741" y="-4"/>
+                  <a:pt x="11990" y="60"/>
+                  <a:pt x="12111" y="259"/>
+                </a:cubicBezTo>
+                <a:cubicBezTo>
+                  <a:pt x="12233" y="459"/>
+                  <a:pt x="12183" y="723"/>
+                  <a:pt x="11999" y="860"/>
+                </a:cubicBezTo>
+                <a:lnTo>
+                  <a:pt x="9712" y="2555"/>
+                </a:lnTo>
+                <a:lnTo>
+                  <a:pt x="12863" y="644"/>
+                </a:lnTo>
+                <a:cubicBezTo>
+                  <a:pt x="13062" y="523"/>
+                  <a:pt x="13316" y="592"/>
+                  <a:pt x="13434" y="798"/>
+                </a:cubicBezTo>
+                <a:cubicBezTo>
+                  <a:pt x="13463" y="848"/>
+                  <a:pt x="13481" y="901"/>
+                  <a:pt x="13489" y="955"/>
+                </a:cubicBezTo>
+                <a:lnTo>
+                  <a:pt x="14265" y="484"/>
+                </a:lnTo>
+                <a:cubicBezTo>
+                  <a:pt x="14462" y="364"/>
+                  <a:pt x="14714" y="431"/>
+                  <a:pt x="14834" y="635"/>
+                </a:cubicBezTo>
+                <a:cubicBezTo>
+                  <a:pt x="14954" y="838"/>
+                  <a:pt x="14898" y="1105"/>
+                  <a:pt x="14708" y="1237"/>
+                </a:cubicBezTo>
+                <a:lnTo>
+                  <a:pt x="12533" y="2750"/>
+                </a:lnTo>
+                <a:lnTo>
+                  <a:pt x="15152" y="1161"/>
+                </a:lnTo>
+                <a:cubicBezTo>
+                  <a:pt x="15351" y="1040"/>
+                  <a:pt x="15605" y="1109"/>
+                  <a:pt x="15724" y="1316"/>
+                </a:cubicBezTo>
+                <a:cubicBezTo>
+                  <a:pt x="15824" y="1490"/>
+                  <a:pt x="15796" y="1708"/>
+                  <a:pt x="15669" y="1849"/>
+                </a:cubicBezTo>
+                <a:cubicBezTo>
+                  <a:pt x="15731" y="1885"/>
+                  <a:pt x="15786" y="1937"/>
+                  <a:pt x="15827" y="2006"/>
+                </a:cubicBezTo>
+                <a:cubicBezTo>
+                  <a:pt x="15946" y="2210"/>
+                  <a:pt x="15890" y="2477"/>
+                  <a:pt x="15699" y="2608"/>
+                </a:cubicBezTo>
+                <a:lnTo>
+                  <a:pt x="12934" y="4516"/>
+                </a:lnTo>
+                <a:lnTo>
+                  <a:pt x="17776" y="1578"/>
+                </a:lnTo>
+                <a:cubicBezTo>
+                  <a:pt x="17974" y="1458"/>
+                  <a:pt x="18228" y="1526"/>
+                  <a:pt x="18347" y="1732"/>
+                </a:cubicBezTo>
+                <a:cubicBezTo>
+                  <a:pt x="18466" y="1938"/>
+                  <a:pt x="18406" y="2205"/>
+                  <a:pt x="18213" y="2335"/>
+                </a:cubicBezTo>
+                <a:lnTo>
+                  <a:pt x="17202" y="3012"/>
+                </a:lnTo>
+                <a:cubicBezTo>
+                  <a:pt x="17352" y="3001"/>
+                  <a:pt x="17502" y="3079"/>
+                  <a:pt x="17587" y="3224"/>
+                </a:cubicBezTo>
+                <a:cubicBezTo>
+                  <a:pt x="17706" y="3428"/>
+                  <a:pt x="17648" y="3696"/>
+                  <a:pt x="17456" y="3826"/>
+                </a:cubicBezTo>
+                <a:lnTo>
+                  <a:pt x="15523" y="5141"/>
+                </a:lnTo>
+                <a:lnTo>
+                  <a:pt x="17548" y="3912"/>
+                </a:lnTo>
+                <a:cubicBezTo>
+                  <a:pt x="17747" y="3792"/>
+                  <a:pt x="18001" y="3860"/>
+                  <a:pt x="18119" y="4065"/>
+                </a:cubicBezTo>
+                <a:cubicBezTo>
+                  <a:pt x="18199" y="4203"/>
+                  <a:pt x="18199" y="4370"/>
+                  <a:pt x="18131" y="4503"/>
+                </a:cubicBezTo>
+                <a:lnTo>
+                  <a:pt x="19052" y="3944"/>
+                </a:lnTo>
+                <a:cubicBezTo>
+                  <a:pt x="19251" y="3824"/>
+                  <a:pt x="19503" y="3892"/>
+                  <a:pt x="19623" y="4097"/>
+                </a:cubicBezTo>
+                <a:cubicBezTo>
+                  <a:pt x="19742" y="4303"/>
+                  <a:pt x="19683" y="4570"/>
+                  <a:pt x="19490" y="4700"/>
+                </a:cubicBezTo>
+                <a:lnTo>
+                  <a:pt x="17234" y="6222"/>
+                </a:lnTo>
+                <a:lnTo>
+                  <a:pt x="19391" y="4913"/>
+                </a:lnTo>
+                <a:cubicBezTo>
+                  <a:pt x="19590" y="4792"/>
+                  <a:pt x="19846" y="4862"/>
+                  <a:pt x="19963" y="5070"/>
+                </a:cubicBezTo>
+                <a:cubicBezTo>
+                  <a:pt x="19993" y="5122"/>
+                  <a:pt x="20011" y="5178"/>
+                  <a:pt x="20019" y="5235"/>
+                </a:cubicBezTo>
+                <a:cubicBezTo>
+                  <a:pt x="20216" y="5125"/>
+                  <a:pt x="20464" y="5195"/>
+                  <a:pt x="20580" y="5399"/>
+                </a:cubicBezTo>
+                <a:cubicBezTo>
+                  <a:pt x="20698" y="5607"/>
+                  <a:pt x="20634" y="5876"/>
+                  <a:pt x="20438" y="6003"/>
+                </a:cubicBezTo>
+                <a:lnTo>
+                  <a:pt x="19769" y="6435"/>
+                </a:lnTo>
+                <a:cubicBezTo>
+                  <a:pt x="19798" y="6463"/>
+                  <a:pt x="19823" y="6495"/>
+                  <a:pt x="19845" y="6532"/>
+                </a:cubicBezTo>
+                <a:cubicBezTo>
+                  <a:pt x="19964" y="6737"/>
+                  <a:pt x="19906" y="7004"/>
+                  <a:pt x="19714" y="7135"/>
+                </a:cubicBezTo>
+                <a:lnTo>
+                  <a:pt x="16936" y="9026"/>
+                </a:lnTo>
+                <a:lnTo>
+                  <a:pt x="20853" y="6650"/>
+                </a:lnTo>
+                <a:cubicBezTo>
+                  <a:pt x="21052" y="6528"/>
+                  <a:pt x="21307" y="6598"/>
+                  <a:pt x="21425" y="6805"/>
+                </a:cubicBezTo>
+                <a:cubicBezTo>
+                  <a:pt x="21543" y="7012"/>
+                  <a:pt x="21482" y="7281"/>
+                  <a:pt x="21286" y="7409"/>
+                </a:cubicBezTo>
+                <a:lnTo>
+                  <a:pt x="20045" y="8222"/>
+                </a:lnTo>
+                <a:cubicBezTo>
+                  <a:pt x="20087" y="8254"/>
+                  <a:pt x="20125" y="8296"/>
+                  <a:pt x="20154" y="8346"/>
+                </a:cubicBezTo>
+                <a:cubicBezTo>
+                  <a:pt x="20274" y="8549"/>
+                  <a:pt x="20219" y="8815"/>
+                  <a:pt x="20030" y="8948"/>
+                </a:cubicBezTo>
+                <a:lnTo>
+                  <a:pt x="16835" y="11183"/>
+                </a:lnTo>
+                <a:lnTo>
+                  <a:pt x="20194" y="9145"/>
+                </a:lnTo>
+                <a:cubicBezTo>
+                  <a:pt x="20392" y="9024"/>
+                  <a:pt x="20646" y="9093"/>
+                  <a:pt x="20765" y="9299"/>
+                </a:cubicBezTo>
+                <a:cubicBezTo>
+                  <a:pt x="20884" y="9506"/>
+                  <a:pt x="20824" y="9774"/>
+                  <a:pt x="20630" y="9903"/>
+                </a:cubicBezTo>
+                <a:lnTo>
+                  <a:pt x="20003" y="10319"/>
+                </a:lnTo>
+                <a:cubicBezTo>
+                  <a:pt x="20066" y="10356"/>
+                  <a:pt x="20122" y="10410"/>
+                  <a:pt x="20162" y="10480"/>
+                </a:cubicBezTo>
+                <a:cubicBezTo>
+                  <a:pt x="20280" y="10687"/>
+                  <a:pt x="20219" y="10955"/>
+                  <a:pt x="20024" y="11083"/>
+                </a:cubicBezTo>
+                <a:lnTo>
+                  <a:pt x="19989" y="11106"/>
+                </a:lnTo>
+                <a:cubicBezTo>
+                  <a:pt x="20023" y="11136"/>
+                  <a:pt x="20053" y="11172"/>
+                  <a:pt x="20077" y="11213"/>
+                </a:cubicBezTo>
+                <a:cubicBezTo>
+                  <a:pt x="20196" y="11418"/>
+                  <a:pt x="20139" y="11685"/>
+                  <a:pt x="19948" y="11816"/>
+                </a:cubicBezTo>
+                <a:lnTo>
+                  <a:pt x="19720" y="11971"/>
+                </a:lnTo>
+                <a:cubicBezTo>
+                  <a:pt x="19883" y="11944"/>
+                  <a:pt x="20052" y="12019"/>
+                  <a:pt x="20144" y="12174"/>
+                </a:cubicBezTo>
+                <a:cubicBezTo>
+                  <a:pt x="20264" y="12377"/>
+                  <a:pt x="20210" y="12643"/>
+                  <a:pt x="20021" y="12776"/>
+                </a:cubicBezTo>
+                <a:lnTo>
+                  <a:pt x="19214" y="13347"/>
+                </a:lnTo>
+                <a:lnTo>
+                  <a:pt x="20519" y="12555"/>
+                </a:lnTo>
+                <a:cubicBezTo>
+                  <a:pt x="20717" y="12434"/>
+                  <a:pt x="20971" y="12502"/>
+                  <a:pt x="21090" y="12709"/>
+                </a:cubicBezTo>
+                <a:cubicBezTo>
+                  <a:pt x="21209" y="12914"/>
+                  <a:pt x="21149" y="13182"/>
+                  <a:pt x="20956" y="13312"/>
+                </a:cubicBezTo>
+                <a:lnTo>
+                  <a:pt x="20359" y="13711"/>
+                </a:lnTo>
+                <a:cubicBezTo>
+                  <a:pt x="20386" y="13737"/>
+                  <a:pt x="20410" y="13767"/>
+                  <a:pt x="20431" y="13801"/>
+                </a:cubicBezTo>
+                <a:cubicBezTo>
+                  <a:pt x="20552" y="14001"/>
+                  <a:pt x="20503" y="14265"/>
+                  <a:pt x="20319" y="14402"/>
+                </a:cubicBezTo>
+                <a:lnTo>
+                  <a:pt x="18332" y="15877"/>
+                </a:lnTo>
+                <a:lnTo>
+                  <a:pt x="18896" y="15535"/>
+                </a:lnTo>
+                <a:cubicBezTo>
+                  <a:pt x="19088" y="15417"/>
+                  <a:pt x="19334" y="15479"/>
+                  <a:pt x="19457" y="15674"/>
+                </a:cubicBezTo>
+                <a:cubicBezTo>
+                  <a:pt x="19580" y="15868"/>
+                  <a:pt x="19538" y="16130"/>
+                  <a:pt x="19361" y="16271"/>
+                </a:cubicBezTo>
+                <a:lnTo>
+                  <a:pt x="17911" y="17426"/>
+                </a:lnTo>
+                <a:cubicBezTo>
+                  <a:pt x="17948" y="17458"/>
+                  <a:pt x="17980" y="17498"/>
+                  <a:pt x="18005" y="17544"/>
+                </a:cubicBezTo>
+                <a:cubicBezTo>
+                  <a:pt x="18121" y="17756"/>
+                  <a:pt x="18052" y="18026"/>
+                  <a:pt x="17851" y="18148"/>
+                </a:cubicBezTo>
+                <a:lnTo>
+                  <a:pt x="14263" y="20325"/>
+                </a:lnTo>
+                <a:cubicBezTo>
+                  <a:pt x="14071" y="20443"/>
+                  <a:pt x="13825" y="20381"/>
+                  <a:pt x="13702" y="20186"/>
+                </a:cubicBezTo>
+                <a:cubicBezTo>
+                  <a:pt x="13610" y="20041"/>
+                  <a:pt x="13610" y="19858"/>
+                  <a:pt x="13690" y="19716"/>
+                </a:cubicBezTo>
+                <a:lnTo>
+                  <a:pt x="10778" y="21483"/>
+                </a:lnTo>
+                <a:cubicBezTo>
+                  <a:pt x="10712" y="21523"/>
+                  <a:pt x="10639" y="21542"/>
+                  <a:pt x="10568" y="21542"/>
+                </a:cubicBezTo>
+                <a:close/>
+              </a:path>
+            </a:pathLst>
+          </a:custGeom>
+          <a:solidFill>
+            <a:srgbClr val="4FC0E9"/>
+          </a:solidFill>
+          <a:ln w="25400">
+            <a:miter lim="400000"/>
+          </a:ln>
+        </p:spPr>
+        <p:txBody>
+          <a:bodyPr lIns="38100" tIns="38100" rIns="38100" bIns="38100" anchor="ctr"/>
+          <a:lstStyle/>
+          <a:p>
+            <a:pPr lvl="0" defTabSz="457200">
+              <a:defRPr sz="3000">
+                <a:solidFill>
+                  <a:srgbClr val="FFFFFF"/>
+                </a:solidFill>
+                <a:effectLst>
+                  <a:outerShdw blurRad="38100" dist="12700" dir="5400000" rotWithShape="0">
+                    <a:srgbClr val="000000">
+                      <a:alpha val="50000"/>
+                    </a:srgbClr>
+                  </a:outerShdw>
+                </a:effectLst>
+              </a:defRPr>
+            </a:pPr>
+            <a:endParaRPr/>
+          </a:p>
+        </p:txBody>
+      </p:sp>
+      <p:sp>
+        <p:nvSpPr>
+          <p:cNvPr id="20" name="Shape 192">
+            <a:extLst>
+              <a:ext uri="{FF2B5EF4-FFF2-40B4-BE49-F238E27FC236}">
+                <a16:creationId xmlns:a16="http://schemas.microsoft.com/office/drawing/2014/main" id="{E5D27BCC-F809-45B8-B9AD-12EC94162E4E}"/>
+              </a:ext>
+            </a:extLst>
+          </p:cNvPr>
+          <p:cNvSpPr/>
+          <p:nvPr/>
+        </p:nvSpPr>
+        <p:spPr>
+          <a:xfrm>
+            <a:off x="6756400" y="2253155"/>
+            <a:ext cx="889000" cy="889002"/>
+          </a:xfrm>
+          <a:custGeom>
+            <a:avLst/>
+            <a:gdLst/>
+            <a:ahLst/>
+            <a:cxnLst>
+              <a:cxn ang="0">
+                <a:pos x="wd2" y="hd2"/>
+              </a:cxn>
+              <a:cxn ang="5400000">
+                <a:pos x="wd2" y="hd2"/>
+              </a:cxn>
+              <a:cxn ang="10800000">
+                <a:pos x="wd2" y="hd2"/>
+              </a:cxn>
+              <a:cxn ang="16200000">
+                <a:pos x="wd2" y="hd2"/>
+              </a:cxn>
+            </a:cxnLst>
+            <a:rect l="0" t="0" r="r" b="b"/>
+            <a:pathLst>
+              <a:path w="19679" h="19679" extrusionOk="0">
+                <a:moveTo>
+                  <a:pt x="16796" y="2882"/>
+                </a:moveTo>
+                <a:cubicBezTo>
+                  <a:pt x="20639" y="6724"/>
+                  <a:pt x="20639" y="12954"/>
+                  <a:pt x="16796" y="16796"/>
+                </a:cubicBezTo>
+                <a:cubicBezTo>
+                  <a:pt x="12954" y="20639"/>
+                  <a:pt x="6724" y="20639"/>
+                  <a:pt x="2882" y="16796"/>
+                </a:cubicBezTo>
+                <a:cubicBezTo>
+                  <a:pt x="-961" y="12954"/>
+                  <a:pt x="-961" y="6724"/>
+                  <a:pt x="2882" y="2882"/>
+                </a:cubicBezTo>
+                <a:cubicBezTo>
+                  <a:pt x="6724" y="-961"/>
+                  <a:pt x="12954" y="-961"/>
+                  <a:pt x="16796" y="2882"/>
+                </a:cubicBezTo>
+              </a:path>
+            </a:pathLst>
+          </a:custGeom>
+          <a:ln w="12700">
+            <a:miter lim="400000"/>
+          </a:ln>
+          <a:extLst>
+            <a:ext uri="{C572A759-6A51-4108-AA02-DFA0A04FC94B}">
+              <ma14:wrappingTextBoxFlag xmlns="" xmlns:ma14="http://schemas.microsoft.com/office/mac/drawingml/2011/main" val="1"/>
+            </a:ext>
+          </a:extLst>
+        </p:spPr>
+        <p:txBody>
+          <a:bodyPr lIns="0" tIns="0" rIns="0" bIns="0" anchor="ctr"/>
+          <a:lstStyle>
+            <a:lvl1pPr>
+              <a:defRPr sz="4800" cap="all">
+                <a:solidFill>
+                  <a:srgbClr val="FFFFFF"/>
+                </a:solidFill>
+                <a:latin typeface="+mj-lt"/>
+                <a:ea typeface="+mj-ea"/>
+                <a:cs typeface="+mj-cs"/>
+                <a:sym typeface="나눔손글씨 펜"/>
+              </a:defRPr>
+            </a:lvl1pPr>
+          </a:lstStyle>
+          <a:p>
+            <a:pPr lvl="0">
+              <a:defRPr sz="1800" cap="none">
+                <a:solidFill>
+                  <a:srgbClr val="000000"/>
+                </a:solidFill>
+              </a:defRPr>
+            </a:pPr>
+            <a:r>
+              <a:rPr sz="4800" cap="all" dirty="0">
+                <a:solidFill>
+                  <a:srgbClr val="FFFFFF"/>
+                </a:solidFill>
+              </a:rPr>
+              <a:t>5</a:t>
+            </a:r>
+          </a:p>
+        </p:txBody>
+      </p:sp>
+      <p:sp>
+        <p:nvSpPr>
+          <p:cNvPr id="21" name="Shape 198">
+            <a:extLst>
+              <a:ext uri="{FF2B5EF4-FFF2-40B4-BE49-F238E27FC236}">
+                <a16:creationId xmlns:a16="http://schemas.microsoft.com/office/drawing/2014/main" id="{97771E34-096C-4CDF-8E3E-D03E4BAD5651}"/>
+              </a:ext>
+            </a:extLst>
+          </p:cNvPr>
+          <p:cNvSpPr/>
+          <p:nvPr/>
+        </p:nvSpPr>
+        <p:spPr>
+          <a:xfrm>
+            <a:off x="7899400" y="2286000"/>
+            <a:ext cx="4064000" cy="1333500"/>
+          </a:xfrm>
+          <a:prstGeom prst="rect">
+            <a:avLst/>
+          </a:prstGeom>
+          <a:ln w="12700">
+            <a:miter lim="400000"/>
+          </a:ln>
+          <a:extLst>
+            <a:ext uri="{C572A759-6A51-4108-AA02-DFA0A04FC94B}">
+              <ma14:wrappingTextBoxFlag xmlns="" xmlns:ma14="http://schemas.microsoft.com/office/mac/drawingml/2011/main" val="1"/>
+            </a:ext>
+          </a:extLst>
+        </p:spPr>
+        <p:txBody>
+          <a:bodyPr lIns="0" tIns="0" rIns="0" bIns="0"/>
+          <a:lstStyle>
+            <a:lvl1pPr algn="l">
+              <a:defRPr sz="2200">
+                <a:solidFill>
+                  <a:srgbClr val="727272"/>
+                </a:solidFill>
+                <a:latin typeface="+mn-lt"/>
+                <a:ea typeface="+mn-ea"/>
+                <a:cs typeface="+mn-cs"/>
+                <a:sym typeface="Avenir Book"/>
+              </a:defRPr>
+            </a:lvl1pPr>
+          </a:lstStyle>
+          <a:p>
+            <a:pPr lvl="0">
+              <a:defRPr sz="1800">
+                <a:solidFill>
+                  <a:srgbClr val="000000"/>
+                </a:solidFill>
+              </a:defRPr>
+            </a:pPr>
+            <a:r>
+              <a:rPr lang="en-US" altLang="ko-KR" sz="2400" dirty="0">
+                <a:solidFill>
+                  <a:schemeClr val="tx1">
+                    <a:lumMod val="50000"/>
+                    <a:lumOff val="50000"/>
+                  </a:schemeClr>
+                </a:solidFill>
+                <a:latin typeface="배달의민족 주아" panose="02020603020101020101" pitchFamily="18" charset="-127"/>
+                <a:ea typeface="배달의민족 주아" panose="02020603020101020101" pitchFamily="18" charset="-127"/>
+              </a:rPr>
+              <a:t>11944</a:t>
+            </a:r>
+          </a:p>
+          <a:p>
+            <a:pPr lvl="0">
+              <a:defRPr sz="1800">
+                <a:solidFill>
+                  <a:srgbClr val="000000"/>
+                </a:solidFill>
+              </a:defRPr>
+            </a:pPr>
+            <a:r>
+              <a:rPr lang="en-US" altLang="ko-KR" sz="2400" dirty="0">
+                <a:solidFill>
+                  <a:schemeClr val="tx1">
+                    <a:lumMod val="50000"/>
+                    <a:lumOff val="50000"/>
+                  </a:schemeClr>
+                </a:solidFill>
+                <a:latin typeface="배달의민족 주아" panose="02020603020101020101" pitchFamily="18" charset="-127"/>
+                <a:ea typeface="배달의민족 주아" panose="02020603020101020101" pitchFamily="18" charset="-127"/>
+              </a:rPr>
+              <a:t>NN</a:t>
+            </a:r>
+            <a:endParaRPr sz="2400" dirty="0">
+              <a:solidFill>
+                <a:schemeClr val="tx1">
+                  <a:lumMod val="50000"/>
+                  <a:lumOff val="50000"/>
+                </a:schemeClr>
+              </a:solidFill>
+              <a:latin typeface="배달의민족 주아" panose="02020603020101020101" pitchFamily="18" charset="-127"/>
+              <a:ea typeface="배달의민족 주아" panose="02020603020101020101" pitchFamily="18" charset="-127"/>
+            </a:endParaRPr>
+          </a:p>
+        </p:txBody>
+      </p:sp>
     </p:spTree>
     <p:extLst>
       <p:ext uri="{BB962C8B-B14F-4D97-AF65-F5344CB8AC3E}">
@@ -9793,7 +11282,7 @@
 </p:sld>
 </file>
 
-<file path=ppt/slides/slide14.xml><?xml version="1.0" encoding="utf-8"?>
+<file path=ppt/slides/slide15.xml><?xml version="1.0" encoding="utf-8"?>
 <p:sld xmlns:a="http://schemas.openxmlformats.org/drawingml/2006/main" xmlns:r="http://schemas.openxmlformats.org/officeDocument/2006/relationships" xmlns:p="http://schemas.openxmlformats.org/presentationml/2006/main">
   <p:cSld>
     <p:spTree>
@@ -13907,6 +15396,4814 @@
       </p:sp>
       <p:sp>
         <p:nvSpPr>
+          <p:cNvPr id="26" name="Shape 15"/>
+          <p:cNvSpPr/>
+          <p:nvPr/>
+        </p:nvSpPr>
+        <p:spPr>
+          <a:xfrm>
+            <a:off x="1041399" y="7581900"/>
+            <a:ext cx="889001" cy="889000"/>
+          </a:xfrm>
+          <a:custGeom>
+            <a:avLst/>
+            <a:gdLst/>
+            <a:ahLst/>
+            <a:cxnLst>
+              <a:cxn ang="0">
+                <a:pos x="wd2" y="hd2"/>
+              </a:cxn>
+              <a:cxn ang="5400000">
+                <a:pos x="wd2" y="hd2"/>
+              </a:cxn>
+              <a:cxn ang="10800000">
+                <a:pos x="wd2" y="hd2"/>
+              </a:cxn>
+              <a:cxn ang="16200000">
+                <a:pos x="wd2" y="hd2"/>
+              </a:cxn>
+            </a:cxnLst>
+            <a:rect l="0" t="0" r="r" b="b"/>
+            <a:pathLst>
+              <a:path w="21485" h="21542" extrusionOk="0">
+                <a:moveTo>
+                  <a:pt x="10568" y="21542"/>
+                </a:moveTo>
+                <a:cubicBezTo>
+                  <a:pt x="10429" y="21542"/>
+                  <a:pt x="10293" y="21470"/>
+                  <a:pt x="10213" y="21338"/>
+                </a:cubicBezTo>
+                <a:cubicBezTo>
+                  <a:pt x="10091" y="21139"/>
+                  <a:pt x="10140" y="20874"/>
+                  <a:pt x="10324" y="20737"/>
+                </a:cubicBezTo>
+                <a:lnTo>
+                  <a:pt x="12314" y="19261"/>
+                </a:lnTo>
+                <a:lnTo>
+                  <a:pt x="9527" y="20951"/>
+                </a:lnTo>
+                <a:cubicBezTo>
+                  <a:pt x="9329" y="21072"/>
+                  <a:pt x="9075" y="21004"/>
+                  <a:pt x="8956" y="20797"/>
+                </a:cubicBezTo>
+                <a:cubicBezTo>
+                  <a:pt x="8925" y="20744"/>
+                  <a:pt x="8906" y="20686"/>
+                  <a:pt x="8899" y="20627"/>
+                </a:cubicBezTo>
+                <a:lnTo>
+                  <a:pt x="8887" y="20634"/>
+                </a:lnTo>
+                <a:cubicBezTo>
+                  <a:pt x="8690" y="20754"/>
+                  <a:pt x="8439" y="20688"/>
+                  <a:pt x="8319" y="20485"/>
+                </a:cubicBezTo>
+                <a:cubicBezTo>
+                  <a:pt x="8199" y="20283"/>
+                  <a:pt x="8253" y="20016"/>
+                  <a:pt x="8442" y="19883"/>
+                </a:cubicBezTo>
+                <a:lnTo>
+                  <a:pt x="9250" y="19313"/>
+                </a:lnTo>
+                <a:lnTo>
+                  <a:pt x="6890" y="20744"/>
+                </a:lnTo>
+                <a:cubicBezTo>
+                  <a:pt x="6692" y="20865"/>
+                  <a:pt x="6440" y="20797"/>
+                  <a:pt x="6320" y="20592"/>
+                </a:cubicBezTo>
+                <a:cubicBezTo>
+                  <a:pt x="6216" y="20415"/>
+                  <a:pt x="6246" y="20189"/>
+                  <a:pt x="6382" y="20048"/>
+                </a:cubicBezTo>
+                <a:lnTo>
+                  <a:pt x="6246" y="20130"/>
+                </a:lnTo>
+                <a:cubicBezTo>
+                  <a:pt x="6047" y="20251"/>
+                  <a:pt x="5793" y="20182"/>
+                  <a:pt x="5674" y="19974"/>
+                </a:cubicBezTo>
+                <a:cubicBezTo>
+                  <a:pt x="5556" y="19767"/>
+                  <a:pt x="5617" y="19499"/>
+                  <a:pt x="5812" y="19371"/>
+                </a:cubicBezTo>
+                <a:lnTo>
+                  <a:pt x="5938" y="19288"/>
+                </a:lnTo>
+                <a:cubicBezTo>
+                  <a:pt x="5905" y="19258"/>
+                  <a:pt x="5876" y="19222"/>
+                  <a:pt x="5852" y="19181"/>
+                </a:cubicBezTo>
+                <a:cubicBezTo>
+                  <a:pt x="5803" y="19094"/>
+                  <a:pt x="5784" y="18997"/>
+                  <a:pt x="5794" y="18904"/>
+                </a:cubicBezTo>
+                <a:cubicBezTo>
+                  <a:pt x="5598" y="19014"/>
+                  <a:pt x="5355" y="18946"/>
+                  <a:pt x="5237" y="18747"/>
+                </a:cubicBezTo>
+                <a:cubicBezTo>
+                  <a:pt x="5117" y="18544"/>
+                  <a:pt x="5173" y="18277"/>
+                  <a:pt x="5362" y="18145"/>
+                </a:cubicBezTo>
+                <a:lnTo>
+                  <a:pt x="8559" y="15908"/>
+                </a:lnTo>
+                <a:lnTo>
+                  <a:pt x="5044" y="18041"/>
+                </a:lnTo>
+                <a:cubicBezTo>
+                  <a:pt x="4845" y="18162"/>
+                  <a:pt x="4590" y="18092"/>
+                  <a:pt x="4472" y="17885"/>
+                </a:cubicBezTo>
+                <a:cubicBezTo>
+                  <a:pt x="4430" y="17810"/>
+                  <a:pt x="4410" y="17728"/>
+                  <a:pt x="4412" y="17647"/>
+                </a:cubicBezTo>
+                <a:lnTo>
+                  <a:pt x="3093" y="18447"/>
+                </a:lnTo>
+                <a:cubicBezTo>
+                  <a:pt x="2895" y="18568"/>
+                  <a:pt x="2642" y="18499"/>
+                  <a:pt x="2523" y="18295"/>
+                </a:cubicBezTo>
+                <a:cubicBezTo>
+                  <a:pt x="2404" y="18090"/>
+                  <a:pt x="2462" y="17823"/>
+                  <a:pt x="2653" y="17692"/>
+                </a:cubicBezTo>
+                <a:lnTo>
+                  <a:pt x="5432" y="15801"/>
+                </a:lnTo>
+                <a:lnTo>
+                  <a:pt x="2634" y="17498"/>
+                </a:lnTo>
+                <a:cubicBezTo>
+                  <a:pt x="2434" y="17620"/>
+                  <a:pt x="2179" y="17549"/>
+                  <a:pt x="2061" y="17342"/>
+                </a:cubicBezTo>
+                <a:cubicBezTo>
+                  <a:pt x="2033" y="17292"/>
+                  <a:pt x="2015" y="17239"/>
+                  <a:pt x="2007" y="17185"/>
+                </a:cubicBezTo>
+                <a:lnTo>
+                  <a:pt x="1955" y="17217"/>
+                </a:lnTo>
+                <a:cubicBezTo>
+                  <a:pt x="1755" y="17338"/>
+                  <a:pt x="1500" y="17268"/>
+                  <a:pt x="1382" y="17060"/>
+                </a:cubicBezTo>
+                <a:cubicBezTo>
+                  <a:pt x="1264" y="16852"/>
+                  <a:pt x="1327" y="16583"/>
+                  <a:pt x="1524" y="16457"/>
+                </a:cubicBezTo>
+                <a:lnTo>
+                  <a:pt x="1619" y="16395"/>
+                </a:lnTo>
+                <a:cubicBezTo>
+                  <a:pt x="1581" y="16363"/>
+                  <a:pt x="1548" y="16324"/>
+                  <a:pt x="1521" y="16278"/>
+                </a:cubicBezTo>
+                <a:cubicBezTo>
+                  <a:pt x="1402" y="16073"/>
+                  <a:pt x="1461" y="15805"/>
+                  <a:pt x="1654" y="15675"/>
+                </a:cubicBezTo>
+                <a:lnTo>
+                  <a:pt x="3911" y="14153"/>
+                </a:lnTo>
+                <a:lnTo>
+                  <a:pt x="2785" y="14836"/>
+                </a:lnTo>
+                <a:cubicBezTo>
+                  <a:pt x="2587" y="14957"/>
+                  <a:pt x="2333" y="14888"/>
+                  <a:pt x="2214" y="14682"/>
+                </a:cubicBezTo>
+                <a:cubicBezTo>
+                  <a:pt x="2135" y="14544"/>
+                  <a:pt x="2135" y="14378"/>
+                  <a:pt x="2203" y="14245"/>
+                </a:cubicBezTo>
+                <a:lnTo>
+                  <a:pt x="1518" y="14660"/>
+                </a:lnTo>
+                <a:cubicBezTo>
+                  <a:pt x="1320" y="14781"/>
+                  <a:pt x="1067" y="14712"/>
+                  <a:pt x="948" y="14508"/>
+                </a:cubicBezTo>
+                <a:cubicBezTo>
+                  <a:pt x="828" y="14303"/>
+                  <a:pt x="886" y="14035"/>
+                  <a:pt x="1078" y="13905"/>
+                </a:cubicBezTo>
+                <a:lnTo>
+                  <a:pt x="3011" y="12591"/>
+                </a:lnTo>
+                <a:lnTo>
+                  <a:pt x="1866" y="13286"/>
+                </a:lnTo>
+                <a:cubicBezTo>
+                  <a:pt x="1667" y="13407"/>
+                  <a:pt x="1414" y="13338"/>
+                  <a:pt x="1295" y="13132"/>
+                </a:cubicBezTo>
+                <a:cubicBezTo>
+                  <a:pt x="1176" y="12927"/>
+                  <a:pt x="1235" y="12659"/>
+                  <a:pt x="1429" y="12529"/>
+                </a:cubicBezTo>
+                <a:lnTo>
+                  <a:pt x="1593" y="12419"/>
+                </a:lnTo>
+                <a:lnTo>
+                  <a:pt x="632" y="13002"/>
+                </a:lnTo>
+                <a:cubicBezTo>
+                  <a:pt x="434" y="13123"/>
+                  <a:pt x="182" y="13055"/>
+                  <a:pt x="63" y="12851"/>
+                </a:cubicBezTo>
+                <a:cubicBezTo>
+                  <a:pt x="-57" y="12647"/>
+                  <a:pt x="-1" y="12380"/>
+                  <a:pt x="190" y="12248"/>
+                </a:cubicBezTo>
+                <a:lnTo>
+                  <a:pt x="2952" y="10343"/>
+                </a:lnTo>
+                <a:lnTo>
+                  <a:pt x="796" y="11651"/>
+                </a:lnTo>
+                <a:cubicBezTo>
+                  <a:pt x="597" y="11773"/>
+                  <a:pt x="342" y="11703"/>
+                  <a:pt x="224" y="11496"/>
+                </a:cubicBezTo>
+                <a:cubicBezTo>
+                  <a:pt x="106" y="11289"/>
+                  <a:pt x="167" y="11021"/>
+                  <a:pt x="361" y="10892"/>
+                </a:cubicBezTo>
+                <a:lnTo>
+                  <a:pt x="559" y="10762"/>
+                </a:lnTo>
+                <a:cubicBezTo>
+                  <a:pt x="507" y="10728"/>
+                  <a:pt x="462" y="10680"/>
+                  <a:pt x="427" y="10622"/>
+                </a:cubicBezTo>
+                <a:cubicBezTo>
+                  <a:pt x="307" y="10418"/>
+                  <a:pt x="363" y="10151"/>
+                  <a:pt x="553" y="10019"/>
+                </a:cubicBezTo>
+                <a:lnTo>
+                  <a:pt x="2730" y="8505"/>
+                </a:lnTo>
+                <a:lnTo>
+                  <a:pt x="1014" y="9546"/>
+                </a:lnTo>
+                <a:cubicBezTo>
+                  <a:pt x="816" y="9667"/>
+                  <a:pt x="562" y="9598"/>
+                  <a:pt x="443" y="9392"/>
+                </a:cubicBezTo>
+                <a:cubicBezTo>
+                  <a:pt x="324" y="9185"/>
+                  <a:pt x="385" y="8917"/>
+                  <a:pt x="579" y="8788"/>
+                </a:cubicBezTo>
+                <a:lnTo>
+                  <a:pt x="1586" y="8121"/>
+                </a:lnTo>
+                <a:cubicBezTo>
+                  <a:pt x="1567" y="8100"/>
+                  <a:pt x="1549" y="8077"/>
+                  <a:pt x="1534" y="8052"/>
+                </a:cubicBezTo>
+                <a:cubicBezTo>
+                  <a:pt x="1413" y="7852"/>
+                  <a:pt x="1462" y="7588"/>
+                  <a:pt x="1646" y="7451"/>
+                </a:cubicBezTo>
+                <a:lnTo>
+                  <a:pt x="3934" y="5755"/>
+                </a:lnTo>
+                <a:lnTo>
+                  <a:pt x="1630" y="7153"/>
+                </a:lnTo>
+                <a:cubicBezTo>
+                  <a:pt x="1436" y="7271"/>
+                  <a:pt x="1187" y="7209"/>
+                  <a:pt x="1065" y="7011"/>
+                </a:cubicBezTo>
+                <a:cubicBezTo>
+                  <a:pt x="943" y="6813"/>
+                  <a:pt x="990" y="6549"/>
+                  <a:pt x="1172" y="6411"/>
+                </a:cubicBezTo>
+                <a:lnTo>
+                  <a:pt x="2876" y="5114"/>
+                </a:lnTo>
+                <a:lnTo>
+                  <a:pt x="2721" y="5208"/>
+                </a:lnTo>
+                <a:cubicBezTo>
+                  <a:pt x="2532" y="5323"/>
+                  <a:pt x="2291" y="5267"/>
+                  <a:pt x="2165" y="5079"/>
+                </a:cubicBezTo>
+                <a:cubicBezTo>
+                  <a:pt x="2040" y="4890"/>
+                  <a:pt x="2073" y="4633"/>
+                  <a:pt x="2240" y="4485"/>
+                </a:cubicBezTo>
+                <a:lnTo>
+                  <a:pt x="3715" y="3188"/>
+                </a:lnTo>
+                <a:cubicBezTo>
+                  <a:pt x="3634" y="3151"/>
+                  <a:pt x="3564" y="3088"/>
+                  <a:pt x="3517" y="3003"/>
+                </a:cubicBezTo>
+                <a:cubicBezTo>
+                  <a:pt x="3401" y="2791"/>
+                  <a:pt x="3470" y="2520"/>
+                  <a:pt x="3671" y="2398"/>
+                </a:cubicBezTo>
+                <a:lnTo>
+                  <a:pt x="6733" y="540"/>
+                </a:lnTo>
+                <a:cubicBezTo>
+                  <a:pt x="6922" y="425"/>
+                  <a:pt x="7164" y="481"/>
+                  <a:pt x="7289" y="670"/>
+                </a:cubicBezTo>
+                <a:cubicBezTo>
+                  <a:pt x="7414" y="858"/>
+                  <a:pt x="7382" y="1116"/>
+                  <a:pt x="7214" y="1263"/>
+                </a:cubicBezTo>
+                <a:lnTo>
+                  <a:pt x="6495" y="1896"/>
+                </a:lnTo>
+                <a:lnTo>
+                  <a:pt x="9522" y="59"/>
+                </a:lnTo>
+                <a:cubicBezTo>
+                  <a:pt x="9716" y="-58"/>
+                  <a:pt x="9964" y="4"/>
+                  <a:pt x="10086" y="202"/>
+                </a:cubicBezTo>
+                <a:cubicBezTo>
+                  <a:pt x="10208" y="400"/>
+                  <a:pt x="10162" y="663"/>
+                  <a:pt x="9980" y="801"/>
+                </a:cubicBezTo>
+                <a:lnTo>
+                  <a:pt x="8276" y="2098"/>
+                </a:lnTo>
+                <a:lnTo>
+                  <a:pt x="11546" y="114"/>
+                </a:lnTo>
+                <a:cubicBezTo>
+                  <a:pt x="11741" y="-4"/>
+                  <a:pt x="11990" y="60"/>
+                  <a:pt x="12111" y="259"/>
+                </a:cubicBezTo>
+                <a:cubicBezTo>
+                  <a:pt x="12233" y="459"/>
+                  <a:pt x="12183" y="723"/>
+                  <a:pt x="11999" y="860"/>
+                </a:cubicBezTo>
+                <a:lnTo>
+                  <a:pt x="9712" y="2555"/>
+                </a:lnTo>
+                <a:lnTo>
+                  <a:pt x="12863" y="644"/>
+                </a:lnTo>
+                <a:cubicBezTo>
+                  <a:pt x="13062" y="523"/>
+                  <a:pt x="13316" y="592"/>
+                  <a:pt x="13434" y="798"/>
+                </a:cubicBezTo>
+                <a:cubicBezTo>
+                  <a:pt x="13463" y="848"/>
+                  <a:pt x="13481" y="901"/>
+                  <a:pt x="13489" y="955"/>
+                </a:cubicBezTo>
+                <a:lnTo>
+                  <a:pt x="14265" y="484"/>
+                </a:lnTo>
+                <a:cubicBezTo>
+                  <a:pt x="14462" y="364"/>
+                  <a:pt x="14714" y="431"/>
+                  <a:pt x="14834" y="635"/>
+                </a:cubicBezTo>
+                <a:cubicBezTo>
+                  <a:pt x="14954" y="838"/>
+                  <a:pt x="14898" y="1105"/>
+                  <a:pt x="14708" y="1237"/>
+                </a:cubicBezTo>
+                <a:lnTo>
+                  <a:pt x="12533" y="2750"/>
+                </a:lnTo>
+                <a:lnTo>
+                  <a:pt x="15152" y="1161"/>
+                </a:lnTo>
+                <a:cubicBezTo>
+                  <a:pt x="15351" y="1040"/>
+                  <a:pt x="15605" y="1109"/>
+                  <a:pt x="15724" y="1316"/>
+                </a:cubicBezTo>
+                <a:cubicBezTo>
+                  <a:pt x="15824" y="1490"/>
+                  <a:pt x="15796" y="1708"/>
+                  <a:pt x="15669" y="1849"/>
+                </a:cubicBezTo>
+                <a:cubicBezTo>
+                  <a:pt x="15731" y="1885"/>
+                  <a:pt x="15786" y="1937"/>
+                  <a:pt x="15827" y="2006"/>
+                </a:cubicBezTo>
+                <a:cubicBezTo>
+                  <a:pt x="15946" y="2210"/>
+                  <a:pt x="15890" y="2477"/>
+                  <a:pt x="15699" y="2608"/>
+                </a:cubicBezTo>
+                <a:lnTo>
+                  <a:pt x="12934" y="4516"/>
+                </a:lnTo>
+                <a:lnTo>
+                  <a:pt x="17776" y="1578"/>
+                </a:lnTo>
+                <a:cubicBezTo>
+                  <a:pt x="17974" y="1458"/>
+                  <a:pt x="18228" y="1526"/>
+                  <a:pt x="18347" y="1732"/>
+                </a:cubicBezTo>
+                <a:cubicBezTo>
+                  <a:pt x="18466" y="1938"/>
+                  <a:pt x="18406" y="2205"/>
+                  <a:pt x="18213" y="2335"/>
+                </a:cubicBezTo>
+                <a:lnTo>
+                  <a:pt x="17202" y="3012"/>
+                </a:lnTo>
+                <a:cubicBezTo>
+                  <a:pt x="17352" y="3001"/>
+                  <a:pt x="17502" y="3079"/>
+                  <a:pt x="17587" y="3224"/>
+                </a:cubicBezTo>
+                <a:cubicBezTo>
+                  <a:pt x="17706" y="3428"/>
+                  <a:pt x="17648" y="3696"/>
+                  <a:pt x="17456" y="3826"/>
+                </a:cubicBezTo>
+                <a:lnTo>
+                  <a:pt x="15523" y="5141"/>
+                </a:lnTo>
+                <a:lnTo>
+                  <a:pt x="17548" y="3912"/>
+                </a:lnTo>
+                <a:cubicBezTo>
+                  <a:pt x="17747" y="3792"/>
+                  <a:pt x="18001" y="3860"/>
+                  <a:pt x="18119" y="4065"/>
+                </a:cubicBezTo>
+                <a:cubicBezTo>
+                  <a:pt x="18199" y="4203"/>
+                  <a:pt x="18199" y="4370"/>
+                  <a:pt x="18131" y="4503"/>
+                </a:cubicBezTo>
+                <a:lnTo>
+                  <a:pt x="19052" y="3944"/>
+                </a:lnTo>
+                <a:cubicBezTo>
+                  <a:pt x="19251" y="3824"/>
+                  <a:pt x="19503" y="3892"/>
+                  <a:pt x="19623" y="4097"/>
+                </a:cubicBezTo>
+                <a:cubicBezTo>
+                  <a:pt x="19742" y="4303"/>
+                  <a:pt x="19683" y="4570"/>
+                  <a:pt x="19490" y="4700"/>
+                </a:cubicBezTo>
+                <a:lnTo>
+                  <a:pt x="17234" y="6222"/>
+                </a:lnTo>
+                <a:lnTo>
+                  <a:pt x="19391" y="4913"/>
+                </a:lnTo>
+                <a:cubicBezTo>
+                  <a:pt x="19590" y="4792"/>
+                  <a:pt x="19846" y="4862"/>
+                  <a:pt x="19963" y="5070"/>
+                </a:cubicBezTo>
+                <a:cubicBezTo>
+                  <a:pt x="19993" y="5122"/>
+                  <a:pt x="20011" y="5178"/>
+                  <a:pt x="20019" y="5235"/>
+                </a:cubicBezTo>
+                <a:cubicBezTo>
+                  <a:pt x="20216" y="5125"/>
+                  <a:pt x="20464" y="5195"/>
+                  <a:pt x="20580" y="5399"/>
+                </a:cubicBezTo>
+                <a:cubicBezTo>
+                  <a:pt x="20698" y="5607"/>
+                  <a:pt x="20634" y="5876"/>
+                  <a:pt x="20438" y="6003"/>
+                </a:cubicBezTo>
+                <a:lnTo>
+                  <a:pt x="19769" y="6435"/>
+                </a:lnTo>
+                <a:cubicBezTo>
+                  <a:pt x="19798" y="6463"/>
+                  <a:pt x="19823" y="6495"/>
+                  <a:pt x="19845" y="6532"/>
+                </a:cubicBezTo>
+                <a:cubicBezTo>
+                  <a:pt x="19964" y="6737"/>
+                  <a:pt x="19906" y="7004"/>
+                  <a:pt x="19714" y="7135"/>
+                </a:cubicBezTo>
+                <a:lnTo>
+                  <a:pt x="16936" y="9026"/>
+                </a:lnTo>
+                <a:lnTo>
+                  <a:pt x="20853" y="6650"/>
+                </a:lnTo>
+                <a:cubicBezTo>
+                  <a:pt x="21052" y="6528"/>
+                  <a:pt x="21307" y="6598"/>
+                  <a:pt x="21425" y="6805"/>
+                </a:cubicBezTo>
+                <a:cubicBezTo>
+                  <a:pt x="21543" y="7012"/>
+                  <a:pt x="21482" y="7281"/>
+                  <a:pt x="21286" y="7409"/>
+                </a:cubicBezTo>
+                <a:lnTo>
+                  <a:pt x="20045" y="8222"/>
+                </a:lnTo>
+                <a:cubicBezTo>
+                  <a:pt x="20087" y="8254"/>
+                  <a:pt x="20125" y="8296"/>
+                  <a:pt x="20154" y="8346"/>
+                </a:cubicBezTo>
+                <a:cubicBezTo>
+                  <a:pt x="20274" y="8549"/>
+                  <a:pt x="20219" y="8815"/>
+                  <a:pt x="20030" y="8948"/>
+                </a:cubicBezTo>
+                <a:lnTo>
+                  <a:pt x="16835" y="11183"/>
+                </a:lnTo>
+                <a:lnTo>
+                  <a:pt x="20194" y="9145"/>
+                </a:lnTo>
+                <a:cubicBezTo>
+                  <a:pt x="20392" y="9024"/>
+                  <a:pt x="20646" y="9093"/>
+                  <a:pt x="20765" y="9299"/>
+                </a:cubicBezTo>
+                <a:cubicBezTo>
+                  <a:pt x="20884" y="9506"/>
+                  <a:pt x="20824" y="9774"/>
+                  <a:pt x="20630" y="9903"/>
+                </a:cubicBezTo>
+                <a:lnTo>
+                  <a:pt x="20003" y="10319"/>
+                </a:lnTo>
+                <a:cubicBezTo>
+                  <a:pt x="20066" y="10356"/>
+                  <a:pt x="20122" y="10410"/>
+                  <a:pt x="20162" y="10480"/>
+                </a:cubicBezTo>
+                <a:cubicBezTo>
+                  <a:pt x="20280" y="10687"/>
+                  <a:pt x="20219" y="10955"/>
+                  <a:pt x="20024" y="11083"/>
+                </a:cubicBezTo>
+                <a:lnTo>
+                  <a:pt x="19989" y="11106"/>
+                </a:lnTo>
+                <a:cubicBezTo>
+                  <a:pt x="20023" y="11136"/>
+                  <a:pt x="20053" y="11172"/>
+                  <a:pt x="20077" y="11213"/>
+                </a:cubicBezTo>
+                <a:cubicBezTo>
+                  <a:pt x="20196" y="11418"/>
+                  <a:pt x="20139" y="11685"/>
+                  <a:pt x="19948" y="11816"/>
+                </a:cubicBezTo>
+                <a:lnTo>
+                  <a:pt x="19720" y="11971"/>
+                </a:lnTo>
+                <a:cubicBezTo>
+                  <a:pt x="19883" y="11944"/>
+                  <a:pt x="20052" y="12019"/>
+                  <a:pt x="20144" y="12174"/>
+                </a:cubicBezTo>
+                <a:cubicBezTo>
+                  <a:pt x="20264" y="12377"/>
+                  <a:pt x="20210" y="12643"/>
+                  <a:pt x="20021" y="12776"/>
+                </a:cubicBezTo>
+                <a:lnTo>
+                  <a:pt x="19214" y="13347"/>
+                </a:lnTo>
+                <a:lnTo>
+                  <a:pt x="20519" y="12555"/>
+                </a:lnTo>
+                <a:cubicBezTo>
+                  <a:pt x="20717" y="12434"/>
+                  <a:pt x="20971" y="12502"/>
+                  <a:pt x="21090" y="12709"/>
+                </a:cubicBezTo>
+                <a:cubicBezTo>
+                  <a:pt x="21209" y="12914"/>
+                  <a:pt x="21149" y="13182"/>
+                  <a:pt x="20956" y="13312"/>
+                </a:cubicBezTo>
+                <a:lnTo>
+                  <a:pt x="20359" y="13711"/>
+                </a:lnTo>
+                <a:cubicBezTo>
+                  <a:pt x="20386" y="13737"/>
+                  <a:pt x="20410" y="13767"/>
+                  <a:pt x="20431" y="13801"/>
+                </a:cubicBezTo>
+                <a:cubicBezTo>
+                  <a:pt x="20552" y="14001"/>
+                  <a:pt x="20503" y="14265"/>
+                  <a:pt x="20319" y="14402"/>
+                </a:cubicBezTo>
+                <a:lnTo>
+                  <a:pt x="18332" y="15877"/>
+                </a:lnTo>
+                <a:lnTo>
+                  <a:pt x="18896" y="15535"/>
+                </a:lnTo>
+                <a:cubicBezTo>
+                  <a:pt x="19088" y="15417"/>
+                  <a:pt x="19334" y="15479"/>
+                  <a:pt x="19457" y="15674"/>
+                </a:cubicBezTo>
+                <a:cubicBezTo>
+                  <a:pt x="19580" y="15868"/>
+                  <a:pt x="19538" y="16130"/>
+                  <a:pt x="19361" y="16271"/>
+                </a:cubicBezTo>
+                <a:lnTo>
+                  <a:pt x="17911" y="17426"/>
+                </a:lnTo>
+                <a:cubicBezTo>
+                  <a:pt x="17948" y="17458"/>
+                  <a:pt x="17980" y="17498"/>
+                  <a:pt x="18005" y="17544"/>
+                </a:cubicBezTo>
+                <a:cubicBezTo>
+                  <a:pt x="18121" y="17756"/>
+                  <a:pt x="18052" y="18026"/>
+                  <a:pt x="17851" y="18148"/>
+                </a:cubicBezTo>
+                <a:lnTo>
+                  <a:pt x="14263" y="20325"/>
+                </a:lnTo>
+                <a:cubicBezTo>
+                  <a:pt x="14071" y="20443"/>
+                  <a:pt x="13825" y="20381"/>
+                  <a:pt x="13702" y="20186"/>
+                </a:cubicBezTo>
+                <a:cubicBezTo>
+                  <a:pt x="13610" y="20041"/>
+                  <a:pt x="13610" y="19858"/>
+                  <a:pt x="13690" y="19716"/>
+                </a:cubicBezTo>
+                <a:lnTo>
+                  <a:pt x="10778" y="21483"/>
+                </a:lnTo>
+                <a:cubicBezTo>
+                  <a:pt x="10712" y="21523"/>
+                  <a:pt x="10639" y="21542"/>
+                  <a:pt x="10568" y="21542"/>
+                </a:cubicBezTo>
+                <a:close/>
+              </a:path>
+            </a:pathLst>
+          </a:custGeom>
+          <a:solidFill>
+            <a:srgbClr val="4FC0E9"/>
+          </a:solidFill>
+          <a:ln w="25400">
+            <a:miter lim="400000"/>
+          </a:ln>
+        </p:spPr>
+        <p:txBody>
+          <a:bodyPr lIns="38100" tIns="38100" rIns="38100" bIns="38100" anchor="ctr"/>
+          <a:lstStyle/>
+          <a:p>
+            <a:pPr lvl="0" defTabSz="457200">
+              <a:defRPr sz="3000">
+                <a:solidFill>
+                  <a:srgbClr val="FFFFFF"/>
+                </a:solidFill>
+                <a:effectLst>
+                  <a:outerShdw blurRad="38100" dist="12700" dir="5400000" rotWithShape="0">
+                    <a:srgbClr val="000000">
+                      <a:alpha val="50000"/>
+                    </a:srgbClr>
+                  </a:outerShdw>
+                </a:effectLst>
+              </a:defRPr>
+            </a:pPr>
+            <a:endParaRPr/>
+          </a:p>
+        </p:txBody>
+      </p:sp>
+      <p:sp>
+        <p:nvSpPr>
+          <p:cNvPr id="27" name="Shape 16"/>
+          <p:cNvSpPr/>
+          <p:nvPr/>
+        </p:nvSpPr>
+        <p:spPr>
+          <a:xfrm>
+            <a:off x="6756399" y="2286000"/>
+            <a:ext cx="889001" cy="889001"/>
+          </a:xfrm>
+          <a:custGeom>
+            <a:avLst/>
+            <a:gdLst/>
+            <a:ahLst/>
+            <a:cxnLst>
+              <a:cxn ang="0">
+                <a:pos x="wd2" y="hd2"/>
+              </a:cxn>
+              <a:cxn ang="5400000">
+                <a:pos x="wd2" y="hd2"/>
+              </a:cxn>
+              <a:cxn ang="10800000">
+                <a:pos x="wd2" y="hd2"/>
+              </a:cxn>
+              <a:cxn ang="16200000">
+                <a:pos x="wd2" y="hd2"/>
+              </a:cxn>
+            </a:cxnLst>
+            <a:rect l="0" t="0" r="r" b="b"/>
+            <a:pathLst>
+              <a:path w="21485" h="21542" extrusionOk="0">
+                <a:moveTo>
+                  <a:pt x="10568" y="21542"/>
+                </a:moveTo>
+                <a:cubicBezTo>
+                  <a:pt x="10429" y="21542"/>
+                  <a:pt x="10293" y="21470"/>
+                  <a:pt x="10213" y="21338"/>
+                </a:cubicBezTo>
+                <a:cubicBezTo>
+                  <a:pt x="10091" y="21139"/>
+                  <a:pt x="10140" y="20874"/>
+                  <a:pt x="10324" y="20737"/>
+                </a:cubicBezTo>
+                <a:lnTo>
+                  <a:pt x="12314" y="19261"/>
+                </a:lnTo>
+                <a:lnTo>
+                  <a:pt x="9527" y="20951"/>
+                </a:lnTo>
+                <a:cubicBezTo>
+                  <a:pt x="9329" y="21072"/>
+                  <a:pt x="9075" y="21004"/>
+                  <a:pt x="8956" y="20797"/>
+                </a:cubicBezTo>
+                <a:cubicBezTo>
+                  <a:pt x="8925" y="20744"/>
+                  <a:pt x="8906" y="20686"/>
+                  <a:pt x="8899" y="20627"/>
+                </a:cubicBezTo>
+                <a:lnTo>
+                  <a:pt x="8887" y="20634"/>
+                </a:lnTo>
+                <a:cubicBezTo>
+                  <a:pt x="8690" y="20754"/>
+                  <a:pt x="8439" y="20688"/>
+                  <a:pt x="8319" y="20485"/>
+                </a:cubicBezTo>
+                <a:cubicBezTo>
+                  <a:pt x="8199" y="20283"/>
+                  <a:pt x="8253" y="20016"/>
+                  <a:pt x="8442" y="19883"/>
+                </a:cubicBezTo>
+                <a:lnTo>
+                  <a:pt x="9250" y="19313"/>
+                </a:lnTo>
+                <a:lnTo>
+                  <a:pt x="6890" y="20744"/>
+                </a:lnTo>
+                <a:cubicBezTo>
+                  <a:pt x="6692" y="20865"/>
+                  <a:pt x="6440" y="20797"/>
+                  <a:pt x="6320" y="20592"/>
+                </a:cubicBezTo>
+                <a:cubicBezTo>
+                  <a:pt x="6216" y="20415"/>
+                  <a:pt x="6246" y="20189"/>
+                  <a:pt x="6382" y="20048"/>
+                </a:cubicBezTo>
+                <a:lnTo>
+                  <a:pt x="6246" y="20130"/>
+                </a:lnTo>
+                <a:cubicBezTo>
+                  <a:pt x="6047" y="20251"/>
+                  <a:pt x="5793" y="20182"/>
+                  <a:pt x="5674" y="19974"/>
+                </a:cubicBezTo>
+                <a:cubicBezTo>
+                  <a:pt x="5556" y="19767"/>
+                  <a:pt x="5617" y="19499"/>
+                  <a:pt x="5812" y="19371"/>
+                </a:cubicBezTo>
+                <a:lnTo>
+                  <a:pt x="5938" y="19288"/>
+                </a:lnTo>
+                <a:cubicBezTo>
+                  <a:pt x="5905" y="19258"/>
+                  <a:pt x="5876" y="19222"/>
+                  <a:pt x="5852" y="19181"/>
+                </a:cubicBezTo>
+                <a:cubicBezTo>
+                  <a:pt x="5803" y="19094"/>
+                  <a:pt x="5784" y="18997"/>
+                  <a:pt x="5794" y="18904"/>
+                </a:cubicBezTo>
+                <a:cubicBezTo>
+                  <a:pt x="5598" y="19014"/>
+                  <a:pt x="5355" y="18946"/>
+                  <a:pt x="5237" y="18747"/>
+                </a:cubicBezTo>
+                <a:cubicBezTo>
+                  <a:pt x="5117" y="18544"/>
+                  <a:pt x="5173" y="18277"/>
+                  <a:pt x="5362" y="18145"/>
+                </a:cubicBezTo>
+                <a:lnTo>
+                  <a:pt x="8559" y="15908"/>
+                </a:lnTo>
+                <a:lnTo>
+                  <a:pt x="5044" y="18041"/>
+                </a:lnTo>
+                <a:cubicBezTo>
+                  <a:pt x="4845" y="18162"/>
+                  <a:pt x="4590" y="18092"/>
+                  <a:pt x="4472" y="17885"/>
+                </a:cubicBezTo>
+                <a:cubicBezTo>
+                  <a:pt x="4430" y="17810"/>
+                  <a:pt x="4410" y="17728"/>
+                  <a:pt x="4412" y="17647"/>
+                </a:cubicBezTo>
+                <a:lnTo>
+                  <a:pt x="3093" y="18447"/>
+                </a:lnTo>
+                <a:cubicBezTo>
+                  <a:pt x="2895" y="18568"/>
+                  <a:pt x="2642" y="18499"/>
+                  <a:pt x="2523" y="18295"/>
+                </a:cubicBezTo>
+                <a:cubicBezTo>
+                  <a:pt x="2404" y="18090"/>
+                  <a:pt x="2462" y="17823"/>
+                  <a:pt x="2653" y="17692"/>
+                </a:cubicBezTo>
+                <a:lnTo>
+                  <a:pt x="5432" y="15801"/>
+                </a:lnTo>
+                <a:lnTo>
+                  <a:pt x="2634" y="17498"/>
+                </a:lnTo>
+                <a:cubicBezTo>
+                  <a:pt x="2434" y="17620"/>
+                  <a:pt x="2179" y="17549"/>
+                  <a:pt x="2061" y="17342"/>
+                </a:cubicBezTo>
+                <a:cubicBezTo>
+                  <a:pt x="2033" y="17292"/>
+                  <a:pt x="2015" y="17239"/>
+                  <a:pt x="2007" y="17185"/>
+                </a:cubicBezTo>
+                <a:lnTo>
+                  <a:pt x="1955" y="17217"/>
+                </a:lnTo>
+                <a:cubicBezTo>
+                  <a:pt x="1755" y="17338"/>
+                  <a:pt x="1500" y="17268"/>
+                  <a:pt x="1382" y="17060"/>
+                </a:cubicBezTo>
+                <a:cubicBezTo>
+                  <a:pt x="1264" y="16852"/>
+                  <a:pt x="1327" y="16583"/>
+                  <a:pt x="1524" y="16457"/>
+                </a:cubicBezTo>
+                <a:lnTo>
+                  <a:pt x="1619" y="16395"/>
+                </a:lnTo>
+                <a:cubicBezTo>
+                  <a:pt x="1581" y="16363"/>
+                  <a:pt x="1548" y="16324"/>
+                  <a:pt x="1521" y="16278"/>
+                </a:cubicBezTo>
+                <a:cubicBezTo>
+                  <a:pt x="1402" y="16073"/>
+                  <a:pt x="1461" y="15805"/>
+                  <a:pt x="1654" y="15675"/>
+                </a:cubicBezTo>
+                <a:lnTo>
+                  <a:pt x="3911" y="14153"/>
+                </a:lnTo>
+                <a:lnTo>
+                  <a:pt x="2785" y="14836"/>
+                </a:lnTo>
+                <a:cubicBezTo>
+                  <a:pt x="2587" y="14957"/>
+                  <a:pt x="2333" y="14888"/>
+                  <a:pt x="2214" y="14682"/>
+                </a:cubicBezTo>
+                <a:cubicBezTo>
+                  <a:pt x="2135" y="14544"/>
+                  <a:pt x="2135" y="14378"/>
+                  <a:pt x="2203" y="14245"/>
+                </a:cubicBezTo>
+                <a:lnTo>
+                  <a:pt x="1518" y="14660"/>
+                </a:lnTo>
+                <a:cubicBezTo>
+                  <a:pt x="1320" y="14781"/>
+                  <a:pt x="1067" y="14712"/>
+                  <a:pt x="948" y="14508"/>
+                </a:cubicBezTo>
+                <a:cubicBezTo>
+                  <a:pt x="828" y="14303"/>
+                  <a:pt x="886" y="14035"/>
+                  <a:pt x="1078" y="13905"/>
+                </a:cubicBezTo>
+                <a:lnTo>
+                  <a:pt x="3011" y="12591"/>
+                </a:lnTo>
+                <a:lnTo>
+                  <a:pt x="1866" y="13286"/>
+                </a:lnTo>
+                <a:cubicBezTo>
+                  <a:pt x="1667" y="13407"/>
+                  <a:pt x="1414" y="13338"/>
+                  <a:pt x="1295" y="13132"/>
+                </a:cubicBezTo>
+                <a:cubicBezTo>
+                  <a:pt x="1176" y="12927"/>
+                  <a:pt x="1235" y="12659"/>
+                  <a:pt x="1429" y="12529"/>
+                </a:cubicBezTo>
+                <a:lnTo>
+                  <a:pt x="1593" y="12419"/>
+                </a:lnTo>
+                <a:lnTo>
+                  <a:pt x="632" y="13002"/>
+                </a:lnTo>
+                <a:cubicBezTo>
+                  <a:pt x="434" y="13123"/>
+                  <a:pt x="182" y="13055"/>
+                  <a:pt x="63" y="12851"/>
+                </a:cubicBezTo>
+                <a:cubicBezTo>
+                  <a:pt x="-57" y="12647"/>
+                  <a:pt x="-1" y="12380"/>
+                  <a:pt x="190" y="12248"/>
+                </a:cubicBezTo>
+                <a:lnTo>
+                  <a:pt x="2952" y="10343"/>
+                </a:lnTo>
+                <a:lnTo>
+                  <a:pt x="796" y="11651"/>
+                </a:lnTo>
+                <a:cubicBezTo>
+                  <a:pt x="597" y="11773"/>
+                  <a:pt x="342" y="11703"/>
+                  <a:pt x="224" y="11496"/>
+                </a:cubicBezTo>
+                <a:cubicBezTo>
+                  <a:pt x="106" y="11289"/>
+                  <a:pt x="167" y="11021"/>
+                  <a:pt x="361" y="10892"/>
+                </a:cubicBezTo>
+                <a:lnTo>
+                  <a:pt x="559" y="10762"/>
+                </a:lnTo>
+                <a:cubicBezTo>
+                  <a:pt x="507" y="10728"/>
+                  <a:pt x="462" y="10680"/>
+                  <a:pt x="427" y="10622"/>
+                </a:cubicBezTo>
+                <a:cubicBezTo>
+                  <a:pt x="307" y="10418"/>
+                  <a:pt x="363" y="10151"/>
+                  <a:pt x="553" y="10019"/>
+                </a:cubicBezTo>
+                <a:lnTo>
+                  <a:pt x="2730" y="8505"/>
+                </a:lnTo>
+                <a:lnTo>
+                  <a:pt x="1014" y="9546"/>
+                </a:lnTo>
+                <a:cubicBezTo>
+                  <a:pt x="816" y="9667"/>
+                  <a:pt x="562" y="9598"/>
+                  <a:pt x="443" y="9392"/>
+                </a:cubicBezTo>
+                <a:cubicBezTo>
+                  <a:pt x="324" y="9185"/>
+                  <a:pt x="385" y="8917"/>
+                  <a:pt x="579" y="8788"/>
+                </a:cubicBezTo>
+                <a:lnTo>
+                  <a:pt x="1586" y="8121"/>
+                </a:lnTo>
+                <a:cubicBezTo>
+                  <a:pt x="1567" y="8100"/>
+                  <a:pt x="1549" y="8077"/>
+                  <a:pt x="1534" y="8052"/>
+                </a:cubicBezTo>
+                <a:cubicBezTo>
+                  <a:pt x="1413" y="7852"/>
+                  <a:pt x="1462" y="7588"/>
+                  <a:pt x="1646" y="7451"/>
+                </a:cubicBezTo>
+                <a:lnTo>
+                  <a:pt x="3934" y="5755"/>
+                </a:lnTo>
+                <a:lnTo>
+                  <a:pt x="1630" y="7153"/>
+                </a:lnTo>
+                <a:cubicBezTo>
+                  <a:pt x="1436" y="7271"/>
+                  <a:pt x="1187" y="7209"/>
+                  <a:pt x="1065" y="7011"/>
+                </a:cubicBezTo>
+                <a:cubicBezTo>
+                  <a:pt x="943" y="6813"/>
+                  <a:pt x="990" y="6549"/>
+                  <a:pt x="1172" y="6411"/>
+                </a:cubicBezTo>
+                <a:lnTo>
+                  <a:pt x="2876" y="5114"/>
+                </a:lnTo>
+                <a:lnTo>
+                  <a:pt x="2721" y="5208"/>
+                </a:lnTo>
+                <a:cubicBezTo>
+                  <a:pt x="2532" y="5323"/>
+                  <a:pt x="2291" y="5267"/>
+                  <a:pt x="2165" y="5079"/>
+                </a:cubicBezTo>
+                <a:cubicBezTo>
+                  <a:pt x="2040" y="4890"/>
+                  <a:pt x="2073" y="4633"/>
+                  <a:pt x="2240" y="4485"/>
+                </a:cubicBezTo>
+                <a:lnTo>
+                  <a:pt x="3715" y="3188"/>
+                </a:lnTo>
+                <a:cubicBezTo>
+                  <a:pt x="3634" y="3151"/>
+                  <a:pt x="3564" y="3088"/>
+                  <a:pt x="3517" y="3003"/>
+                </a:cubicBezTo>
+                <a:cubicBezTo>
+                  <a:pt x="3401" y="2791"/>
+                  <a:pt x="3470" y="2520"/>
+                  <a:pt x="3671" y="2398"/>
+                </a:cubicBezTo>
+                <a:lnTo>
+                  <a:pt x="6733" y="540"/>
+                </a:lnTo>
+                <a:cubicBezTo>
+                  <a:pt x="6922" y="425"/>
+                  <a:pt x="7164" y="481"/>
+                  <a:pt x="7289" y="670"/>
+                </a:cubicBezTo>
+                <a:cubicBezTo>
+                  <a:pt x="7414" y="858"/>
+                  <a:pt x="7382" y="1116"/>
+                  <a:pt x="7214" y="1263"/>
+                </a:cubicBezTo>
+                <a:lnTo>
+                  <a:pt x="6495" y="1896"/>
+                </a:lnTo>
+                <a:lnTo>
+                  <a:pt x="9522" y="59"/>
+                </a:lnTo>
+                <a:cubicBezTo>
+                  <a:pt x="9716" y="-58"/>
+                  <a:pt x="9964" y="4"/>
+                  <a:pt x="10086" y="202"/>
+                </a:cubicBezTo>
+                <a:cubicBezTo>
+                  <a:pt x="10208" y="400"/>
+                  <a:pt x="10162" y="663"/>
+                  <a:pt x="9980" y="801"/>
+                </a:cubicBezTo>
+                <a:lnTo>
+                  <a:pt x="8276" y="2098"/>
+                </a:lnTo>
+                <a:lnTo>
+                  <a:pt x="11546" y="114"/>
+                </a:lnTo>
+                <a:cubicBezTo>
+                  <a:pt x="11741" y="-4"/>
+                  <a:pt x="11990" y="60"/>
+                  <a:pt x="12111" y="259"/>
+                </a:cubicBezTo>
+                <a:cubicBezTo>
+                  <a:pt x="12233" y="459"/>
+                  <a:pt x="12183" y="723"/>
+                  <a:pt x="11999" y="860"/>
+                </a:cubicBezTo>
+                <a:lnTo>
+                  <a:pt x="9712" y="2555"/>
+                </a:lnTo>
+                <a:lnTo>
+                  <a:pt x="12863" y="644"/>
+                </a:lnTo>
+                <a:cubicBezTo>
+                  <a:pt x="13062" y="523"/>
+                  <a:pt x="13316" y="592"/>
+                  <a:pt x="13434" y="798"/>
+                </a:cubicBezTo>
+                <a:cubicBezTo>
+                  <a:pt x="13463" y="848"/>
+                  <a:pt x="13481" y="901"/>
+                  <a:pt x="13489" y="955"/>
+                </a:cubicBezTo>
+                <a:lnTo>
+                  <a:pt x="14265" y="484"/>
+                </a:lnTo>
+                <a:cubicBezTo>
+                  <a:pt x="14462" y="364"/>
+                  <a:pt x="14714" y="431"/>
+                  <a:pt x="14834" y="635"/>
+                </a:cubicBezTo>
+                <a:cubicBezTo>
+                  <a:pt x="14954" y="838"/>
+                  <a:pt x="14898" y="1105"/>
+                  <a:pt x="14708" y="1237"/>
+                </a:cubicBezTo>
+                <a:lnTo>
+                  <a:pt x="12533" y="2750"/>
+                </a:lnTo>
+                <a:lnTo>
+                  <a:pt x="15152" y="1161"/>
+                </a:lnTo>
+                <a:cubicBezTo>
+                  <a:pt x="15351" y="1040"/>
+                  <a:pt x="15605" y="1109"/>
+                  <a:pt x="15724" y="1316"/>
+                </a:cubicBezTo>
+                <a:cubicBezTo>
+                  <a:pt x="15824" y="1490"/>
+                  <a:pt x="15796" y="1708"/>
+                  <a:pt x="15669" y="1849"/>
+                </a:cubicBezTo>
+                <a:cubicBezTo>
+                  <a:pt x="15731" y="1885"/>
+                  <a:pt x="15786" y="1937"/>
+                  <a:pt x="15827" y="2006"/>
+                </a:cubicBezTo>
+                <a:cubicBezTo>
+                  <a:pt x="15946" y="2210"/>
+                  <a:pt x="15890" y="2477"/>
+                  <a:pt x="15699" y="2608"/>
+                </a:cubicBezTo>
+                <a:lnTo>
+                  <a:pt x="12934" y="4516"/>
+                </a:lnTo>
+                <a:lnTo>
+                  <a:pt x="17776" y="1578"/>
+                </a:lnTo>
+                <a:cubicBezTo>
+                  <a:pt x="17974" y="1458"/>
+                  <a:pt x="18228" y="1526"/>
+                  <a:pt x="18347" y="1732"/>
+                </a:cubicBezTo>
+                <a:cubicBezTo>
+                  <a:pt x="18466" y="1938"/>
+                  <a:pt x="18406" y="2205"/>
+                  <a:pt x="18213" y="2335"/>
+                </a:cubicBezTo>
+                <a:lnTo>
+                  <a:pt x="17202" y="3012"/>
+                </a:lnTo>
+                <a:cubicBezTo>
+                  <a:pt x="17352" y="3001"/>
+                  <a:pt x="17502" y="3079"/>
+                  <a:pt x="17587" y="3224"/>
+                </a:cubicBezTo>
+                <a:cubicBezTo>
+                  <a:pt x="17706" y="3428"/>
+                  <a:pt x="17648" y="3696"/>
+                  <a:pt x="17456" y="3826"/>
+                </a:cubicBezTo>
+                <a:lnTo>
+                  <a:pt x="15523" y="5141"/>
+                </a:lnTo>
+                <a:lnTo>
+                  <a:pt x="17548" y="3912"/>
+                </a:lnTo>
+                <a:cubicBezTo>
+                  <a:pt x="17747" y="3792"/>
+                  <a:pt x="18001" y="3860"/>
+                  <a:pt x="18119" y="4065"/>
+                </a:cubicBezTo>
+                <a:cubicBezTo>
+                  <a:pt x="18199" y="4203"/>
+                  <a:pt x="18199" y="4370"/>
+                  <a:pt x="18131" y="4503"/>
+                </a:cubicBezTo>
+                <a:lnTo>
+                  <a:pt x="19052" y="3944"/>
+                </a:lnTo>
+                <a:cubicBezTo>
+                  <a:pt x="19251" y="3824"/>
+                  <a:pt x="19503" y="3892"/>
+                  <a:pt x="19623" y="4097"/>
+                </a:cubicBezTo>
+                <a:cubicBezTo>
+                  <a:pt x="19742" y="4303"/>
+                  <a:pt x="19683" y="4570"/>
+                  <a:pt x="19490" y="4700"/>
+                </a:cubicBezTo>
+                <a:lnTo>
+                  <a:pt x="17234" y="6222"/>
+                </a:lnTo>
+                <a:lnTo>
+                  <a:pt x="19391" y="4913"/>
+                </a:lnTo>
+                <a:cubicBezTo>
+                  <a:pt x="19590" y="4792"/>
+                  <a:pt x="19846" y="4862"/>
+                  <a:pt x="19963" y="5070"/>
+                </a:cubicBezTo>
+                <a:cubicBezTo>
+                  <a:pt x="19993" y="5122"/>
+                  <a:pt x="20011" y="5178"/>
+                  <a:pt x="20019" y="5235"/>
+                </a:cubicBezTo>
+                <a:cubicBezTo>
+                  <a:pt x="20216" y="5125"/>
+                  <a:pt x="20464" y="5195"/>
+                  <a:pt x="20580" y="5399"/>
+                </a:cubicBezTo>
+                <a:cubicBezTo>
+                  <a:pt x="20698" y="5607"/>
+                  <a:pt x="20634" y="5876"/>
+                  <a:pt x="20438" y="6003"/>
+                </a:cubicBezTo>
+                <a:lnTo>
+                  <a:pt x="19769" y="6435"/>
+                </a:lnTo>
+                <a:cubicBezTo>
+                  <a:pt x="19798" y="6463"/>
+                  <a:pt x="19823" y="6495"/>
+                  <a:pt x="19845" y="6532"/>
+                </a:cubicBezTo>
+                <a:cubicBezTo>
+                  <a:pt x="19964" y="6737"/>
+                  <a:pt x="19906" y="7004"/>
+                  <a:pt x="19714" y="7135"/>
+                </a:cubicBezTo>
+                <a:lnTo>
+                  <a:pt x="16936" y="9026"/>
+                </a:lnTo>
+                <a:lnTo>
+                  <a:pt x="20853" y="6650"/>
+                </a:lnTo>
+                <a:cubicBezTo>
+                  <a:pt x="21052" y="6528"/>
+                  <a:pt x="21307" y="6598"/>
+                  <a:pt x="21425" y="6805"/>
+                </a:cubicBezTo>
+                <a:cubicBezTo>
+                  <a:pt x="21543" y="7012"/>
+                  <a:pt x="21482" y="7281"/>
+                  <a:pt x="21286" y="7409"/>
+                </a:cubicBezTo>
+                <a:lnTo>
+                  <a:pt x="20045" y="8222"/>
+                </a:lnTo>
+                <a:cubicBezTo>
+                  <a:pt x="20087" y="8254"/>
+                  <a:pt x="20125" y="8296"/>
+                  <a:pt x="20154" y="8346"/>
+                </a:cubicBezTo>
+                <a:cubicBezTo>
+                  <a:pt x="20274" y="8549"/>
+                  <a:pt x="20219" y="8815"/>
+                  <a:pt x="20030" y="8948"/>
+                </a:cubicBezTo>
+                <a:lnTo>
+                  <a:pt x="16835" y="11183"/>
+                </a:lnTo>
+                <a:lnTo>
+                  <a:pt x="20194" y="9145"/>
+                </a:lnTo>
+                <a:cubicBezTo>
+                  <a:pt x="20392" y="9024"/>
+                  <a:pt x="20646" y="9093"/>
+                  <a:pt x="20765" y="9299"/>
+                </a:cubicBezTo>
+                <a:cubicBezTo>
+                  <a:pt x="20884" y="9506"/>
+                  <a:pt x="20824" y="9774"/>
+                  <a:pt x="20630" y="9903"/>
+                </a:cubicBezTo>
+                <a:lnTo>
+                  <a:pt x="20003" y="10319"/>
+                </a:lnTo>
+                <a:cubicBezTo>
+                  <a:pt x="20066" y="10356"/>
+                  <a:pt x="20122" y="10410"/>
+                  <a:pt x="20162" y="10480"/>
+                </a:cubicBezTo>
+                <a:cubicBezTo>
+                  <a:pt x="20280" y="10687"/>
+                  <a:pt x="20219" y="10955"/>
+                  <a:pt x="20024" y="11083"/>
+                </a:cubicBezTo>
+                <a:lnTo>
+                  <a:pt x="19989" y="11106"/>
+                </a:lnTo>
+                <a:cubicBezTo>
+                  <a:pt x="20023" y="11136"/>
+                  <a:pt x="20053" y="11172"/>
+                  <a:pt x="20077" y="11213"/>
+                </a:cubicBezTo>
+                <a:cubicBezTo>
+                  <a:pt x="20196" y="11418"/>
+                  <a:pt x="20139" y="11685"/>
+                  <a:pt x="19948" y="11816"/>
+                </a:cubicBezTo>
+                <a:lnTo>
+                  <a:pt x="19720" y="11971"/>
+                </a:lnTo>
+                <a:cubicBezTo>
+                  <a:pt x="19883" y="11944"/>
+                  <a:pt x="20052" y="12019"/>
+                  <a:pt x="20144" y="12174"/>
+                </a:cubicBezTo>
+                <a:cubicBezTo>
+                  <a:pt x="20264" y="12377"/>
+                  <a:pt x="20210" y="12643"/>
+                  <a:pt x="20021" y="12776"/>
+                </a:cubicBezTo>
+                <a:lnTo>
+                  <a:pt x="19214" y="13347"/>
+                </a:lnTo>
+                <a:lnTo>
+                  <a:pt x="20519" y="12555"/>
+                </a:lnTo>
+                <a:cubicBezTo>
+                  <a:pt x="20717" y="12434"/>
+                  <a:pt x="20971" y="12502"/>
+                  <a:pt x="21090" y="12709"/>
+                </a:cubicBezTo>
+                <a:cubicBezTo>
+                  <a:pt x="21209" y="12914"/>
+                  <a:pt x="21149" y="13182"/>
+                  <a:pt x="20956" y="13312"/>
+                </a:cubicBezTo>
+                <a:lnTo>
+                  <a:pt x="20359" y="13711"/>
+                </a:lnTo>
+                <a:cubicBezTo>
+                  <a:pt x="20386" y="13737"/>
+                  <a:pt x="20410" y="13767"/>
+                  <a:pt x="20431" y="13801"/>
+                </a:cubicBezTo>
+                <a:cubicBezTo>
+                  <a:pt x="20552" y="14001"/>
+                  <a:pt x="20503" y="14265"/>
+                  <a:pt x="20319" y="14402"/>
+                </a:cubicBezTo>
+                <a:lnTo>
+                  <a:pt x="18332" y="15877"/>
+                </a:lnTo>
+                <a:lnTo>
+                  <a:pt x="18896" y="15535"/>
+                </a:lnTo>
+                <a:cubicBezTo>
+                  <a:pt x="19088" y="15417"/>
+                  <a:pt x="19334" y="15479"/>
+                  <a:pt x="19457" y="15674"/>
+                </a:cubicBezTo>
+                <a:cubicBezTo>
+                  <a:pt x="19580" y="15868"/>
+                  <a:pt x="19538" y="16130"/>
+                  <a:pt x="19361" y="16271"/>
+                </a:cubicBezTo>
+                <a:lnTo>
+                  <a:pt x="17911" y="17426"/>
+                </a:lnTo>
+                <a:cubicBezTo>
+                  <a:pt x="17948" y="17458"/>
+                  <a:pt x="17980" y="17498"/>
+                  <a:pt x="18005" y="17544"/>
+                </a:cubicBezTo>
+                <a:cubicBezTo>
+                  <a:pt x="18121" y="17756"/>
+                  <a:pt x="18052" y="18026"/>
+                  <a:pt x="17851" y="18148"/>
+                </a:cubicBezTo>
+                <a:lnTo>
+                  <a:pt x="14263" y="20325"/>
+                </a:lnTo>
+                <a:cubicBezTo>
+                  <a:pt x="14071" y="20443"/>
+                  <a:pt x="13825" y="20381"/>
+                  <a:pt x="13702" y="20186"/>
+                </a:cubicBezTo>
+                <a:cubicBezTo>
+                  <a:pt x="13610" y="20041"/>
+                  <a:pt x="13610" y="19858"/>
+                  <a:pt x="13690" y="19716"/>
+                </a:cubicBezTo>
+                <a:lnTo>
+                  <a:pt x="10778" y="21483"/>
+                </a:lnTo>
+                <a:cubicBezTo>
+                  <a:pt x="10712" y="21523"/>
+                  <a:pt x="10639" y="21542"/>
+                  <a:pt x="10568" y="21542"/>
+                </a:cubicBezTo>
+                <a:close/>
+              </a:path>
+            </a:pathLst>
+          </a:custGeom>
+          <a:solidFill>
+            <a:srgbClr val="4FC0E9"/>
+          </a:solidFill>
+          <a:ln w="25400">
+            <a:miter lim="400000"/>
+          </a:ln>
+        </p:spPr>
+        <p:txBody>
+          <a:bodyPr lIns="38100" tIns="38100" rIns="38100" bIns="38100" anchor="ctr"/>
+          <a:lstStyle/>
+          <a:p>
+            <a:pPr lvl="0" defTabSz="457200">
+              <a:defRPr sz="3000">
+                <a:solidFill>
+                  <a:srgbClr val="FFFFFF"/>
+                </a:solidFill>
+                <a:effectLst>
+                  <a:outerShdw blurRad="38100" dist="12700" dir="5400000" rotWithShape="0">
+                    <a:srgbClr val="000000">
+                      <a:alpha val="50000"/>
+                    </a:srgbClr>
+                  </a:outerShdw>
+                </a:effectLst>
+              </a:defRPr>
+            </a:pPr>
+            <a:endParaRPr/>
+          </a:p>
+        </p:txBody>
+      </p:sp>
+      <p:sp>
+        <p:nvSpPr>
+          <p:cNvPr id="6" name="Shape 188"/>
+          <p:cNvSpPr/>
+          <p:nvPr/>
+        </p:nvSpPr>
+        <p:spPr>
+          <a:xfrm>
+            <a:off x="1041400" y="7549055"/>
+            <a:ext cx="889000" cy="889002"/>
+          </a:xfrm>
+          <a:custGeom>
+            <a:avLst/>
+            <a:gdLst/>
+            <a:ahLst/>
+            <a:cxnLst>
+              <a:cxn ang="0">
+                <a:pos x="wd2" y="hd2"/>
+              </a:cxn>
+              <a:cxn ang="5400000">
+                <a:pos x="wd2" y="hd2"/>
+              </a:cxn>
+              <a:cxn ang="10800000">
+                <a:pos x="wd2" y="hd2"/>
+              </a:cxn>
+              <a:cxn ang="16200000">
+                <a:pos x="wd2" y="hd2"/>
+              </a:cxn>
+            </a:cxnLst>
+            <a:rect l="0" t="0" r="r" b="b"/>
+            <a:pathLst>
+              <a:path w="19679" h="19679" extrusionOk="0">
+                <a:moveTo>
+                  <a:pt x="16796" y="2882"/>
+                </a:moveTo>
+                <a:cubicBezTo>
+                  <a:pt x="20639" y="6724"/>
+                  <a:pt x="20639" y="12954"/>
+                  <a:pt x="16796" y="16796"/>
+                </a:cubicBezTo>
+                <a:cubicBezTo>
+                  <a:pt x="12954" y="20639"/>
+                  <a:pt x="6724" y="20639"/>
+                  <a:pt x="2882" y="16796"/>
+                </a:cubicBezTo>
+                <a:cubicBezTo>
+                  <a:pt x="-961" y="12954"/>
+                  <a:pt x="-961" y="6724"/>
+                  <a:pt x="2882" y="2882"/>
+                </a:cubicBezTo>
+                <a:cubicBezTo>
+                  <a:pt x="6724" y="-961"/>
+                  <a:pt x="12954" y="-961"/>
+                  <a:pt x="16796" y="2882"/>
+                </a:cubicBezTo>
+              </a:path>
+            </a:pathLst>
+          </a:custGeom>
+          <a:ln w="12700">
+            <a:miter lim="400000"/>
+          </a:ln>
+          <a:extLst>
+            <a:ext uri="{C572A759-6A51-4108-AA02-DFA0A04FC94B}">
+              <ma14:wrappingTextBoxFlag xmlns="" xmlns:ma14="http://schemas.microsoft.com/office/mac/drawingml/2011/main" val="1"/>
+            </a:ext>
+          </a:extLst>
+        </p:spPr>
+        <p:txBody>
+          <a:bodyPr lIns="0" tIns="0" rIns="0" bIns="0" anchor="ctr"/>
+          <a:lstStyle>
+            <a:lvl1pPr>
+              <a:defRPr sz="4800" cap="all">
+                <a:solidFill>
+                  <a:srgbClr val="FFFFFF"/>
+                </a:solidFill>
+                <a:latin typeface="+mj-lt"/>
+                <a:ea typeface="+mj-ea"/>
+                <a:cs typeface="+mj-cs"/>
+                <a:sym typeface="나눔손글씨 펜"/>
+              </a:defRPr>
+            </a:lvl1pPr>
+          </a:lstStyle>
+          <a:p>
+            <a:pPr lvl="0">
+              <a:defRPr sz="1800" cap="none">
+                <a:solidFill>
+                  <a:srgbClr val="000000"/>
+                </a:solidFill>
+              </a:defRPr>
+            </a:pPr>
+            <a:r>
+              <a:rPr sz="4800" cap="all">
+                <a:solidFill>
+                  <a:srgbClr val="FFFFFF"/>
+                </a:solidFill>
+              </a:rPr>
+              <a:t>4</a:t>
+            </a:r>
+          </a:p>
+        </p:txBody>
+      </p:sp>
+      <p:sp>
+        <p:nvSpPr>
+          <p:cNvPr id="7" name="Shape 189"/>
+          <p:cNvSpPr/>
+          <p:nvPr/>
+        </p:nvSpPr>
+        <p:spPr>
+          <a:xfrm>
+            <a:off x="1041400" y="5783755"/>
+            <a:ext cx="889000" cy="889002"/>
+          </a:xfrm>
+          <a:custGeom>
+            <a:avLst/>
+            <a:gdLst/>
+            <a:ahLst/>
+            <a:cxnLst>
+              <a:cxn ang="0">
+                <a:pos x="wd2" y="hd2"/>
+              </a:cxn>
+              <a:cxn ang="5400000">
+                <a:pos x="wd2" y="hd2"/>
+              </a:cxn>
+              <a:cxn ang="10800000">
+                <a:pos x="wd2" y="hd2"/>
+              </a:cxn>
+              <a:cxn ang="16200000">
+                <a:pos x="wd2" y="hd2"/>
+              </a:cxn>
+            </a:cxnLst>
+            <a:rect l="0" t="0" r="r" b="b"/>
+            <a:pathLst>
+              <a:path w="19679" h="19679" extrusionOk="0">
+                <a:moveTo>
+                  <a:pt x="16796" y="2882"/>
+                </a:moveTo>
+                <a:cubicBezTo>
+                  <a:pt x="20639" y="6724"/>
+                  <a:pt x="20639" y="12954"/>
+                  <a:pt x="16796" y="16796"/>
+                </a:cubicBezTo>
+                <a:cubicBezTo>
+                  <a:pt x="12954" y="20639"/>
+                  <a:pt x="6724" y="20639"/>
+                  <a:pt x="2882" y="16796"/>
+                </a:cubicBezTo>
+                <a:cubicBezTo>
+                  <a:pt x="-961" y="12954"/>
+                  <a:pt x="-961" y="6724"/>
+                  <a:pt x="2882" y="2882"/>
+                </a:cubicBezTo>
+                <a:cubicBezTo>
+                  <a:pt x="6724" y="-961"/>
+                  <a:pt x="12954" y="-961"/>
+                  <a:pt x="16796" y="2882"/>
+                </a:cubicBezTo>
+              </a:path>
+            </a:pathLst>
+          </a:custGeom>
+          <a:ln w="12700">
+            <a:miter lim="400000"/>
+          </a:ln>
+          <a:extLst>
+            <a:ext uri="{C572A759-6A51-4108-AA02-DFA0A04FC94B}">
+              <ma14:wrappingTextBoxFlag xmlns="" xmlns:ma14="http://schemas.microsoft.com/office/mac/drawingml/2011/main" val="1"/>
+            </a:ext>
+          </a:extLst>
+        </p:spPr>
+        <p:txBody>
+          <a:bodyPr lIns="0" tIns="0" rIns="0" bIns="0" anchor="ctr"/>
+          <a:lstStyle>
+            <a:lvl1pPr>
+              <a:defRPr sz="4800" cap="all">
+                <a:solidFill>
+                  <a:srgbClr val="FFFFFF"/>
+                </a:solidFill>
+                <a:latin typeface="+mj-lt"/>
+                <a:ea typeface="+mj-ea"/>
+                <a:cs typeface="+mj-cs"/>
+                <a:sym typeface="나눔손글씨 펜"/>
+              </a:defRPr>
+            </a:lvl1pPr>
+          </a:lstStyle>
+          <a:p>
+            <a:pPr lvl="0">
+              <a:defRPr sz="1800" cap="none">
+                <a:solidFill>
+                  <a:srgbClr val="000000"/>
+                </a:solidFill>
+              </a:defRPr>
+            </a:pPr>
+            <a:r>
+              <a:rPr sz="4800" cap="all">
+                <a:solidFill>
+                  <a:srgbClr val="FFFFFF"/>
+                </a:solidFill>
+              </a:rPr>
+              <a:t>3</a:t>
+            </a:r>
+          </a:p>
+        </p:txBody>
+      </p:sp>
+      <p:sp>
+        <p:nvSpPr>
+          <p:cNvPr id="9" name="Shape 191"/>
+          <p:cNvSpPr/>
+          <p:nvPr/>
+        </p:nvSpPr>
+        <p:spPr>
+          <a:xfrm>
+            <a:off x="1041400" y="4018455"/>
+            <a:ext cx="889000" cy="889002"/>
+          </a:xfrm>
+          <a:custGeom>
+            <a:avLst/>
+            <a:gdLst/>
+            <a:ahLst/>
+            <a:cxnLst>
+              <a:cxn ang="0">
+                <a:pos x="wd2" y="hd2"/>
+              </a:cxn>
+              <a:cxn ang="5400000">
+                <a:pos x="wd2" y="hd2"/>
+              </a:cxn>
+              <a:cxn ang="10800000">
+                <a:pos x="wd2" y="hd2"/>
+              </a:cxn>
+              <a:cxn ang="16200000">
+                <a:pos x="wd2" y="hd2"/>
+              </a:cxn>
+            </a:cxnLst>
+            <a:rect l="0" t="0" r="r" b="b"/>
+            <a:pathLst>
+              <a:path w="19679" h="19679" extrusionOk="0">
+                <a:moveTo>
+                  <a:pt x="16796" y="2882"/>
+                </a:moveTo>
+                <a:cubicBezTo>
+                  <a:pt x="20639" y="6724"/>
+                  <a:pt x="20639" y="12954"/>
+                  <a:pt x="16796" y="16796"/>
+                </a:cubicBezTo>
+                <a:cubicBezTo>
+                  <a:pt x="12954" y="20639"/>
+                  <a:pt x="6724" y="20639"/>
+                  <a:pt x="2882" y="16796"/>
+                </a:cubicBezTo>
+                <a:cubicBezTo>
+                  <a:pt x="-961" y="12954"/>
+                  <a:pt x="-961" y="6724"/>
+                  <a:pt x="2882" y="2882"/>
+                </a:cubicBezTo>
+                <a:cubicBezTo>
+                  <a:pt x="6724" y="-961"/>
+                  <a:pt x="12954" y="-961"/>
+                  <a:pt x="16796" y="2882"/>
+                </a:cubicBezTo>
+              </a:path>
+            </a:pathLst>
+          </a:custGeom>
+          <a:ln w="12700">
+            <a:miter lim="400000"/>
+          </a:ln>
+          <a:extLst>
+            <a:ext uri="{C572A759-6A51-4108-AA02-DFA0A04FC94B}">
+              <ma14:wrappingTextBoxFlag xmlns="" xmlns:ma14="http://schemas.microsoft.com/office/mac/drawingml/2011/main" val="1"/>
+            </a:ext>
+          </a:extLst>
+        </p:spPr>
+        <p:txBody>
+          <a:bodyPr lIns="0" tIns="0" rIns="0" bIns="0" anchor="ctr"/>
+          <a:lstStyle>
+            <a:lvl1pPr>
+              <a:defRPr sz="4800" cap="all">
+                <a:solidFill>
+                  <a:srgbClr val="FFFFFF"/>
+                </a:solidFill>
+                <a:latin typeface="+mj-lt"/>
+                <a:ea typeface="+mj-ea"/>
+                <a:cs typeface="+mj-cs"/>
+                <a:sym typeface="나눔손글씨 펜"/>
+              </a:defRPr>
+            </a:lvl1pPr>
+          </a:lstStyle>
+          <a:p>
+            <a:pPr lvl="0">
+              <a:defRPr sz="1800" cap="none">
+                <a:solidFill>
+                  <a:srgbClr val="000000"/>
+                </a:solidFill>
+              </a:defRPr>
+            </a:pPr>
+            <a:r>
+              <a:rPr sz="4800" cap="all">
+                <a:solidFill>
+                  <a:srgbClr val="FFFFFF"/>
+                </a:solidFill>
+              </a:rPr>
+              <a:t>2</a:t>
+            </a:r>
+          </a:p>
+        </p:txBody>
+      </p:sp>
+      <p:sp>
+        <p:nvSpPr>
+          <p:cNvPr id="10" name="Shape 192"/>
+          <p:cNvSpPr/>
+          <p:nvPr/>
+        </p:nvSpPr>
+        <p:spPr>
+          <a:xfrm>
+            <a:off x="6756400" y="2253155"/>
+            <a:ext cx="889000" cy="889002"/>
+          </a:xfrm>
+          <a:custGeom>
+            <a:avLst/>
+            <a:gdLst/>
+            <a:ahLst/>
+            <a:cxnLst>
+              <a:cxn ang="0">
+                <a:pos x="wd2" y="hd2"/>
+              </a:cxn>
+              <a:cxn ang="5400000">
+                <a:pos x="wd2" y="hd2"/>
+              </a:cxn>
+              <a:cxn ang="10800000">
+                <a:pos x="wd2" y="hd2"/>
+              </a:cxn>
+              <a:cxn ang="16200000">
+                <a:pos x="wd2" y="hd2"/>
+              </a:cxn>
+            </a:cxnLst>
+            <a:rect l="0" t="0" r="r" b="b"/>
+            <a:pathLst>
+              <a:path w="19679" h="19679" extrusionOk="0">
+                <a:moveTo>
+                  <a:pt x="16796" y="2882"/>
+                </a:moveTo>
+                <a:cubicBezTo>
+                  <a:pt x="20639" y="6724"/>
+                  <a:pt x="20639" y="12954"/>
+                  <a:pt x="16796" y="16796"/>
+                </a:cubicBezTo>
+                <a:cubicBezTo>
+                  <a:pt x="12954" y="20639"/>
+                  <a:pt x="6724" y="20639"/>
+                  <a:pt x="2882" y="16796"/>
+                </a:cubicBezTo>
+                <a:cubicBezTo>
+                  <a:pt x="-961" y="12954"/>
+                  <a:pt x="-961" y="6724"/>
+                  <a:pt x="2882" y="2882"/>
+                </a:cubicBezTo>
+                <a:cubicBezTo>
+                  <a:pt x="6724" y="-961"/>
+                  <a:pt x="12954" y="-961"/>
+                  <a:pt x="16796" y="2882"/>
+                </a:cubicBezTo>
+              </a:path>
+            </a:pathLst>
+          </a:custGeom>
+          <a:ln w="12700">
+            <a:miter lim="400000"/>
+          </a:ln>
+          <a:extLst>
+            <a:ext uri="{C572A759-6A51-4108-AA02-DFA0A04FC94B}">
+              <ma14:wrappingTextBoxFlag xmlns="" xmlns:ma14="http://schemas.microsoft.com/office/mac/drawingml/2011/main" val="1"/>
+            </a:ext>
+          </a:extLst>
+        </p:spPr>
+        <p:txBody>
+          <a:bodyPr lIns="0" tIns="0" rIns="0" bIns="0" anchor="ctr"/>
+          <a:lstStyle>
+            <a:lvl1pPr>
+              <a:defRPr sz="4800" cap="all">
+                <a:solidFill>
+                  <a:srgbClr val="FFFFFF"/>
+                </a:solidFill>
+                <a:latin typeface="+mj-lt"/>
+                <a:ea typeface="+mj-ea"/>
+                <a:cs typeface="+mj-cs"/>
+                <a:sym typeface="나눔손글씨 펜"/>
+              </a:defRPr>
+            </a:lvl1pPr>
+          </a:lstStyle>
+          <a:p>
+            <a:pPr lvl="0">
+              <a:defRPr sz="1800" cap="none">
+                <a:solidFill>
+                  <a:srgbClr val="000000"/>
+                </a:solidFill>
+              </a:defRPr>
+            </a:pPr>
+            <a:r>
+              <a:rPr sz="4800" cap="all" dirty="0">
+                <a:solidFill>
+                  <a:srgbClr val="FFFFFF"/>
+                </a:solidFill>
+              </a:rPr>
+              <a:t>5</a:t>
+            </a:r>
+          </a:p>
+        </p:txBody>
+      </p:sp>
+      <p:sp>
+        <p:nvSpPr>
+          <p:cNvPr id="13" name="Shape 195"/>
+          <p:cNvSpPr/>
+          <p:nvPr/>
+        </p:nvSpPr>
+        <p:spPr>
+          <a:xfrm>
+            <a:off x="1041400" y="2253155"/>
+            <a:ext cx="889000" cy="889002"/>
+          </a:xfrm>
+          <a:custGeom>
+            <a:avLst/>
+            <a:gdLst/>
+            <a:ahLst/>
+            <a:cxnLst>
+              <a:cxn ang="0">
+                <a:pos x="wd2" y="hd2"/>
+              </a:cxn>
+              <a:cxn ang="5400000">
+                <a:pos x="wd2" y="hd2"/>
+              </a:cxn>
+              <a:cxn ang="10800000">
+                <a:pos x="wd2" y="hd2"/>
+              </a:cxn>
+              <a:cxn ang="16200000">
+                <a:pos x="wd2" y="hd2"/>
+              </a:cxn>
+            </a:cxnLst>
+            <a:rect l="0" t="0" r="r" b="b"/>
+            <a:pathLst>
+              <a:path w="19679" h="19679" extrusionOk="0">
+                <a:moveTo>
+                  <a:pt x="16796" y="2882"/>
+                </a:moveTo>
+                <a:cubicBezTo>
+                  <a:pt x="20639" y="6724"/>
+                  <a:pt x="20639" y="12954"/>
+                  <a:pt x="16796" y="16796"/>
+                </a:cubicBezTo>
+                <a:cubicBezTo>
+                  <a:pt x="12954" y="20639"/>
+                  <a:pt x="6724" y="20639"/>
+                  <a:pt x="2882" y="16796"/>
+                </a:cubicBezTo>
+                <a:cubicBezTo>
+                  <a:pt x="-961" y="12954"/>
+                  <a:pt x="-961" y="6724"/>
+                  <a:pt x="2882" y="2882"/>
+                </a:cubicBezTo>
+                <a:cubicBezTo>
+                  <a:pt x="6724" y="-961"/>
+                  <a:pt x="12954" y="-961"/>
+                  <a:pt x="16796" y="2882"/>
+                </a:cubicBezTo>
+              </a:path>
+            </a:pathLst>
+          </a:custGeom>
+          <a:ln w="12700">
+            <a:miter lim="400000"/>
+          </a:ln>
+          <a:extLst>
+            <a:ext uri="{C572A759-6A51-4108-AA02-DFA0A04FC94B}">
+              <ma14:wrappingTextBoxFlag xmlns="" xmlns:ma14="http://schemas.microsoft.com/office/mac/drawingml/2011/main" val="1"/>
+            </a:ext>
+          </a:extLst>
+        </p:spPr>
+        <p:txBody>
+          <a:bodyPr lIns="0" tIns="0" rIns="0" bIns="0" anchor="ctr"/>
+          <a:lstStyle>
+            <a:lvl1pPr>
+              <a:defRPr sz="4800" cap="all">
+                <a:solidFill>
+                  <a:srgbClr val="FFFFFF"/>
+                </a:solidFill>
+                <a:latin typeface="+mj-lt"/>
+                <a:ea typeface="+mj-ea"/>
+                <a:cs typeface="+mj-cs"/>
+                <a:sym typeface="나눔손글씨 펜"/>
+              </a:defRPr>
+            </a:lvl1pPr>
+          </a:lstStyle>
+          <a:p>
+            <a:pPr lvl="0">
+              <a:defRPr sz="1800" cap="none">
+                <a:solidFill>
+                  <a:srgbClr val="000000"/>
+                </a:solidFill>
+              </a:defRPr>
+            </a:pPr>
+            <a:r>
+              <a:rPr sz="4800" cap="all">
+                <a:solidFill>
+                  <a:srgbClr val="FFFFFF"/>
+                </a:solidFill>
+              </a:rPr>
+              <a:t>1</a:t>
+            </a:r>
+          </a:p>
+        </p:txBody>
+      </p:sp>
+      <p:sp>
+        <p:nvSpPr>
+          <p:cNvPr id="15" name="Shape 197"/>
+          <p:cNvSpPr/>
+          <p:nvPr/>
+        </p:nvSpPr>
+        <p:spPr>
+          <a:xfrm>
+            <a:off x="2184400" y="2286000"/>
+            <a:ext cx="4064000" cy="1333500"/>
+          </a:xfrm>
+          <a:prstGeom prst="rect">
+            <a:avLst/>
+          </a:prstGeom>
+          <a:ln w="12700">
+            <a:miter lim="400000"/>
+          </a:ln>
+          <a:extLst>
+            <a:ext uri="{C572A759-6A51-4108-AA02-DFA0A04FC94B}">
+              <ma14:wrappingTextBoxFlag xmlns="" xmlns:ma14="http://schemas.microsoft.com/office/mac/drawingml/2011/main" val="1"/>
+            </a:ext>
+          </a:extLst>
+        </p:spPr>
+        <p:txBody>
+          <a:bodyPr lIns="0" tIns="0" rIns="0" bIns="0"/>
+          <a:lstStyle>
+            <a:lvl1pPr algn="l">
+              <a:defRPr sz="2200">
+                <a:solidFill>
+                  <a:srgbClr val="727272"/>
+                </a:solidFill>
+                <a:latin typeface="+mn-lt"/>
+                <a:ea typeface="+mn-ea"/>
+                <a:cs typeface="+mn-cs"/>
+                <a:sym typeface="Avenir Book"/>
+              </a:defRPr>
+            </a:lvl1pPr>
+          </a:lstStyle>
+          <a:p>
+            <a:pPr lvl="0">
+              <a:defRPr sz="1800">
+                <a:solidFill>
+                  <a:srgbClr val="000000"/>
+                </a:solidFill>
+              </a:defRPr>
+            </a:pPr>
+            <a:r>
+              <a:rPr lang="en-US" altLang="ko-KR" sz="2400" dirty="0">
+                <a:solidFill>
+                  <a:schemeClr val="tx1">
+                    <a:lumMod val="50000"/>
+                    <a:lumOff val="50000"/>
+                  </a:schemeClr>
+                </a:solidFill>
+                <a:latin typeface="배달의민족 주아" panose="02020603020101020101" pitchFamily="18" charset="-127"/>
+                <a:ea typeface="배달의민족 주아" panose="02020603020101020101" pitchFamily="18" charset="-127"/>
+              </a:rPr>
+              <a:t>6064</a:t>
+            </a:r>
+          </a:p>
+          <a:p>
+            <a:pPr lvl="0">
+              <a:defRPr sz="1800">
+                <a:solidFill>
+                  <a:srgbClr val="000000"/>
+                </a:solidFill>
+              </a:defRPr>
+            </a:pPr>
+            <a:r>
+              <a:rPr lang="ko-KR" altLang="en-US" sz="2400" dirty="0" err="1">
+                <a:solidFill>
+                  <a:schemeClr val="tx1">
+                    <a:lumMod val="50000"/>
+                    <a:lumOff val="50000"/>
+                  </a:schemeClr>
+                </a:solidFill>
+                <a:latin typeface="배달의민족 주아" panose="02020603020101020101" pitchFamily="18" charset="-127"/>
+                <a:ea typeface="배달의민족 주아" panose="02020603020101020101" pitchFamily="18" charset="-127"/>
+              </a:rPr>
+              <a:t>카잉달력</a:t>
+            </a:r>
+            <a:endParaRPr lang="en-US" altLang="ko-KR" sz="2400" dirty="0">
+              <a:solidFill>
+                <a:schemeClr val="tx1">
+                  <a:lumMod val="50000"/>
+                  <a:lumOff val="50000"/>
+                </a:schemeClr>
+              </a:solidFill>
+              <a:latin typeface="배달의민족 주아" panose="02020603020101020101" pitchFamily="18" charset="-127"/>
+              <a:ea typeface="배달의민족 주아" panose="02020603020101020101" pitchFamily="18" charset="-127"/>
+            </a:endParaRPr>
+          </a:p>
+        </p:txBody>
+      </p:sp>
+      <p:sp>
+        <p:nvSpPr>
+          <p:cNvPr id="16" name="Shape 198"/>
+          <p:cNvSpPr/>
+          <p:nvPr/>
+        </p:nvSpPr>
+        <p:spPr>
+          <a:xfrm>
+            <a:off x="7899400" y="2286000"/>
+            <a:ext cx="4064000" cy="1333500"/>
+          </a:xfrm>
+          <a:prstGeom prst="rect">
+            <a:avLst/>
+          </a:prstGeom>
+          <a:ln w="12700">
+            <a:miter lim="400000"/>
+          </a:ln>
+          <a:extLst>
+            <a:ext uri="{C572A759-6A51-4108-AA02-DFA0A04FC94B}">
+              <ma14:wrappingTextBoxFlag xmlns="" xmlns:ma14="http://schemas.microsoft.com/office/mac/drawingml/2011/main" val="1"/>
+            </a:ext>
+          </a:extLst>
+        </p:spPr>
+        <p:txBody>
+          <a:bodyPr lIns="0" tIns="0" rIns="0" bIns="0"/>
+          <a:lstStyle>
+            <a:lvl1pPr algn="l">
+              <a:defRPr sz="2200">
+                <a:solidFill>
+                  <a:srgbClr val="727272"/>
+                </a:solidFill>
+                <a:latin typeface="+mn-lt"/>
+                <a:ea typeface="+mn-ea"/>
+                <a:cs typeface="+mn-cs"/>
+                <a:sym typeface="Avenir Book"/>
+              </a:defRPr>
+            </a:lvl1pPr>
+          </a:lstStyle>
+          <a:p>
+            <a:pPr lvl="0">
+              <a:defRPr sz="1800">
+                <a:solidFill>
+                  <a:srgbClr val="000000"/>
+                </a:solidFill>
+              </a:defRPr>
+            </a:pPr>
+            <a:r>
+              <a:rPr lang="en-US" altLang="ko-KR" sz="2400" dirty="0">
+                <a:solidFill>
+                  <a:schemeClr val="tx1">
+                    <a:lumMod val="50000"/>
+                    <a:lumOff val="50000"/>
+                  </a:schemeClr>
+                </a:solidFill>
+                <a:latin typeface="배달의민족 주아" panose="02020603020101020101" pitchFamily="18" charset="-127"/>
+                <a:ea typeface="배달의민족 주아" panose="02020603020101020101" pitchFamily="18" charset="-127"/>
+              </a:rPr>
+              <a:t>3474</a:t>
+            </a:r>
+          </a:p>
+          <a:p>
+            <a:pPr lvl="0">
+              <a:defRPr sz="1800">
+                <a:solidFill>
+                  <a:srgbClr val="000000"/>
+                </a:solidFill>
+              </a:defRPr>
+            </a:pPr>
+            <a:r>
+              <a:rPr lang="ko-KR" altLang="en-US" sz="2400" dirty="0">
+                <a:solidFill>
+                  <a:schemeClr val="tx1">
+                    <a:lumMod val="50000"/>
+                    <a:lumOff val="50000"/>
+                  </a:schemeClr>
+                </a:solidFill>
+                <a:latin typeface="배달의민족 주아" panose="02020603020101020101" pitchFamily="18" charset="-127"/>
+                <a:ea typeface="배달의민족 주아" panose="02020603020101020101" pitchFamily="18" charset="-127"/>
+              </a:rPr>
+              <a:t>교수가 된 현우</a:t>
+            </a:r>
+            <a:endParaRPr sz="2400" dirty="0">
+              <a:solidFill>
+                <a:schemeClr val="tx1">
+                  <a:lumMod val="50000"/>
+                  <a:lumOff val="50000"/>
+                </a:schemeClr>
+              </a:solidFill>
+              <a:latin typeface="배달의민족 주아" panose="02020603020101020101" pitchFamily="18" charset="-127"/>
+              <a:ea typeface="배달의민족 주아" panose="02020603020101020101" pitchFamily="18" charset="-127"/>
+            </a:endParaRPr>
+          </a:p>
+        </p:txBody>
+      </p:sp>
+      <p:sp>
+        <p:nvSpPr>
+          <p:cNvPr id="17" name="Shape 199"/>
+          <p:cNvSpPr/>
+          <p:nvPr/>
+        </p:nvSpPr>
+        <p:spPr>
+          <a:xfrm>
+            <a:off x="2184400" y="5816600"/>
+            <a:ext cx="4064000" cy="1333500"/>
+          </a:xfrm>
+          <a:prstGeom prst="rect">
+            <a:avLst/>
+          </a:prstGeom>
+          <a:ln w="12700">
+            <a:miter lim="400000"/>
+          </a:ln>
+          <a:extLst>
+            <a:ext uri="{C572A759-6A51-4108-AA02-DFA0A04FC94B}">
+              <ma14:wrappingTextBoxFlag xmlns="" xmlns:ma14="http://schemas.microsoft.com/office/mac/drawingml/2011/main" val="1"/>
+            </a:ext>
+          </a:extLst>
+        </p:spPr>
+        <p:txBody>
+          <a:bodyPr lIns="0" tIns="0" rIns="0" bIns="0"/>
+          <a:lstStyle>
+            <a:lvl1pPr algn="l">
+              <a:defRPr sz="2200">
+                <a:solidFill>
+                  <a:srgbClr val="727272"/>
+                </a:solidFill>
+                <a:latin typeface="+mn-lt"/>
+                <a:ea typeface="+mn-ea"/>
+                <a:cs typeface="+mn-cs"/>
+                <a:sym typeface="Avenir Book"/>
+              </a:defRPr>
+            </a:lvl1pPr>
+          </a:lstStyle>
+          <a:p>
+            <a:pPr lvl="0">
+              <a:defRPr sz="1800">
+                <a:solidFill>
+                  <a:srgbClr val="000000"/>
+                </a:solidFill>
+              </a:defRPr>
+            </a:pPr>
+            <a:r>
+              <a:rPr lang="en-US" altLang="ko-KR" sz="2400" dirty="0">
+                <a:solidFill>
+                  <a:schemeClr val="tx1">
+                    <a:lumMod val="50000"/>
+                    <a:lumOff val="50000"/>
+                  </a:schemeClr>
+                </a:solidFill>
+                <a:latin typeface="배달의민족 주아" panose="02020603020101020101" pitchFamily="18" charset="-127"/>
+                <a:ea typeface="배달의민족 주아" panose="02020603020101020101" pitchFamily="18" charset="-127"/>
+              </a:rPr>
+              <a:t>2292</a:t>
+            </a:r>
+          </a:p>
+          <a:p>
+            <a:pPr lvl="0">
+              <a:defRPr sz="1800">
+                <a:solidFill>
+                  <a:srgbClr val="000000"/>
+                </a:solidFill>
+              </a:defRPr>
+            </a:pPr>
+            <a:r>
+              <a:rPr lang="ko-KR" altLang="en-US" sz="2400" dirty="0">
+                <a:solidFill>
+                  <a:schemeClr val="tx1">
+                    <a:lumMod val="50000"/>
+                    <a:lumOff val="50000"/>
+                  </a:schemeClr>
+                </a:solidFill>
+                <a:latin typeface="배달의민족 주아" panose="02020603020101020101" pitchFamily="18" charset="-127"/>
+                <a:ea typeface="배달의민족 주아" panose="02020603020101020101" pitchFamily="18" charset="-127"/>
+              </a:rPr>
+              <a:t>벌집</a:t>
+            </a:r>
+            <a:endParaRPr sz="2400" dirty="0">
+              <a:solidFill>
+                <a:schemeClr val="tx1">
+                  <a:lumMod val="50000"/>
+                  <a:lumOff val="50000"/>
+                </a:schemeClr>
+              </a:solidFill>
+              <a:latin typeface="배달의민족 주아" panose="02020603020101020101" pitchFamily="18" charset="-127"/>
+              <a:ea typeface="배달의민족 주아" panose="02020603020101020101" pitchFamily="18" charset="-127"/>
+            </a:endParaRPr>
+          </a:p>
+        </p:txBody>
+      </p:sp>
+      <p:sp>
+        <p:nvSpPr>
+          <p:cNvPr id="18" name="Shape 200"/>
+          <p:cNvSpPr/>
+          <p:nvPr/>
+        </p:nvSpPr>
+        <p:spPr>
+          <a:xfrm>
+            <a:off x="2184400" y="4051300"/>
+            <a:ext cx="4064000" cy="1333500"/>
+          </a:xfrm>
+          <a:prstGeom prst="rect">
+            <a:avLst/>
+          </a:prstGeom>
+          <a:ln w="12700">
+            <a:miter lim="400000"/>
+          </a:ln>
+          <a:extLst>
+            <a:ext uri="{C572A759-6A51-4108-AA02-DFA0A04FC94B}">
+              <ma14:wrappingTextBoxFlag xmlns="" xmlns:ma14="http://schemas.microsoft.com/office/mac/drawingml/2011/main" val="1"/>
+            </a:ext>
+          </a:extLst>
+        </p:spPr>
+        <p:txBody>
+          <a:bodyPr lIns="0" tIns="0" rIns="0" bIns="0"/>
+          <a:lstStyle>
+            <a:lvl1pPr algn="l">
+              <a:defRPr sz="2200">
+                <a:solidFill>
+                  <a:srgbClr val="727272"/>
+                </a:solidFill>
+                <a:latin typeface="+mn-lt"/>
+                <a:ea typeface="+mn-ea"/>
+                <a:cs typeface="+mn-cs"/>
+                <a:sym typeface="Avenir Book"/>
+              </a:defRPr>
+            </a:lvl1pPr>
+          </a:lstStyle>
+          <a:p>
+            <a:pPr lvl="0">
+              <a:defRPr sz="1800">
+                <a:solidFill>
+                  <a:srgbClr val="000000"/>
+                </a:solidFill>
+              </a:defRPr>
+            </a:pPr>
+            <a:r>
+              <a:rPr lang="en-US" altLang="ko-KR" sz="2400" dirty="0">
+                <a:solidFill>
+                  <a:schemeClr val="tx1">
+                    <a:lumMod val="50000"/>
+                    <a:lumOff val="50000"/>
+                  </a:schemeClr>
+                </a:solidFill>
+                <a:latin typeface="배달의민족 주아" panose="02020603020101020101" pitchFamily="18" charset="-127"/>
+                <a:ea typeface="배달의민족 주아" panose="02020603020101020101" pitchFamily="18" charset="-127"/>
+              </a:rPr>
+              <a:t>1929</a:t>
+            </a:r>
+          </a:p>
+          <a:p>
+            <a:pPr lvl="0">
+              <a:defRPr sz="1800">
+                <a:solidFill>
+                  <a:srgbClr val="000000"/>
+                </a:solidFill>
+              </a:defRPr>
+            </a:pPr>
+            <a:r>
+              <a:rPr lang="ko-KR" altLang="en-US" sz="2400" dirty="0">
+                <a:solidFill>
+                  <a:schemeClr val="tx1">
+                    <a:lumMod val="50000"/>
+                    <a:lumOff val="50000"/>
+                  </a:schemeClr>
+                </a:solidFill>
+                <a:latin typeface="배달의민족 주아" panose="02020603020101020101" pitchFamily="18" charset="-127"/>
+                <a:ea typeface="배달의민족 주아" panose="02020603020101020101" pitchFamily="18" charset="-127"/>
+              </a:rPr>
+              <a:t>소수 구하기</a:t>
+            </a:r>
+            <a:endParaRPr sz="2400" dirty="0">
+              <a:solidFill>
+                <a:schemeClr val="tx1">
+                  <a:lumMod val="50000"/>
+                  <a:lumOff val="50000"/>
+                </a:schemeClr>
+              </a:solidFill>
+              <a:latin typeface="배달의민족 주아" panose="02020603020101020101" pitchFamily="18" charset="-127"/>
+              <a:ea typeface="배달의민족 주아" panose="02020603020101020101" pitchFamily="18" charset="-127"/>
+            </a:endParaRPr>
+          </a:p>
+        </p:txBody>
+      </p:sp>
+      <p:sp>
+        <p:nvSpPr>
+          <p:cNvPr id="19" name="Shape 201"/>
+          <p:cNvSpPr/>
+          <p:nvPr/>
+        </p:nvSpPr>
+        <p:spPr>
+          <a:xfrm>
+            <a:off x="2184400" y="7581900"/>
+            <a:ext cx="4064000" cy="1333500"/>
+          </a:xfrm>
+          <a:prstGeom prst="rect">
+            <a:avLst/>
+          </a:prstGeom>
+          <a:ln w="12700">
+            <a:miter lim="400000"/>
+          </a:ln>
+          <a:extLst>
+            <a:ext uri="{C572A759-6A51-4108-AA02-DFA0A04FC94B}">
+              <ma14:wrappingTextBoxFlag xmlns="" xmlns:ma14="http://schemas.microsoft.com/office/mac/drawingml/2011/main" val="1"/>
+            </a:ext>
+          </a:extLst>
+        </p:spPr>
+        <p:txBody>
+          <a:bodyPr lIns="0" tIns="0" rIns="0" bIns="0"/>
+          <a:lstStyle>
+            <a:lvl1pPr algn="l">
+              <a:defRPr sz="2200">
+                <a:solidFill>
+                  <a:srgbClr val="727272"/>
+                </a:solidFill>
+                <a:latin typeface="+mn-lt"/>
+                <a:ea typeface="+mn-ea"/>
+                <a:cs typeface="+mn-cs"/>
+                <a:sym typeface="Avenir Book"/>
+              </a:defRPr>
+            </a:lvl1pPr>
+          </a:lstStyle>
+          <a:p>
+            <a:pPr lvl="0">
+              <a:defRPr sz="1800">
+                <a:solidFill>
+                  <a:srgbClr val="000000"/>
+                </a:solidFill>
+              </a:defRPr>
+            </a:pPr>
+            <a:r>
+              <a:rPr lang="en-US" altLang="ko-KR" sz="2400" dirty="0">
+                <a:solidFill>
+                  <a:schemeClr val="tx1">
+                    <a:lumMod val="50000"/>
+                    <a:lumOff val="50000"/>
+                  </a:schemeClr>
+                </a:solidFill>
+                <a:latin typeface="배달의민족 주아" panose="02020603020101020101" pitchFamily="18" charset="-127"/>
+                <a:ea typeface="배달의민족 주아" panose="02020603020101020101" pitchFamily="18" charset="-127"/>
+              </a:rPr>
+              <a:t>2869</a:t>
+            </a:r>
+          </a:p>
+          <a:p>
+            <a:pPr lvl="0">
+              <a:defRPr sz="1800">
+                <a:solidFill>
+                  <a:srgbClr val="000000"/>
+                </a:solidFill>
+              </a:defRPr>
+            </a:pPr>
+            <a:r>
+              <a:rPr lang="ko-KR" altLang="en-US" sz="2400" dirty="0">
+                <a:solidFill>
+                  <a:schemeClr val="tx1">
+                    <a:lumMod val="50000"/>
+                    <a:lumOff val="50000"/>
+                  </a:schemeClr>
+                </a:solidFill>
+                <a:latin typeface="배달의민족 주아" panose="02020603020101020101" pitchFamily="18" charset="-127"/>
+                <a:ea typeface="배달의민족 주아" panose="02020603020101020101" pitchFamily="18" charset="-127"/>
+              </a:rPr>
+              <a:t>달팽이는 올라가고 싶다</a:t>
+            </a:r>
+            <a:endParaRPr sz="2400" dirty="0">
+              <a:solidFill>
+                <a:schemeClr val="tx1">
+                  <a:lumMod val="50000"/>
+                  <a:lumOff val="50000"/>
+                </a:schemeClr>
+              </a:solidFill>
+              <a:latin typeface="배달의민족 주아" panose="02020603020101020101" pitchFamily="18" charset="-127"/>
+              <a:ea typeface="배달의민족 주아" panose="02020603020101020101" pitchFamily="18" charset="-127"/>
+            </a:endParaRPr>
+          </a:p>
+        </p:txBody>
+      </p:sp>
+      <p:sp>
+        <p:nvSpPr>
+          <p:cNvPr id="22" name="Shape 204"/>
+          <p:cNvSpPr>
+            <a:spLocks noGrp="1"/>
+          </p:cNvSpPr>
+          <p:nvPr>
+            <p:ph type="title"/>
+          </p:nvPr>
+        </p:nvSpPr>
+        <p:spPr>
+          <a:xfrm>
+            <a:off x="1041400" y="355600"/>
+            <a:ext cx="10922000" cy="1066800"/>
+          </a:xfrm>
+          <a:prstGeom prst="rect">
+            <a:avLst/>
+          </a:prstGeom>
+        </p:spPr>
+        <p:txBody>
+          <a:bodyPr/>
+          <a:lstStyle/>
+          <a:p>
+            <a:pPr lvl="0"/>
+            <a:r>
+              <a:rPr lang="en-US"/>
+              <a:t>today’s agenda</a:t>
+            </a:r>
+            <a:endParaRPr/>
+          </a:p>
+        </p:txBody>
+      </p:sp>
+    </p:spTree>
+    <p:extLst>
+      <p:ext uri="{BB962C8B-B14F-4D97-AF65-F5344CB8AC3E}">
+        <p14:creationId xmlns:p14="http://schemas.microsoft.com/office/powerpoint/2010/main" val="2768369580"/>
+      </p:ext>
+    </p:extLst>
+  </p:cSld>
+  <p:clrMapOvr>
+    <a:masterClrMapping/>
+  </p:clrMapOvr>
+  <p:transition spd="med"/>
+</p:sld>
+</file>
+
+<file path=ppt/slides/slide3.xml><?xml version="1.0" encoding="utf-8"?>
+<p:sld xmlns:a="http://schemas.openxmlformats.org/drawingml/2006/main" xmlns:r="http://schemas.openxmlformats.org/officeDocument/2006/relationships" xmlns:p="http://schemas.openxmlformats.org/presentationml/2006/main">
+  <p:cSld>
+    <p:spTree>
+      <p:nvGrpSpPr>
+        <p:cNvPr id="1" name=""/>
+        <p:cNvGrpSpPr/>
+        <p:nvPr/>
+      </p:nvGrpSpPr>
+      <p:grpSpPr>
+        <a:xfrm>
+          <a:off x="0" y="0"/>
+          <a:ext cx="0" cy="0"/>
+          <a:chOff x="0" y="0"/>
+          <a:chExt cx="0" cy="0"/>
+        </a:xfrm>
+      </p:grpSpPr>
+      <p:sp>
+        <p:nvSpPr>
+          <p:cNvPr id="23" name="Shape 12"/>
+          <p:cNvSpPr/>
+          <p:nvPr/>
+        </p:nvSpPr>
+        <p:spPr>
+          <a:xfrm>
+            <a:off x="1041399" y="2286000"/>
+            <a:ext cx="889001" cy="889001"/>
+          </a:xfrm>
+          <a:custGeom>
+            <a:avLst/>
+            <a:gdLst/>
+            <a:ahLst/>
+            <a:cxnLst>
+              <a:cxn ang="0">
+                <a:pos x="wd2" y="hd2"/>
+              </a:cxn>
+              <a:cxn ang="5400000">
+                <a:pos x="wd2" y="hd2"/>
+              </a:cxn>
+              <a:cxn ang="10800000">
+                <a:pos x="wd2" y="hd2"/>
+              </a:cxn>
+              <a:cxn ang="16200000">
+                <a:pos x="wd2" y="hd2"/>
+              </a:cxn>
+            </a:cxnLst>
+            <a:rect l="0" t="0" r="r" b="b"/>
+            <a:pathLst>
+              <a:path w="21485" h="21542" extrusionOk="0">
+                <a:moveTo>
+                  <a:pt x="10568" y="21542"/>
+                </a:moveTo>
+                <a:cubicBezTo>
+                  <a:pt x="10429" y="21542"/>
+                  <a:pt x="10293" y="21470"/>
+                  <a:pt x="10213" y="21338"/>
+                </a:cubicBezTo>
+                <a:cubicBezTo>
+                  <a:pt x="10091" y="21139"/>
+                  <a:pt x="10140" y="20874"/>
+                  <a:pt x="10324" y="20737"/>
+                </a:cubicBezTo>
+                <a:lnTo>
+                  <a:pt x="12314" y="19261"/>
+                </a:lnTo>
+                <a:lnTo>
+                  <a:pt x="9527" y="20951"/>
+                </a:lnTo>
+                <a:cubicBezTo>
+                  <a:pt x="9329" y="21072"/>
+                  <a:pt x="9075" y="21004"/>
+                  <a:pt x="8956" y="20797"/>
+                </a:cubicBezTo>
+                <a:cubicBezTo>
+                  <a:pt x="8925" y="20744"/>
+                  <a:pt x="8906" y="20686"/>
+                  <a:pt x="8899" y="20627"/>
+                </a:cubicBezTo>
+                <a:lnTo>
+                  <a:pt x="8887" y="20634"/>
+                </a:lnTo>
+                <a:cubicBezTo>
+                  <a:pt x="8690" y="20754"/>
+                  <a:pt x="8439" y="20688"/>
+                  <a:pt x="8319" y="20485"/>
+                </a:cubicBezTo>
+                <a:cubicBezTo>
+                  <a:pt x="8199" y="20283"/>
+                  <a:pt x="8253" y="20016"/>
+                  <a:pt x="8442" y="19883"/>
+                </a:cubicBezTo>
+                <a:lnTo>
+                  <a:pt x="9250" y="19313"/>
+                </a:lnTo>
+                <a:lnTo>
+                  <a:pt x="6890" y="20744"/>
+                </a:lnTo>
+                <a:cubicBezTo>
+                  <a:pt x="6692" y="20865"/>
+                  <a:pt x="6440" y="20797"/>
+                  <a:pt x="6320" y="20592"/>
+                </a:cubicBezTo>
+                <a:cubicBezTo>
+                  <a:pt x="6216" y="20415"/>
+                  <a:pt x="6246" y="20189"/>
+                  <a:pt x="6382" y="20048"/>
+                </a:cubicBezTo>
+                <a:lnTo>
+                  <a:pt x="6246" y="20130"/>
+                </a:lnTo>
+                <a:cubicBezTo>
+                  <a:pt x="6047" y="20251"/>
+                  <a:pt x="5793" y="20182"/>
+                  <a:pt x="5674" y="19974"/>
+                </a:cubicBezTo>
+                <a:cubicBezTo>
+                  <a:pt x="5556" y="19767"/>
+                  <a:pt x="5617" y="19499"/>
+                  <a:pt x="5812" y="19371"/>
+                </a:cubicBezTo>
+                <a:lnTo>
+                  <a:pt x="5938" y="19288"/>
+                </a:lnTo>
+                <a:cubicBezTo>
+                  <a:pt x="5905" y="19258"/>
+                  <a:pt x="5876" y="19222"/>
+                  <a:pt x="5852" y="19181"/>
+                </a:cubicBezTo>
+                <a:cubicBezTo>
+                  <a:pt x="5803" y="19094"/>
+                  <a:pt x="5784" y="18997"/>
+                  <a:pt x="5794" y="18904"/>
+                </a:cubicBezTo>
+                <a:cubicBezTo>
+                  <a:pt x="5598" y="19014"/>
+                  <a:pt x="5355" y="18946"/>
+                  <a:pt x="5237" y="18747"/>
+                </a:cubicBezTo>
+                <a:cubicBezTo>
+                  <a:pt x="5117" y="18544"/>
+                  <a:pt x="5173" y="18277"/>
+                  <a:pt x="5362" y="18145"/>
+                </a:cubicBezTo>
+                <a:lnTo>
+                  <a:pt x="8559" y="15908"/>
+                </a:lnTo>
+                <a:lnTo>
+                  <a:pt x="5044" y="18041"/>
+                </a:lnTo>
+                <a:cubicBezTo>
+                  <a:pt x="4845" y="18162"/>
+                  <a:pt x="4590" y="18092"/>
+                  <a:pt x="4472" y="17885"/>
+                </a:cubicBezTo>
+                <a:cubicBezTo>
+                  <a:pt x="4430" y="17810"/>
+                  <a:pt x="4410" y="17728"/>
+                  <a:pt x="4412" y="17647"/>
+                </a:cubicBezTo>
+                <a:lnTo>
+                  <a:pt x="3093" y="18447"/>
+                </a:lnTo>
+                <a:cubicBezTo>
+                  <a:pt x="2895" y="18568"/>
+                  <a:pt x="2642" y="18499"/>
+                  <a:pt x="2523" y="18295"/>
+                </a:cubicBezTo>
+                <a:cubicBezTo>
+                  <a:pt x="2404" y="18090"/>
+                  <a:pt x="2462" y="17823"/>
+                  <a:pt x="2653" y="17692"/>
+                </a:cubicBezTo>
+                <a:lnTo>
+                  <a:pt x="5432" y="15801"/>
+                </a:lnTo>
+                <a:lnTo>
+                  <a:pt x="2634" y="17498"/>
+                </a:lnTo>
+                <a:cubicBezTo>
+                  <a:pt x="2434" y="17620"/>
+                  <a:pt x="2179" y="17549"/>
+                  <a:pt x="2061" y="17342"/>
+                </a:cubicBezTo>
+                <a:cubicBezTo>
+                  <a:pt x="2033" y="17292"/>
+                  <a:pt x="2015" y="17239"/>
+                  <a:pt x="2007" y="17185"/>
+                </a:cubicBezTo>
+                <a:lnTo>
+                  <a:pt x="1955" y="17217"/>
+                </a:lnTo>
+                <a:cubicBezTo>
+                  <a:pt x="1755" y="17338"/>
+                  <a:pt x="1500" y="17268"/>
+                  <a:pt x="1382" y="17060"/>
+                </a:cubicBezTo>
+                <a:cubicBezTo>
+                  <a:pt x="1264" y="16852"/>
+                  <a:pt x="1327" y="16583"/>
+                  <a:pt x="1524" y="16457"/>
+                </a:cubicBezTo>
+                <a:lnTo>
+                  <a:pt x="1619" y="16395"/>
+                </a:lnTo>
+                <a:cubicBezTo>
+                  <a:pt x="1581" y="16363"/>
+                  <a:pt x="1548" y="16324"/>
+                  <a:pt x="1521" y="16278"/>
+                </a:cubicBezTo>
+                <a:cubicBezTo>
+                  <a:pt x="1402" y="16073"/>
+                  <a:pt x="1461" y="15805"/>
+                  <a:pt x="1654" y="15675"/>
+                </a:cubicBezTo>
+                <a:lnTo>
+                  <a:pt x="3911" y="14153"/>
+                </a:lnTo>
+                <a:lnTo>
+                  <a:pt x="2785" y="14836"/>
+                </a:lnTo>
+                <a:cubicBezTo>
+                  <a:pt x="2587" y="14957"/>
+                  <a:pt x="2333" y="14888"/>
+                  <a:pt x="2214" y="14682"/>
+                </a:cubicBezTo>
+                <a:cubicBezTo>
+                  <a:pt x="2135" y="14544"/>
+                  <a:pt x="2135" y="14378"/>
+                  <a:pt x="2203" y="14245"/>
+                </a:cubicBezTo>
+                <a:lnTo>
+                  <a:pt x="1518" y="14660"/>
+                </a:lnTo>
+                <a:cubicBezTo>
+                  <a:pt x="1320" y="14781"/>
+                  <a:pt x="1067" y="14712"/>
+                  <a:pt x="948" y="14508"/>
+                </a:cubicBezTo>
+                <a:cubicBezTo>
+                  <a:pt x="828" y="14303"/>
+                  <a:pt x="886" y="14035"/>
+                  <a:pt x="1078" y="13905"/>
+                </a:cubicBezTo>
+                <a:lnTo>
+                  <a:pt x="3011" y="12591"/>
+                </a:lnTo>
+                <a:lnTo>
+                  <a:pt x="1866" y="13286"/>
+                </a:lnTo>
+                <a:cubicBezTo>
+                  <a:pt x="1667" y="13407"/>
+                  <a:pt x="1414" y="13338"/>
+                  <a:pt x="1295" y="13132"/>
+                </a:cubicBezTo>
+                <a:cubicBezTo>
+                  <a:pt x="1176" y="12927"/>
+                  <a:pt x="1235" y="12659"/>
+                  <a:pt x="1429" y="12529"/>
+                </a:cubicBezTo>
+                <a:lnTo>
+                  <a:pt x="1593" y="12419"/>
+                </a:lnTo>
+                <a:lnTo>
+                  <a:pt x="632" y="13002"/>
+                </a:lnTo>
+                <a:cubicBezTo>
+                  <a:pt x="434" y="13123"/>
+                  <a:pt x="182" y="13055"/>
+                  <a:pt x="63" y="12851"/>
+                </a:cubicBezTo>
+                <a:cubicBezTo>
+                  <a:pt x="-57" y="12647"/>
+                  <a:pt x="-1" y="12380"/>
+                  <a:pt x="190" y="12248"/>
+                </a:cubicBezTo>
+                <a:lnTo>
+                  <a:pt x="2952" y="10343"/>
+                </a:lnTo>
+                <a:lnTo>
+                  <a:pt x="796" y="11651"/>
+                </a:lnTo>
+                <a:cubicBezTo>
+                  <a:pt x="597" y="11773"/>
+                  <a:pt x="342" y="11703"/>
+                  <a:pt x="224" y="11496"/>
+                </a:cubicBezTo>
+                <a:cubicBezTo>
+                  <a:pt x="106" y="11289"/>
+                  <a:pt x="167" y="11021"/>
+                  <a:pt x="361" y="10892"/>
+                </a:cubicBezTo>
+                <a:lnTo>
+                  <a:pt x="559" y="10762"/>
+                </a:lnTo>
+                <a:cubicBezTo>
+                  <a:pt x="507" y="10728"/>
+                  <a:pt x="462" y="10680"/>
+                  <a:pt x="427" y="10622"/>
+                </a:cubicBezTo>
+                <a:cubicBezTo>
+                  <a:pt x="307" y="10418"/>
+                  <a:pt x="363" y="10151"/>
+                  <a:pt x="553" y="10019"/>
+                </a:cubicBezTo>
+                <a:lnTo>
+                  <a:pt x="2730" y="8505"/>
+                </a:lnTo>
+                <a:lnTo>
+                  <a:pt x="1014" y="9546"/>
+                </a:lnTo>
+                <a:cubicBezTo>
+                  <a:pt x="816" y="9667"/>
+                  <a:pt x="562" y="9598"/>
+                  <a:pt x="443" y="9392"/>
+                </a:cubicBezTo>
+                <a:cubicBezTo>
+                  <a:pt x="324" y="9185"/>
+                  <a:pt x="385" y="8917"/>
+                  <a:pt x="579" y="8788"/>
+                </a:cubicBezTo>
+                <a:lnTo>
+                  <a:pt x="1586" y="8121"/>
+                </a:lnTo>
+                <a:cubicBezTo>
+                  <a:pt x="1567" y="8100"/>
+                  <a:pt x="1549" y="8077"/>
+                  <a:pt x="1534" y="8052"/>
+                </a:cubicBezTo>
+                <a:cubicBezTo>
+                  <a:pt x="1413" y="7852"/>
+                  <a:pt x="1462" y="7588"/>
+                  <a:pt x="1646" y="7451"/>
+                </a:cubicBezTo>
+                <a:lnTo>
+                  <a:pt x="3934" y="5755"/>
+                </a:lnTo>
+                <a:lnTo>
+                  <a:pt x="1630" y="7153"/>
+                </a:lnTo>
+                <a:cubicBezTo>
+                  <a:pt x="1436" y="7271"/>
+                  <a:pt x="1187" y="7209"/>
+                  <a:pt x="1065" y="7011"/>
+                </a:cubicBezTo>
+                <a:cubicBezTo>
+                  <a:pt x="943" y="6813"/>
+                  <a:pt x="990" y="6549"/>
+                  <a:pt x="1172" y="6411"/>
+                </a:cubicBezTo>
+                <a:lnTo>
+                  <a:pt x="2876" y="5114"/>
+                </a:lnTo>
+                <a:lnTo>
+                  <a:pt x="2721" y="5208"/>
+                </a:lnTo>
+                <a:cubicBezTo>
+                  <a:pt x="2532" y="5323"/>
+                  <a:pt x="2291" y="5267"/>
+                  <a:pt x="2165" y="5079"/>
+                </a:cubicBezTo>
+                <a:cubicBezTo>
+                  <a:pt x="2040" y="4890"/>
+                  <a:pt x="2073" y="4633"/>
+                  <a:pt x="2240" y="4485"/>
+                </a:cubicBezTo>
+                <a:lnTo>
+                  <a:pt x="3715" y="3188"/>
+                </a:lnTo>
+                <a:cubicBezTo>
+                  <a:pt x="3634" y="3151"/>
+                  <a:pt x="3564" y="3088"/>
+                  <a:pt x="3517" y="3003"/>
+                </a:cubicBezTo>
+                <a:cubicBezTo>
+                  <a:pt x="3401" y="2791"/>
+                  <a:pt x="3470" y="2520"/>
+                  <a:pt x="3671" y="2398"/>
+                </a:cubicBezTo>
+                <a:lnTo>
+                  <a:pt x="6733" y="540"/>
+                </a:lnTo>
+                <a:cubicBezTo>
+                  <a:pt x="6922" y="425"/>
+                  <a:pt x="7164" y="481"/>
+                  <a:pt x="7289" y="670"/>
+                </a:cubicBezTo>
+                <a:cubicBezTo>
+                  <a:pt x="7414" y="858"/>
+                  <a:pt x="7382" y="1116"/>
+                  <a:pt x="7214" y="1263"/>
+                </a:cubicBezTo>
+                <a:lnTo>
+                  <a:pt x="6495" y="1896"/>
+                </a:lnTo>
+                <a:lnTo>
+                  <a:pt x="9522" y="59"/>
+                </a:lnTo>
+                <a:cubicBezTo>
+                  <a:pt x="9716" y="-58"/>
+                  <a:pt x="9964" y="4"/>
+                  <a:pt x="10086" y="202"/>
+                </a:cubicBezTo>
+                <a:cubicBezTo>
+                  <a:pt x="10208" y="400"/>
+                  <a:pt x="10162" y="663"/>
+                  <a:pt x="9980" y="801"/>
+                </a:cubicBezTo>
+                <a:lnTo>
+                  <a:pt x="8276" y="2098"/>
+                </a:lnTo>
+                <a:lnTo>
+                  <a:pt x="11546" y="114"/>
+                </a:lnTo>
+                <a:cubicBezTo>
+                  <a:pt x="11741" y="-4"/>
+                  <a:pt x="11990" y="60"/>
+                  <a:pt x="12111" y="259"/>
+                </a:cubicBezTo>
+                <a:cubicBezTo>
+                  <a:pt x="12233" y="459"/>
+                  <a:pt x="12183" y="723"/>
+                  <a:pt x="11999" y="860"/>
+                </a:cubicBezTo>
+                <a:lnTo>
+                  <a:pt x="9712" y="2555"/>
+                </a:lnTo>
+                <a:lnTo>
+                  <a:pt x="12863" y="644"/>
+                </a:lnTo>
+                <a:cubicBezTo>
+                  <a:pt x="13062" y="523"/>
+                  <a:pt x="13316" y="592"/>
+                  <a:pt x="13434" y="798"/>
+                </a:cubicBezTo>
+                <a:cubicBezTo>
+                  <a:pt x="13463" y="848"/>
+                  <a:pt x="13481" y="901"/>
+                  <a:pt x="13489" y="955"/>
+                </a:cubicBezTo>
+                <a:lnTo>
+                  <a:pt x="14265" y="484"/>
+                </a:lnTo>
+                <a:cubicBezTo>
+                  <a:pt x="14462" y="364"/>
+                  <a:pt x="14714" y="431"/>
+                  <a:pt x="14834" y="635"/>
+                </a:cubicBezTo>
+                <a:cubicBezTo>
+                  <a:pt x="14954" y="838"/>
+                  <a:pt x="14898" y="1105"/>
+                  <a:pt x="14708" y="1237"/>
+                </a:cubicBezTo>
+                <a:lnTo>
+                  <a:pt x="12533" y="2750"/>
+                </a:lnTo>
+                <a:lnTo>
+                  <a:pt x="15152" y="1161"/>
+                </a:lnTo>
+                <a:cubicBezTo>
+                  <a:pt x="15351" y="1040"/>
+                  <a:pt x="15605" y="1109"/>
+                  <a:pt x="15724" y="1316"/>
+                </a:cubicBezTo>
+                <a:cubicBezTo>
+                  <a:pt x="15824" y="1490"/>
+                  <a:pt x="15796" y="1708"/>
+                  <a:pt x="15669" y="1849"/>
+                </a:cubicBezTo>
+                <a:cubicBezTo>
+                  <a:pt x="15731" y="1885"/>
+                  <a:pt x="15786" y="1937"/>
+                  <a:pt x="15827" y="2006"/>
+                </a:cubicBezTo>
+                <a:cubicBezTo>
+                  <a:pt x="15946" y="2210"/>
+                  <a:pt x="15890" y="2477"/>
+                  <a:pt x="15699" y="2608"/>
+                </a:cubicBezTo>
+                <a:lnTo>
+                  <a:pt x="12934" y="4516"/>
+                </a:lnTo>
+                <a:lnTo>
+                  <a:pt x="17776" y="1578"/>
+                </a:lnTo>
+                <a:cubicBezTo>
+                  <a:pt x="17974" y="1458"/>
+                  <a:pt x="18228" y="1526"/>
+                  <a:pt x="18347" y="1732"/>
+                </a:cubicBezTo>
+                <a:cubicBezTo>
+                  <a:pt x="18466" y="1938"/>
+                  <a:pt x="18406" y="2205"/>
+                  <a:pt x="18213" y="2335"/>
+                </a:cubicBezTo>
+                <a:lnTo>
+                  <a:pt x="17202" y="3012"/>
+                </a:lnTo>
+                <a:cubicBezTo>
+                  <a:pt x="17352" y="3001"/>
+                  <a:pt x="17502" y="3079"/>
+                  <a:pt x="17587" y="3224"/>
+                </a:cubicBezTo>
+                <a:cubicBezTo>
+                  <a:pt x="17706" y="3428"/>
+                  <a:pt x="17648" y="3696"/>
+                  <a:pt x="17456" y="3826"/>
+                </a:cubicBezTo>
+                <a:lnTo>
+                  <a:pt x="15523" y="5141"/>
+                </a:lnTo>
+                <a:lnTo>
+                  <a:pt x="17548" y="3912"/>
+                </a:lnTo>
+                <a:cubicBezTo>
+                  <a:pt x="17747" y="3792"/>
+                  <a:pt x="18001" y="3860"/>
+                  <a:pt x="18119" y="4065"/>
+                </a:cubicBezTo>
+                <a:cubicBezTo>
+                  <a:pt x="18199" y="4203"/>
+                  <a:pt x="18199" y="4370"/>
+                  <a:pt x="18131" y="4503"/>
+                </a:cubicBezTo>
+                <a:lnTo>
+                  <a:pt x="19052" y="3944"/>
+                </a:lnTo>
+                <a:cubicBezTo>
+                  <a:pt x="19251" y="3824"/>
+                  <a:pt x="19503" y="3892"/>
+                  <a:pt x="19623" y="4097"/>
+                </a:cubicBezTo>
+                <a:cubicBezTo>
+                  <a:pt x="19742" y="4303"/>
+                  <a:pt x="19683" y="4570"/>
+                  <a:pt x="19490" y="4700"/>
+                </a:cubicBezTo>
+                <a:lnTo>
+                  <a:pt x="17234" y="6222"/>
+                </a:lnTo>
+                <a:lnTo>
+                  <a:pt x="19391" y="4913"/>
+                </a:lnTo>
+                <a:cubicBezTo>
+                  <a:pt x="19590" y="4792"/>
+                  <a:pt x="19846" y="4862"/>
+                  <a:pt x="19963" y="5070"/>
+                </a:cubicBezTo>
+                <a:cubicBezTo>
+                  <a:pt x="19993" y="5122"/>
+                  <a:pt x="20011" y="5178"/>
+                  <a:pt x="20019" y="5235"/>
+                </a:cubicBezTo>
+                <a:cubicBezTo>
+                  <a:pt x="20216" y="5125"/>
+                  <a:pt x="20464" y="5195"/>
+                  <a:pt x="20580" y="5399"/>
+                </a:cubicBezTo>
+                <a:cubicBezTo>
+                  <a:pt x="20698" y="5607"/>
+                  <a:pt x="20634" y="5876"/>
+                  <a:pt x="20438" y="6003"/>
+                </a:cubicBezTo>
+                <a:lnTo>
+                  <a:pt x="19769" y="6435"/>
+                </a:lnTo>
+                <a:cubicBezTo>
+                  <a:pt x="19798" y="6463"/>
+                  <a:pt x="19823" y="6495"/>
+                  <a:pt x="19845" y="6532"/>
+                </a:cubicBezTo>
+                <a:cubicBezTo>
+                  <a:pt x="19964" y="6737"/>
+                  <a:pt x="19906" y="7004"/>
+                  <a:pt x="19714" y="7135"/>
+                </a:cubicBezTo>
+                <a:lnTo>
+                  <a:pt x="16936" y="9026"/>
+                </a:lnTo>
+                <a:lnTo>
+                  <a:pt x="20853" y="6650"/>
+                </a:lnTo>
+                <a:cubicBezTo>
+                  <a:pt x="21052" y="6528"/>
+                  <a:pt x="21307" y="6598"/>
+                  <a:pt x="21425" y="6805"/>
+                </a:cubicBezTo>
+                <a:cubicBezTo>
+                  <a:pt x="21543" y="7012"/>
+                  <a:pt x="21482" y="7281"/>
+                  <a:pt x="21286" y="7409"/>
+                </a:cubicBezTo>
+                <a:lnTo>
+                  <a:pt x="20045" y="8222"/>
+                </a:lnTo>
+                <a:cubicBezTo>
+                  <a:pt x="20087" y="8254"/>
+                  <a:pt x="20125" y="8296"/>
+                  <a:pt x="20154" y="8346"/>
+                </a:cubicBezTo>
+                <a:cubicBezTo>
+                  <a:pt x="20274" y="8549"/>
+                  <a:pt x="20219" y="8815"/>
+                  <a:pt x="20030" y="8948"/>
+                </a:cubicBezTo>
+                <a:lnTo>
+                  <a:pt x="16835" y="11183"/>
+                </a:lnTo>
+                <a:lnTo>
+                  <a:pt x="20194" y="9145"/>
+                </a:lnTo>
+                <a:cubicBezTo>
+                  <a:pt x="20392" y="9024"/>
+                  <a:pt x="20646" y="9093"/>
+                  <a:pt x="20765" y="9299"/>
+                </a:cubicBezTo>
+                <a:cubicBezTo>
+                  <a:pt x="20884" y="9506"/>
+                  <a:pt x="20824" y="9774"/>
+                  <a:pt x="20630" y="9903"/>
+                </a:cubicBezTo>
+                <a:lnTo>
+                  <a:pt x="20003" y="10319"/>
+                </a:lnTo>
+                <a:cubicBezTo>
+                  <a:pt x="20066" y="10356"/>
+                  <a:pt x="20122" y="10410"/>
+                  <a:pt x="20162" y="10480"/>
+                </a:cubicBezTo>
+                <a:cubicBezTo>
+                  <a:pt x="20280" y="10687"/>
+                  <a:pt x="20219" y="10955"/>
+                  <a:pt x="20024" y="11083"/>
+                </a:cubicBezTo>
+                <a:lnTo>
+                  <a:pt x="19989" y="11106"/>
+                </a:lnTo>
+                <a:cubicBezTo>
+                  <a:pt x="20023" y="11136"/>
+                  <a:pt x="20053" y="11172"/>
+                  <a:pt x="20077" y="11213"/>
+                </a:cubicBezTo>
+                <a:cubicBezTo>
+                  <a:pt x="20196" y="11418"/>
+                  <a:pt x="20139" y="11685"/>
+                  <a:pt x="19948" y="11816"/>
+                </a:cubicBezTo>
+                <a:lnTo>
+                  <a:pt x="19720" y="11971"/>
+                </a:lnTo>
+                <a:cubicBezTo>
+                  <a:pt x="19883" y="11944"/>
+                  <a:pt x="20052" y="12019"/>
+                  <a:pt x="20144" y="12174"/>
+                </a:cubicBezTo>
+                <a:cubicBezTo>
+                  <a:pt x="20264" y="12377"/>
+                  <a:pt x="20210" y="12643"/>
+                  <a:pt x="20021" y="12776"/>
+                </a:cubicBezTo>
+                <a:lnTo>
+                  <a:pt x="19214" y="13347"/>
+                </a:lnTo>
+                <a:lnTo>
+                  <a:pt x="20519" y="12555"/>
+                </a:lnTo>
+                <a:cubicBezTo>
+                  <a:pt x="20717" y="12434"/>
+                  <a:pt x="20971" y="12502"/>
+                  <a:pt x="21090" y="12709"/>
+                </a:cubicBezTo>
+                <a:cubicBezTo>
+                  <a:pt x="21209" y="12914"/>
+                  <a:pt x="21149" y="13182"/>
+                  <a:pt x="20956" y="13312"/>
+                </a:cubicBezTo>
+                <a:lnTo>
+                  <a:pt x="20359" y="13711"/>
+                </a:lnTo>
+                <a:cubicBezTo>
+                  <a:pt x="20386" y="13737"/>
+                  <a:pt x="20410" y="13767"/>
+                  <a:pt x="20431" y="13801"/>
+                </a:cubicBezTo>
+                <a:cubicBezTo>
+                  <a:pt x="20552" y="14001"/>
+                  <a:pt x="20503" y="14265"/>
+                  <a:pt x="20319" y="14402"/>
+                </a:cubicBezTo>
+                <a:lnTo>
+                  <a:pt x="18332" y="15877"/>
+                </a:lnTo>
+                <a:lnTo>
+                  <a:pt x="18896" y="15535"/>
+                </a:lnTo>
+                <a:cubicBezTo>
+                  <a:pt x="19088" y="15417"/>
+                  <a:pt x="19334" y="15479"/>
+                  <a:pt x="19457" y="15674"/>
+                </a:cubicBezTo>
+                <a:cubicBezTo>
+                  <a:pt x="19580" y="15868"/>
+                  <a:pt x="19538" y="16130"/>
+                  <a:pt x="19361" y="16271"/>
+                </a:cubicBezTo>
+                <a:lnTo>
+                  <a:pt x="17911" y="17426"/>
+                </a:lnTo>
+                <a:cubicBezTo>
+                  <a:pt x="17948" y="17458"/>
+                  <a:pt x="17980" y="17498"/>
+                  <a:pt x="18005" y="17544"/>
+                </a:cubicBezTo>
+                <a:cubicBezTo>
+                  <a:pt x="18121" y="17756"/>
+                  <a:pt x="18052" y="18026"/>
+                  <a:pt x="17851" y="18148"/>
+                </a:cubicBezTo>
+                <a:lnTo>
+                  <a:pt x="14263" y="20325"/>
+                </a:lnTo>
+                <a:cubicBezTo>
+                  <a:pt x="14071" y="20443"/>
+                  <a:pt x="13825" y="20381"/>
+                  <a:pt x="13702" y="20186"/>
+                </a:cubicBezTo>
+                <a:cubicBezTo>
+                  <a:pt x="13610" y="20041"/>
+                  <a:pt x="13610" y="19858"/>
+                  <a:pt x="13690" y="19716"/>
+                </a:cubicBezTo>
+                <a:lnTo>
+                  <a:pt x="10778" y="21483"/>
+                </a:lnTo>
+                <a:cubicBezTo>
+                  <a:pt x="10712" y="21523"/>
+                  <a:pt x="10639" y="21542"/>
+                  <a:pt x="10568" y="21542"/>
+                </a:cubicBezTo>
+                <a:close/>
+              </a:path>
+            </a:pathLst>
+          </a:custGeom>
+          <a:solidFill>
+            <a:srgbClr val="4FC0E9"/>
+          </a:solidFill>
+          <a:ln w="25400">
+            <a:miter lim="400000"/>
+          </a:ln>
+        </p:spPr>
+        <p:txBody>
+          <a:bodyPr lIns="38100" tIns="38100" rIns="38100" bIns="38100" anchor="ctr"/>
+          <a:lstStyle/>
+          <a:p>
+            <a:pPr lvl="0" defTabSz="457200">
+              <a:defRPr sz="3000">
+                <a:solidFill>
+                  <a:srgbClr val="FFFFFF"/>
+                </a:solidFill>
+                <a:effectLst>
+                  <a:outerShdw blurRad="38100" dist="12700" dir="5400000" rotWithShape="0">
+                    <a:srgbClr val="000000">
+                      <a:alpha val="50000"/>
+                    </a:srgbClr>
+                  </a:outerShdw>
+                </a:effectLst>
+              </a:defRPr>
+            </a:pPr>
+            <a:endParaRPr/>
+          </a:p>
+        </p:txBody>
+      </p:sp>
+      <p:sp>
+        <p:nvSpPr>
+          <p:cNvPr id="24" name="Shape 13"/>
+          <p:cNvSpPr/>
+          <p:nvPr/>
+        </p:nvSpPr>
+        <p:spPr>
+          <a:xfrm>
+            <a:off x="1041399" y="4051300"/>
+            <a:ext cx="889001" cy="889000"/>
+          </a:xfrm>
+          <a:custGeom>
+            <a:avLst/>
+            <a:gdLst/>
+            <a:ahLst/>
+            <a:cxnLst>
+              <a:cxn ang="0">
+                <a:pos x="wd2" y="hd2"/>
+              </a:cxn>
+              <a:cxn ang="5400000">
+                <a:pos x="wd2" y="hd2"/>
+              </a:cxn>
+              <a:cxn ang="10800000">
+                <a:pos x="wd2" y="hd2"/>
+              </a:cxn>
+              <a:cxn ang="16200000">
+                <a:pos x="wd2" y="hd2"/>
+              </a:cxn>
+            </a:cxnLst>
+            <a:rect l="0" t="0" r="r" b="b"/>
+            <a:pathLst>
+              <a:path w="21485" h="21542" extrusionOk="0">
+                <a:moveTo>
+                  <a:pt x="10568" y="21542"/>
+                </a:moveTo>
+                <a:cubicBezTo>
+                  <a:pt x="10429" y="21542"/>
+                  <a:pt x="10293" y="21470"/>
+                  <a:pt x="10213" y="21338"/>
+                </a:cubicBezTo>
+                <a:cubicBezTo>
+                  <a:pt x="10091" y="21139"/>
+                  <a:pt x="10140" y="20874"/>
+                  <a:pt x="10324" y="20737"/>
+                </a:cubicBezTo>
+                <a:lnTo>
+                  <a:pt x="12314" y="19261"/>
+                </a:lnTo>
+                <a:lnTo>
+                  <a:pt x="9527" y="20951"/>
+                </a:lnTo>
+                <a:cubicBezTo>
+                  <a:pt x="9329" y="21072"/>
+                  <a:pt x="9075" y="21004"/>
+                  <a:pt x="8956" y="20797"/>
+                </a:cubicBezTo>
+                <a:cubicBezTo>
+                  <a:pt x="8925" y="20744"/>
+                  <a:pt x="8906" y="20686"/>
+                  <a:pt x="8899" y="20627"/>
+                </a:cubicBezTo>
+                <a:lnTo>
+                  <a:pt x="8887" y="20634"/>
+                </a:lnTo>
+                <a:cubicBezTo>
+                  <a:pt x="8690" y="20754"/>
+                  <a:pt x="8439" y="20688"/>
+                  <a:pt x="8319" y="20485"/>
+                </a:cubicBezTo>
+                <a:cubicBezTo>
+                  <a:pt x="8199" y="20283"/>
+                  <a:pt x="8253" y="20016"/>
+                  <a:pt x="8442" y="19883"/>
+                </a:cubicBezTo>
+                <a:lnTo>
+                  <a:pt x="9250" y="19313"/>
+                </a:lnTo>
+                <a:lnTo>
+                  <a:pt x="6890" y="20744"/>
+                </a:lnTo>
+                <a:cubicBezTo>
+                  <a:pt x="6692" y="20865"/>
+                  <a:pt x="6440" y="20797"/>
+                  <a:pt x="6320" y="20592"/>
+                </a:cubicBezTo>
+                <a:cubicBezTo>
+                  <a:pt x="6216" y="20415"/>
+                  <a:pt x="6246" y="20189"/>
+                  <a:pt x="6382" y="20048"/>
+                </a:cubicBezTo>
+                <a:lnTo>
+                  <a:pt x="6246" y="20130"/>
+                </a:lnTo>
+                <a:cubicBezTo>
+                  <a:pt x="6047" y="20251"/>
+                  <a:pt x="5793" y="20182"/>
+                  <a:pt x="5674" y="19974"/>
+                </a:cubicBezTo>
+                <a:cubicBezTo>
+                  <a:pt x="5556" y="19767"/>
+                  <a:pt x="5617" y="19499"/>
+                  <a:pt x="5812" y="19371"/>
+                </a:cubicBezTo>
+                <a:lnTo>
+                  <a:pt x="5938" y="19288"/>
+                </a:lnTo>
+                <a:cubicBezTo>
+                  <a:pt x="5905" y="19258"/>
+                  <a:pt x="5876" y="19222"/>
+                  <a:pt x="5852" y="19181"/>
+                </a:cubicBezTo>
+                <a:cubicBezTo>
+                  <a:pt x="5803" y="19094"/>
+                  <a:pt x="5784" y="18997"/>
+                  <a:pt x="5794" y="18904"/>
+                </a:cubicBezTo>
+                <a:cubicBezTo>
+                  <a:pt x="5598" y="19014"/>
+                  <a:pt x="5355" y="18946"/>
+                  <a:pt x="5237" y="18747"/>
+                </a:cubicBezTo>
+                <a:cubicBezTo>
+                  <a:pt x="5117" y="18544"/>
+                  <a:pt x="5173" y="18277"/>
+                  <a:pt x="5362" y="18145"/>
+                </a:cubicBezTo>
+                <a:lnTo>
+                  <a:pt x="8559" y="15908"/>
+                </a:lnTo>
+                <a:lnTo>
+                  <a:pt x="5044" y="18041"/>
+                </a:lnTo>
+                <a:cubicBezTo>
+                  <a:pt x="4845" y="18162"/>
+                  <a:pt x="4590" y="18092"/>
+                  <a:pt x="4472" y="17885"/>
+                </a:cubicBezTo>
+                <a:cubicBezTo>
+                  <a:pt x="4430" y="17810"/>
+                  <a:pt x="4410" y="17728"/>
+                  <a:pt x="4412" y="17647"/>
+                </a:cubicBezTo>
+                <a:lnTo>
+                  <a:pt x="3093" y="18447"/>
+                </a:lnTo>
+                <a:cubicBezTo>
+                  <a:pt x="2895" y="18568"/>
+                  <a:pt x="2642" y="18499"/>
+                  <a:pt x="2523" y="18295"/>
+                </a:cubicBezTo>
+                <a:cubicBezTo>
+                  <a:pt x="2404" y="18090"/>
+                  <a:pt x="2462" y="17823"/>
+                  <a:pt x="2653" y="17692"/>
+                </a:cubicBezTo>
+                <a:lnTo>
+                  <a:pt x="5432" y="15801"/>
+                </a:lnTo>
+                <a:lnTo>
+                  <a:pt x="2634" y="17498"/>
+                </a:lnTo>
+                <a:cubicBezTo>
+                  <a:pt x="2434" y="17620"/>
+                  <a:pt x="2179" y="17549"/>
+                  <a:pt x="2061" y="17342"/>
+                </a:cubicBezTo>
+                <a:cubicBezTo>
+                  <a:pt x="2033" y="17292"/>
+                  <a:pt x="2015" y="17239"/>
+                  <a:pt x="2007" y="17185"/>
+                </a:cubicBezTo>
+                <a:lnTo>
+                  <a:pt x="1955" y="17217"/>
+                </a:lnTo>
+                <a:cubicBezTo>
+                  <a:pt x="1755" y="17338"/>
+                  <a:pt x="1500" y="17268"/>
+                  <a:pt x="1382" y="17060"/>
+                </a:cubicBezTo>
+                <a:cubicBezTo>
+                  <a:pt x="1264" y="16852"/>
+                  <a:pt x="1327" y="16583"/>
+                  <a:pt x="1524" y="16457"/>
+                </a:cubicBezTo>
+                <a:lnTo>
+                  <a:pt x="1619" y="16395"/>
+                </a:lnTo>
+                <a:cubicBezTo>
+                  <a:pt x="1581" y="16363"/>
+                  <a:pt x="1548" y="16324"/>
+                  <a:pt x="1521" y="16278"/>
+                </a:cubicBezTo>
+                <a:cubicBezTo>
+                  <a:pt x="1402" y="16073"/>
+                  <a:pt x="1461" y="15805"/>
+                  <a:pt x="1654" y="15675"/>
+                </a:cubicBezTo>
+                <a:lnTo>
+                  <a:pt x="3911" y="14153"/>
+                </a:lnTo>
+                <a:lnTo>
+                  <a:pt x="2785" y="14836"/>
+                </a:lnTo>
+                <a:cubicBezTo>
+                  <a:pt x="2587" y="14957"/>
+                  <a:pt x="2333" y="14888"/>
+                  <a:pt x="2214" y="14682"/>
+                </a:cubicBezTo>
+                <a:cubicBezTo>
+                  <a:pt x="2135" y="14544"/>
+                  <a:pt x="2135" y="14378"/>
+                  <a:pt x="2203" y="14245"/>
+                </a:cubicBezTo>
+                <a:lnTo>
+                  <a:pt x="1518" y="14660"/>
+                </a:lnTo>
+                <a:cubicBezTo>
+                  <a:pt x="1320" y="14781"/>
+                  <a:pt x="1067" y="14712"/>
+                  <a:pt x="948" y="14508"/>
+                </a:cubicBezTo>
+                <a:cubicBezTo>
+                  <a:pt x="828" y="14303"/>
+                  <a:pt x="886" y="14035"/>
+                  <a:pt x="1078" y="13905"/>
+                </a:cubicBezTo>
+                <a:lnTo>
+                  <a:pt x="3011" y="12591"/>
+                </a:lnTo>
+                <a:lnTo>
+                  <a:pt x="1866" y="13286"/>
+                </a:lnTo>
+                <a:cubicBezTo>
+                  <a:pt x="1667" y="13407"/>
+                  <a:pt x="1414" y="13338"/>
+                  <a:pt x="1295" y="13132"/>
+                </a:cubicBezTo>
+                <a:cubicBezTo>
+                  <a:pt x="1176" y="12927"/>
+                  <a:pt x="1235" y="12659"/>
+                  <a:pt x="1429" y="12529"/>
+                </a:cubicBezTo>
+                <a:lnTo>
+                  <a:pt x="1593" y="12419"/>
+                </a:lnTo>
+                <a:lnTo>
+                  <a:pt x="632" y="13002"/>
+                </a:lnTo>
+                <a:cubicBezTo>
+                  <a:pt x="434" y="13123"/>
+                  <a:pt x="182" y="13055"/>
+                  <a:pt x="63" y="12851"/>
+                </a:cubicBezTo>
+                <a:cubicBezTo>
+                  <a:pt x="-57" y="12647"/>
+                  <a:pt x="-1" y="12380"/>
+                  <a:pt x="190" y="12248"/>
+                </a:cubicBezTo>
+                <a:lnTo>
+                  <a:pt x="2952" y="10343"/>
+                </a:lnTo>
+                <a:lnTo>
+                  <a:pt x="796" y="11651"/>
+                </a:lnTo>
+                <a:cubicBezTo>
+                  <a:pt x="597" y="11773"/>
+                  <a:pt x="342" y="11703"/>
+                  <a:pt x="224" y="11496"/>
+                </a:cubicBezTo>
+                <a:cubicBezTo>
+                  <a:pt x="106" y="11289"/>
+                  <a:pt x="167" y="11021"/>
+                  <a:pt x="361" y="10892"/>
+                </a:cubicBezTo>
+                <a:lnTo>
+                  <a:pt x="559" y="10762"/>
+                </a:lnTo>
+                <a:cubicBezTo>
+                  <a:pt x="507" y="10728"/>
+                  <a:pt x="462" y="10680"/>
+                  <a:pt x="427" y="10622"/>
+                </a:cubicBezTo>
+                <a:cubicBezTo>
+                  <a:pt x="307" y="10418"/>
+                  <a:pt x="363" y="10151"/>
+                  <a:pt x="553" y="10019"/>
+                </a:cubicBezTo>
+                <a:lnTo>
+                  <a:pt x="2730" y="8505"/>
+                </a:lnTo>
+                <a:lnTo>
+                  <a:pt x="1014" y="9546"/>
+                </a:lnTo>
+                <a:cubicBezTo>
+                  <a:pt x="816" y="9667"/>
+                  <a:pt x="562" y="9598"/>
+                  <a:pt x="443" y="9392"/>
+                </a:cubicBezTo>
+                <a:cubicBezTo>
+                  <a:pt x="324" y="9185"/>
+                  <a:pt x="385" y="8917"/>
+                  <a:pt x="579" y="8788"/>
+                </a:cubicBezTo>
+                <a:lnTo>
+                  <a:pt x="1586" y="8121"/>
+                </a:lnTo>
+                <a:cubicBezTo>
+                  <a:pt x="1567" y="8100"/>
+                  <a:pt x="1549" y="8077"/>
+                  <a:pt x="1534" y="8052"/>
+                </a:cubicBezTo>
+                <a:cubicBezTo>
+                  <a:pt x="1413" y="7852"/>
+                  <a:pt x="1462" y="7588"/>
+                  <a:pt x="1646" y="7451"/>
+                </a:cubicBezTo>
+                <a:lnTo>
+                  <a:pt x="3934" y="5755"/>
+                </a:lnTo>
+                <a:lnTo>
+                  <a:pt x="1630" y="7153"/>
+                </a:lnTo>
+                <a:cubicBezTo>
+                  <a:pt x="1436" y="7271"/>
+                  <a:pt x="1187" y="7209"/>
+                  <a:pt x="1065" y="7011"/>
+                </a:cubicBezTo>
+                <a:cubicBezTo>
+                  <a:pt x="943" y="6813"/>
+                  <a:pt x="990" y="6549"/>
+                  <a:pt x="1172" y="6411"/>
+                </a:cubicBezTo>
+                <a:lnTo>
+                  <a:pt x="2876" y="5114"/>
+                </a:lnTo>
+                <a:lnTo>
+                  <a:pt x="2721" y="5208"/>
+                </a:lnTo>
+                <a:cubicBezTo>
+                  <a:pt x="2532" y="5323"/>
+                  <a:pt x="2291" y="5267"/>
+                  <a:pt x="2165" y="5079"/>
+                </a:cubicBezTo>
+                <a:cubicBezTo>
+                  <a:pt x="2040" y="4890"/>
+                  <a:pt x="2073" y="4633"/>
+                  <a:pt x="2240" y="4485"/>
+                </a:cubicBezTo>
+                <a:lnTo>
+                  <a:pt x="3715" y="3188"/>
+                </a:lnTo>
+                <a:cubicBezTo>
+                  <a:pt x="3634" y="3151"/>
+                  <a:pt x="3564" y="3088"/>
+                  <a:pt x="3517" y="3003"/>
+                </a:cubicBezTo>
+                <a:cubicBezTo>
+                  <a:pt x="3401" y="2791"/>
+                  <a:pt x="3470" y="2520"/>
+                  <a:pt x="3671" y="2398"/>
+                </a:cubicBezTo>
+                <a:lnTo>
+                  <a:pt x="6733" y="540"/>
+                </a:lnTo>
+                <a:cubicBezTo>
+                  <a:pt x="6922" y="425"/>
+                  <a:pt x="7164" y="481"/>
+                  <a:pt x="7289" y="670"/>
+                </a:cubicBezTo>
+                <a:cubicBezTo>
+                  <a:pt x="7414" y="858"/>
+                  <a:pt x="7382" y="1116"/>
+                  <a:pt x="7214" y="1263"/>
+                </a:cubicBezTo>
+                <a:lnTo>
+                  <a:pt x="6495" y="1896"/>
+                </a:lnTo>
+                <a:lnTo>
+                  <a:pt x="9522" y="59"/>
+                </a:lnTo>
+                <a:cubicBezTo>
+                  <a:pt x="9716" y="-58"/>
+                  <a:pt x="9964" y="4"/>
+                  <a:pt x="10086" y="202"/>
+                </a:cubicBezTo>
+                <a:cubicBezTo>
+                  <a:pt x="10208" y="400"/>
+                  <a:pt x="10162" y="663"/>
+                  <a:pt x="9980" y="801"/>
+                </a:cubicBezTo>
+                <a:lnTo>
+                  <a:pt x="8276" y="2098"/>
+                </a:lnTo>
+                <a:lnTo>
+                  <a:pt x="11546" y="114"/>
+                </a:lnTo>
+                <a:cubicBezTo>
+                  <a:pt x="11741" y="-4"/>
+                  <a:pt x="11990" y="60"/>
+                  <a:pt x="12111" y="259"/>
+                </a:cubicBezTo>
+                <a:cubicBezTo>
+                  <a:pt x="12233" y="459"/>
+                  <a:pt x="12183" y="723"/>
+                  <a:pt x="11999" y="860"/>
+                </a:cubicBezTo>
+                <a:lnTo>
+                  <a:pt x="9712" y="2555"/>
+                </a:lnTo>
+                <a:lnTo>
+                  <a:pt x="12863" y="644"/>
+                </a:lnTo>
+                <a:cubicBezTo>
+                  <a:pt x="13062" y="523"/>
+                  <a:pt x="13316" y="592"/>
+                  <a:pt x="13434" y="798"/>
+                </a:cubicBezTo>
+                <a:cubicBezTo>
+                  <a:pt x="13463" y="848"/>
+                  <a:pt x="13481" y="901"/>
+                  <a:pt x="13489" y="955"/>
+                </a:cubicBezTo>
+                <a:lnTo>
+                  <a:pt x="14265" y="484"/>
+                </a:lnTo>
+                <a:cubicBezTo>
+                  <a:pt x="14462" y="364"/>
+                  <a:pt x="14714" y="431"/>
+                  <a:pt x="14834" y="635"/>
+                </a:cubicBezTo>
+                <a:cubicBezTo>
+                  <a:pt x="14954" y="838"/>
+                  <a:pt x="14898" y="1105"/>
+                  <a:pt x="14708" y="1237"/>
+                </a:cubicBezTo>
+                <a:lnTo>
+                  <a:pt x="12533" y="2750"/>
+                </a:lnTo>
+                <a:lnTo>
+                  <a:pt x="15152" y="1161"/>
+                </a:lnTo>
+                <a:cubicBezTo>
+                  <a:pt x="15351" y="1040"/>
+                  <a:pt x="15605" y="1109"/>
+                  <a:pt x="15724" y="1316"/>
+                </a:cubicBezTo>
+                <a:cubicBezTo>
+                  <a:pt x="15824" y="1490"/>
+                  <a:pt x="15796" y="1708"/>
+                  <a:pt x="15669" y="1849"/>
+                </a:cubicBezTo>
+                <a:cubicBezTo>
+                  <a:pt x="15731" y="1885"/>
+                  <a:pt x="15786" y="1937"/>
+                  <a:pt x="15827" y="2006"/>
+                </a:cubicBezTo>
+                <a:cubicBezTo>
+                  <a:pt x="15946" y="2210"/>
+                  <a:pt x="15890" y="2477"/>
+                  <a:pt x="15699" y="2608"/>
+                </a:cubicBezTo>
+                <a:lnTo>
+                  <a:pt x="12934" y="4516"/>
+                </a:lnTo>
+                <a:lnTo>
+                  <a:pt x="17776" y="1578"/>
+                </a:lnTo>
+                <a:cubicBezTo>
+                  <a:pt x="17974" y="1458"/>
+                  <a:pt x="18228" y="1526"/>
+                  <a:pt x="18347" y="1732"/>
+                </a:cubicBezTo>
+                <a:cubicBezTo>
+                  <a:pt x="18466" y="1938"/>
+                  <a:pt x="18406" y="2205"/>
+                  <a:pt x="18213" y="2335"/>
+                </a:cubicBezTo>
+                <a:lnTo>
+                  <a:pt x="17202" y="3012"/>
+                </a:lnTo>
+                <a:cubicBezTo>
+                  <a:pt x="17352" y="3001"/>
+                  <a:pt x="17502" y="3079"/>
+                  <a:pt x="17587" y="3224"/>
+                </a:cubicBezTo>
+                <a:cubicBezTo>
+                  <a:pt x="17706" y="3428"/>
+                  <a:pt x="17648" y="3696"/>
+                  <a:pt x="17456" y="3826"/>
+                </a:cubicBezTo>
+                <a:lnTo>
+                  <a:pt x="15523" y="5141"/>
+                </a:lnTo>
+                <a:lnTo>
+                  <a:pt x="17548" y="3912"/>
+                </a:lnTo>
+                <a:cubicBezTo>
+                  <a:pt x="17747" y="3792"/>
+                  <a:pt x="18001" y="3860"/>
+                  <a:pt x="18119" y="4065"/>
+                </a:cubicBezTo>
+                <a:cubicBezTo>
+                  <a:pt x="18199" y="4203"/>
+                  <a:pt x="18199" y="4370"/>
+                  <a:pt x="18131" y="4503"/>
+                </a:cubicBezTo>
+                <a:lnTo>
+                  <a:pt x="19052" y="3944"/>
+                </a:lnTo>
+                <a:cubicBezTo>
+                  <a:pt x="19251" y="3824"/>
+                  <a:pt x="19503" y="3892"/>
+                  <a:pt x="19623" y="4097"/>
+                </a:cubicBezTo>
+                <a:cubicBezTo>
+                  <a:pt x="19742" y="4303"/>
+                  <a:pt x="19683" y="4570"/>
+                  <a:pt x="19490" y="4700"/>
+                </a:cubicBezTo>
+                <a:lnTo>
+                  <a:pt x="17234" y="6222"/>
+                </a:lnTo>
+                <a:lnTo>
+                  <a:pt x="19391" y="4913"/>
+                </a:lnTo>
+                <a:cubicBezTo>
+                  <a:pt x="19590" y="4792"/>
+                  <a:pt x="19846" y="4862"/>
+                  <a:pt x="19963" y="5070"/>
+                </a:cubicBezTo>
+                <a:cubicBezTo>
+                  <a:pt x="19993" y="5122"/>
+                  <a:pt x="20011" y="5178"/>
+                  <a:pt x="20019" y="5235"/>
+                </a:cubicBezTo>
+                <a:cubicBezTo>
+                  <a:pt x="20216" y="5125"/>
+                  <a:pt x="20464" y="5195"/>
+                  <a:pt x="20580" y="5399"/>
+                </a:cubicBezTo>
+                <a:cubicBezTo>
+                  <a:pt x="20698" y="5607"/>
+                  <a:pt x="20634" y="5876"/>
+                  <a:pt x="20438" y="6003"/>
+                </a:cubicBezTo>
+                <a:lnTo>
+                  <a:pt x="19769" y="6435"/>
+                </a:lnTo>
+                <a:cubicBezTo>
+                  <a:pt x="19798" y="6463"/>
+                  <a:pt x="19823" y="6495"/>
+                  <a:pt x="19845" y="6532"/>
+                </a:cubicBezTo>
+                <a:cubicBezTo>
+                  <a:pt x="19964" y="6737"/>
+                  <a:pt x="19906" y="7004"/>
+                  <a:pt x="19714" y="7135"/>
+                </a:cubicBezTo>
+                <a:lnTo>
+                  <a:pt x="16936" y="9026"/>
+                </a:lnTo>
+                <a:lnTo>
+                  <a:pt x="20853" y="6650"/>
+                </a:lnTo>
+                <a:cubicBezTo>
+                  <a:pt x="21052" y="6528"/>
+                  <a:pt x="21307" y="6598"/>
+                  <a:pt x="21425" y="6805"/>
+                </a:cubicBezTo>
+                <a:cubicBezTo>
+                  <a:pt x="21543" y="7012"/>
+                  <a:pt x="21482" y="7281"/>
+                  <a:pt x="21286" y="7409"/>
+                </a:cubicBezTo>
+                <a:lnTo>
+                  <a:pt x="20045" y="8222"/>
+                </a:lnTo>
+                <a:cubicBezTo>
+                  <a:pt x="20087" y="8254"/>
+                  <a:pt x="20125" y="8296"/>
+                  <a:pt x="20154" y="8346"/>
+                </a:cubicBezTo>
+                <a:cubicBezTo>
+                  <a:pt x="20274" y="8549"/>
+                  <a:pt x="20219" y="8815"/>
+                  <a:pt x="20030" y="8948"/>
+                </a:cubicBezTo>
+                <a:lnTo>
+                  <a:pt x="16835" y="11183"/>
+                </a:lnTo>
+                <a:lnTo>
+                  <a:pt x="20194" y="9145"/>
+                </a:lnTo>
+                <a:cubicBezTo>
+                  <a:pt x="20392" y="9024"/>
+                  <a:pt x="20646" y="9093"/>
+                  <a:pt x="20765" y="9299"/>
+                </a:cubicBezTo>
+                <a:cubicBezTo>
+                  <a:pt x="20884" y="9506"/>
+                  <a:pt x="20824" y="9774"/>
+                  <a:pt x="20630" y="9903"/>
+                </a:cubicBezTo>
+                <a:lnTo>
+                  <a:pt x="20003" y="10319"/>
+                </a:lnTo>
+                <a:cubicBezTo>
+                  <a:pt x="20066" y="10356"/>
+                  <a:pt x="20122" y="10410"/>
+                  <a:pt x="20162" y="10480"/>
+                </a:cubicBezTo>
+                <a:cubicBezTo>
+                  <a:pt x="20280" y="10687"/>
+                  <a:pt x="20219" y="10955"/>
+                  <a:pt x="20024" y="11083"/>
+                </a:cubicBezTo>
+                <a:lnTo>
+                  <a:pt x="19989" y="11106"/>
+                </a:lnTo>
+                <a:cubicBezTo>
+                  <a:pt x="20023" y="11136"/>
+                  <a:pt x="20053" y="11172"/>
+                  <a:pt x="20077" y="11213"/>
+                </a:cubicBezTo>
+                <a:cubicBezTo>
+                  <a:pt x="20196" y="11418"/>
+                  <a:pt x="20139" y="11685"/>
+                  <a:pt x="19948" y="11816"/>
+                </a:cubicBezTo>
+                <a:lnTo>
+                  <a:pt x="19720" y="11971"/>
+                </a:lnTo>
+                <a:cubicBezTo>
+                  <a:pt x="19883" y="11944"/>
+                  <a:pt x="20052" y="12019"/>
+                  <a:pt x="20144" y="12174"/>
+                </a:cubicBezTo>
+                <a:cubicBezTo>
+                  <a:pt x="20264" y="12377"/>
+                  <a:pt x="20210" y="12643"/>
+                  <a:pt x="20021" y="12776"/>
+                </a:cubicBezTo>
+                <a:lnTo>
+                  <a:pt x="19214" y="13347"/>
+                </a:lnTo>
+                <a:lnTo>
+                  <a:pt x="20519" y="12555"/>
+                </a:lnTo>
+                <a:cubicBezTo>
+                  <a:pt x="20717" y="12434"/>
+                  <a:pt x="20971" y="12502"/>
+                  <a:pt x="21090" y="12709"/>
+                </a:cubicBezTo>
+                <a:cubicBezTo>
+                  <a:pt x="21209" y="12914"/>
+                  <a:pt x="21149" y="13182"/>
+                  <a:pt x="20956" y="13312"/>
+                </a:cubicBezTo>
+                <a:lnTo>
+                  <a:pt x="20359" y="13711"/>
+                </a:lnTo>
+                <a:cubicBezTo>
+                  <a:pt x="20386" y="13737"/>
+                  <a:pt x="20410" y="13767"/>
+                  <a:pt x="20431" y="13801"/>
+                </a:cubicBezTo>
+                <a:cubicBezTo>
+                  <a:pt x="20552" y="14001"/>
+                  <a:pt x="20503" y="14265"/>
+                  <a:pt x="20319" y="14402"/>
+                </a:cubicBezTo>
+                <a:lnTo>
+                  <a:pt x="18332" y="15877"/>
+                </a:lnTo>
+                <a:lnTo>
+                  <a:pt x="18896" y="15535"/>
+                </a:lnTo>
+                <a:cubicBezTo>
+                  <a:pt x="19088" y="15417"/>
+                  <a:pt x="19334" y="15479"/>
+                  <a:pt x="19457" y="15674"/>
+                </a:cubicBezTo>
+                <a:cubicBezTo>
+                  <a:pt x="19580" y="15868"/>
+                  <a:pt x="19538" y="16130"/>
+                  <a:pt x="19361" y="16271"/>
+                </a:cubicBezTo>
+                <a:lnTo>
+                  <a:pt x="17911" y="17426"/>
+                </a:lnTo>
+                <a:cubicBezTo>
+                  <a:pt x="17948" y="17458"/>
+                  <a:pt x="17980" y="17498"/>
+                  <a:pt x="18005" y="17544"/>
+                </a:cubicBezTo>
+                <a:cubicBezTo>
+                  <a:pt x="18121" y="17756"/>
+                  <a:pt x="18052" y="18026"/>
+                  <a:pt x="17851" y="18148"/>
+                </a:cubicBezTo>
+                <a:lnTo>
+                  <a:pt x="14263" y="20325"/>
+                </a:lnTo>
+                <a:cubicBezTo>
+                  <a:pt x="14071" y="20443"/>
+                  <a:pt x="13825" y="20381"/>
+                  <a:pt x="13702" y="20186"/>
+                </a:cubicBezTo>
+                <a:cubicBezTo>
+                  <a:pt x="13610" y="20041"/>
+                  <a:pt x="13610" y="19858"/>
+                  <a:pt x="13690" y="19716"/>
+                </a:cubicBezTo>
+                <a:lnTo>
+                  <a:pt x="10778" y="21483"/>
+                </a:lnTo>
+                <a:cubicBezTo>
+                  <a:pt x="10712" y="21523"/>
+                  <a:pt x="10639" y="21542"/>
+                  <a:pt x="10568" y="21542"/>
+                </a:cubicBezTo>
+                <a:close/>
+              </a:path>
+            </a:pathLst>
+          </a:custGeom>
+          <a:solidFill>
+            <a:srgbClr val="4FC0E9"/>
+          </a:solidFill>
+          <a:ln w="25400">
+            <a:miter lim="400000"/>
+          </a:ln>
+        </p:spPr>
+        <p:txBody>
+          <a:bodyPr lIns="38100" tIns="38100" rIns="38100" bIns="38100" anchor="ctr"/>
+          <a:lstStyle/>
+          <a:p>
+            <a:pPr lvl="0" defTabSz="457200">
+              <a:defRPr sz="3000">
+                <a:solidFill>
+                  <a:srgbClr val="FFFFFF"/>
+                </a:solidFill>
+                <a:effectLst>
+                  <a:outerShdw blurRad="38100" dist="12700" dir="5400000" rotWithShape="0">
+                    <a:srgbClr val="000000">
+                      <a:alpha val="50000"/>
+                    </a:srgbClr>
+                  </a:outerShdw>
+                </a:effectLst>
+              </a:defRPr>
+            </a:pPr>
+            <a:endParaRPr/>
+          </a:p>
+        </p:txBody>
+      </p:sp>
+      <p:sp>
+        <p:nvSpPr>
+          <p:cNvPr id="25" name="Shape 14"/>
+          <p:cNvSpPr/>
+          <p:nvPr/>
+        </p:nvSpPr>
+        <p:spPr>
+          <a:xfrm>
+            <a:off x="1041399" y="5816600"/>
+            <a:ext cx="889001" cy="889000"/>
+          </a:xfrm>
+          <a:custGeom>
+            <a:avLst/>
+            <a:gdLst/>
+            <a:ahLst/>
+            <a:cxnLst>
+              <a:cxn ang="0">
+                <a:pos x="wd2" y="hd2"/>
+              </a:cxn>
+              <a:cxn ang="5400000">
+                <a:pos x="wd2" y="hd2"/>
+              </a:cxn>
+              <a:cxn ang="10800000">
+                <a:pos x="wd2" y="hd2"/>
+              </a:cxn>
+              <a:cxn ang="16200000">
+                <a:pos x="wd2" y="hd2"/>
+              </a:cxn>
+            </a:cxnLst>
+            <a:rect l="0" t="0" r="r" b="b"/>
+            <a:pathLst>
+              <a:path w="21485" h="21542" extrusionOk="0">
+                <a:moveTo>
+                  <a:pt x="10568" y="21542"/>
+                </a:moveTo>
+                <a:cubicBezTo>
+                  <a:pt x="10429" y="21542"/>
+                  <a:pt x="10293" y="21470"/>
+                  <a:pt x="10213" y="21338"/>
+                </a:cubicBezTo>
+                <a:cubicBezTo>
+                  <a:pt x="10091" y="21139"/>
+                  <a:pt x="10140" y="20874"/>
+                  <a:pt x="10324" y="20737"/>
+                </a:cubicBezTo>
+                <a:lnTo>
+                  <a:pt x="12314" y="19261"/>
+                </a:lnTo>
+                <a:lnTo>
+                  <a:pt x="9527" y="20951"/>
+                </a:lnTo>
+                <a:cubicBezTo>
+                  <a:pt x="9329" y="21072"/>
+                  <a:pt x="9075" y="21004"/>
+                  <a:pt x="8956" y="20797"/>
+                </a:cubicBezTo>
+                <a:cubicBezTo>
+                  <a:pt x="8925" y="20744"/>
+                  <a:pt x="8906" y="20686"/>
+                  <a:pt x="8899" y="20627"/>
+                </a:cubicBezTo>
+                <a:lnTo>
+                  <a:pt x="8887" y="20634"/>
+                </a:lnTo>
+                <a:cubicBezTo>
+                  <a:pt x="8690" y="20754"/>
+                  <a:pt x="8439" y="20688"/>
+                  <a:pt x="8319" y="20485"/>
+                </a:cubicBezTo>
+                <a:cubicBezTo>
+                  <a:pt x="8199" y="20283"/>
+                  <a:pt x="8253" y="20016"/>
+                  <a:pt x="8442" y="19883"/>
+                </a:cubicBezTo>
+                <a:lnTo>
+                  <a:pt x="9250" y="19313"/>
+                </a:lnTo>
+                <a:lnTo>
+                  <a:pt x="6890" y="20744"/>
+                </a:lnTo>
+                <a:cubicBezTo>
+                  <a:pt x="6692" y="20865"/>
+                  <a:pt x="6440" y="20797"/>
+                  <a:pt x="6320" y="20592"/>
+                </a:cubicBezTo>
+                <a:cubicBezTo>
+                  <a:pt x="6216" y="20415"/>
+                  <a:pt x="6246" y="20189"/>
+                  <a:pt x="6382" y="20048"/>
+                </a:cubicBezTo>
+                <a:lnTo>
+                  <a:pt x="6246" y="20130"/>
+                </a:lnTo>
+                <a:cubicBezTo>
+                  <a:pt x="6047" y="20251"/>
+                  <a:pt x="5793" y="20182"/>
+                  <a:pt x="5674" y="19974"/>
+                </a:cubicBezTo>
+                <a:cubicBezTo>
+                  <a:pt x="5556" y="19767"/>
+                  <a:pt x="5617" y="19499"/>
+                  <a:pt x="5812" y="19371"/>
+                </a:cubicBezTo>
+                <a:lnTo>
+                  <a:pt x="5938" y="19288"/>
+                </a:lnTo>
+                <a:cubicBezTo>
+                  <a:pt x="5905" y="19258"/>
+                  <a:pt x="5876" y="19222"/>
+                  <a:pt x="5852" y="19181"/>
+                </a:cubicBezTo>
+                <a:cubicBezTo>
+                  <a:pt x="5803" y="19094"/>
+                  <a:pt x="5784" y="18997"/>
+                  <a:pt x="5794" y="18904"/>
+                </a:cubicBezTo>
+                <a:cubicBezTo>
+                  <a:pt x="5598" y="19014"/>
+                  <a:pt x="5355" y="18946"/>
+                  <a:pt x="5237" y="18747"/>
+                </a:cubicBezTo>
+                <a:cubicBezTo>
+                  <a:pt x="5117" y="18544"/>
+                  <a:pt x="5173" y="18277"/>
+                  <a:pt x="5362" y="18145"/>
+                </a:cubicBezTo>
+                <a:lnTo>
+                  <a:pt x="8559" y="15908"/>
+                </a:lnTo>
+                <a:lnTo>
+                  <a:pt x="5044" y="18041"/>
+                </a:lnTo>
+                <a:cubicBezTo>
+                  <a:pt x="4845" y="18162"/>
+                  <a:pt x="4590" y="18092"/>
+                  <a:pt x="4472" y="17885"/>
+                </a:cubicBezTo>
+                <a:cubicBezTo>
+                  <a:pt x="4430" y="17810"/>
+                  <a:pt x="4410" y="17728"/>
+                  <a:pt x="4412" y="17647"/>
+                </a:cubicBezTo>
+                <a:lnTo>
+                  <a:pt x="3093" y="18447"/>
+                </a:lnTo>
+                <a:cubicBezTo>
+                  <a:pt x="2895" y="18568"/>
+                  <a:pt x="2642" y="18499"/>
+                  <a:pt x="2523" y="18295"/>
+                </a:cubicBezTo>
+                <a:cubicBezTo>
+                  <a:pt x="2404" y="18090"/>
+                  <a:pt x="2462" y="17823"/>
+                  <a:pt x="2653" y="17692"/>
+                </a:cubicBezTo>
+                <a:lnTo>
+                  <a:pt x="5432" y="15801"/>
+                </a:lnTo>
+                <a:lnTo>
+                  <a:pt x="2634" y="17498"/>
+                </a:lnTo>
+                <a:cubicBezTo>
+                  <a:pt x="2434" y="17620"/>
+                  <a:pt x="2179" y="17549"/>
+                  <a:pt x="2061" y="17342"/>
+                </a:cubicBezTo>
+                <a:cubicBezTo>
+                  <a:pt x="2033" y="17292"/>
+                  <a:pt x="2015" y="17239"/>
+                  <a:pt x="2007" y="17185"/>
+                </a:cubicBezTo>
+                <a:lnTo>
+                  <a:pt x="1955" y="17217"/>
+                </a:lnTo>
+                <a:cubicBezTo>
+                  <a:pt x="1755" y="17338"/>
+                  <a:pt x="1500" y="17268"/>
+                  <a:pt x="1382" y="17060"/>
+                </a:cubicBezTo>
+                <a:cubicBezTo>
+                  <a:pt x="1264" y="16852"/>
+                  <a:pt x="1327" y="16583"/>
+                  <a:pt x="1524" y="16457"/>
+                </a:cubicBezTo>
+                <a:lnTo>
+                  <a:pt x="1619" y="16395"/>
+                </a:lnTo>
+                <a:cubicBezTo>
+                  <a:pt x="1581" y="16363"/>
+                  <a:pt x="1548" y="16324"/>
+                  <a:pt x="1521" y="16278"/>
+                </a:cubicBezTo>
+                <a:cubicBezTo>
+                  <a:pt x="1402" y="16073"/>
+                  <a:pt x="1461" y="15805"/>
+                  <a:pt x="1654" y="15675"/>
+                </a:cubicBezTo>
+                <a:lnTo>
+                  <a:pt x="3911" y="14153"/>
+                </a:lnTo>
+                <a:lnTo>
+                  <a:pt x="2785" y="14836"/>
+                </a:lnTo>
+                <a:cubicBezTo>
+                  <a:pt x="2587" y="14957"/>
+                  <a:pt x="2333" y="14888"/>
+                  <a:pt x="2214" y="14682"/>
+                </a:cubicBezTo>
+                <a:cubicBezTo>
+                  <a:pt x="2135" y="14544"/>
+                  <a:pt x="2135" y="14378"/>
+                  <a:pt x="2203" y="14245"/>
+                </a:cubicBezTo>
+                <a:lnTo>
+                  <a:pt x="1518" y="14660"/>
+                </a:lnTo>
+                <a:cubicBezTo>
+                  <a:pt x="1320" y="14781"/>
+                  <a:pt x="1067" y="14712"/>
+                  <a:pt x="948" y="14508"/>
+                </a:cubicBezTo>
+                <a:cubicBezTo>
+                  <a:pt x="828" y="14303"/>
+                  <a:pt x="886" y="14035"/>
+                  <a:pt x="1078" y="13905"/>
+                </a:cubicBezTo>
+                <a:lnTo>
+                  <a:pt x="3011" y="12591"/>
+                </a:lnTo>
+                <a:lnTo>
+                  <a:pt x="1866" y="13286"/>
+                </a:lnTo>
+                <a:cubicBezTo>
+                  <a:pt x="1667" y="13407"/>
+                  <a:pt x="1414" y="13338"/>
+                  <a:pt x="1295" y="13132"/>
+                </a:cubicBezTo>
+                <a:cubicBezTo>
+                  <a:pt x="1176" y="12927"/>
+                  <a:pt x="1235" y="12659"/>
+                  <a:pt x="1429" y="12529"/>
+                </a:cubicBezTo>
+                <a:lnTo>
+                  <a:pt x="1593" y="12419"/>
+                </a:lnTo>
+                <a:lnTo>
+                  <a:pt x="632" y="13002"/>
+                </a:lnTo>
+                <a:cubicBezTo>
+                  <a:pt x="434" y="13123"/>
+                  <a:pt x="182" y="13055"/>
+                  <a:pt x="63" y="12851"/>
+                </a:cubicBezTo>
+                <a:cubicBezTo>
+                  <a:pt x="-57" y="12647"/>
+                  <a:pt x="-1" y="12380"/>
+                  <a:pt x="190" y="12248"/>
+                </a:cubicBezTo>
+                <a:lnTo>
+                  <a:pt x="2952" y="10343"/>
+                </a:lnTo>
+                <a:lnTo>
+                  <a:pt x="796" y="11651"/>
+                </a:lnTo>
+                <a:cubicBezTo>
+                  <a:pt x="597" y="11773"/>
+                  <a:pt x="342" y="11703"/>
+                  <a:pt x="224" y="11496"/>
+                </a:cubicBezTo>
+                <a:cubicBezTo>
+                  <a:pt x="106" y="11289"/>
+                  <a:pt x="167" y="11021"/>
+                  <a:pt x="361" y="10892"/>
+                </a:cubicBezTo>
+                <a:lnTo>
+                  <a:pt x="559" y="10762"/>
+                </a:lnTo>
+                <a:cubicBezTo>
+                  <a:pt x="507" y="10728"/>
+                  <a:pt x="462" y="10680"/>
+                  <a:pt x="427" y="10622"/>
+                </a:cubicBezTo>
+                <a:cubicBezTo>
+                  <a:pt x="307" y="10418"/>
+                  <a:pt x="363" y="10151"/>
+                  <a:pt x="553" y="10019"/>
+                </a:cubicBezTo>
+                <a:lnTo>
+                  <a:pt x="2730" y="8505"/>
+                </a:lnTo>
+                <a:lnTo>
+                  <a:pt x="1014" y="9546"/>
+                </a:lnTo>
+                <a:cubicBezTo>
+                  <a:pt x="816" y="9667"/>
+                  <a:pt x="562" y="9598"/>
+                  <a:pt x="443" y="9392"/>
+                </a:cubicBezTo>
+                <a:cubicBezTo>
+                  <a:pt x="324" y="9185"/>
+                  <a:pt x="385" y="8917"/>
+                  <a:pt x="579" y="8788"/>
+                </a:cubicBezTo>
+                <a:lnTo>
+                  <a:pt x="1586" y="8121"/>
+                </a:lnTo>
+                <a:cubicBezTo>
+                  <a:pt x="1567" y="8100"/>
+                  <a:pt x="1549" y="8077"/>
+                  <a:pt x="1534" y="8052"/>
+                </a:cubicBezTo>
+                <a:cubicBezTo>
+                  <a:pt x="1413" y="7852"/>
+                  <a:pt x="1462" y="7588"/>
+                  <a:pt x="1646" y="7451"/>
+                </a:cubicBezTo>
+                <a:lnTo>
+                  <a:pt x="3934" y="5755"/>
+                </a:lnTo>
+                <a:lnTo>
+                  <a:pt x="1630" y="7153"/>
+                </a:lnTo>
+                <a:cubicBezTo>
+                  <a:pt x="1436" y="7271"/>
+                  <a:pt x="1187" y="7209"/>
+                  <a:pt x="1065" y="7011"/>
+                </a:cubicBezTo>
+                <a:cubicBezTo>
+                  <a:pt x="943" y="6813"/>
+                  <a:pt x="990" y="6549"/>
+                  <a:pt x="1172" y="6411"/>
+                </a:cubicBezTo>
+                <a:lnTo>
+                  <a:pt x="2876" y="5114"/>
+                </a:lnTo>
+                <a:lnTo>
+                  <a:pt x="2721" y="5208"/>
+                </a:lnTo>
+                <a:cubicBezTo>
+                  <a:pt x="2532" y="5323"/>
+                  <a:pt x="2291" y="5267"/>
+                  <a:pt x="2165" y="5079"/>
+                </a:cubicBezTo>
+                <a:cubicBezTo>
+                  <a:pt x="2040" y="4890"/>
+                  <a:pt x="2073" y="4633"/>
+                  <a:pt x="2240" y="4485"/>
+                </a:cubicBezTo>
+                <a:lnTo>
+                  <a:pt x="3715" y="3188"/>
+                </a:lnTo>
+                <a:cubicBezTo>
+                  <a:pt x="3634" y="3151"/>
+                  <a:pt x="3564" y="3088"/>
+                  <a:pt x="3517" y="3003"/>
+                </a:cubicBezTo>
+                <a:cubicBezTo>
+                  <a:pt x="3401" y="2791"/>
+                  <a:pt x="3470" y="2520"/>
+                  <a:pt x="3671" y="2398"/>
+                </a:cubicBezTo>
+                <a:lnTo>
+                  <a:pt x="6733" y="540"/>
+                </a:lnTo>
+                <a:cubicBezTo>
+                  <a:pt x="6922" y="425"/>
+                  <a:pt x="7164" y="481"/>
+                  <a:pt x="7289" y="670"/>
+                </a:cubicBezTo>
+                <a:cubicBezTo>
+                  <a:pt x="7414" y="858"/>
+                  <a:pt x="7382" y="1116"/>
+                  <a:pt x="7214" y="1263"/>
+                </a:cubicBezTo>
+                <a:lnTo>
+                  <a:pt x="6495" y="1896"/>
+                </a:lnTo>
+                <a:lnTo>
+                  <a:pt x="9522" y="59"/>
+                </a:lnTo>
+                <a:cubicBezTo>
+                  <a:pt x="9716" y="-58"/>
+                  <a:pt x="9964" y="4"/>
+                  <a:pt x="10086" y="202"/>
+                </a:cubicBezTo>
+                <a:cubicBezTo>
+                  <a:pt x="10208" y="400"/>
+                  <a:pt x="10162" y="663"/>
+                  <a:pt x="9980" y="801"/>
+                </a:cubicBezTo>
+                <a:lnTo>
+                  <a:pt x="8276" y="2098"/>
+                </a:lnTo>
+                <a:lnTo>
+                  <a:pt x="11546" y="114"/>
+                </a:lnTo>
+                <a:cubicBezTo>
+                  <a:pt x="11741" y="-4"/>
+                  <a:pt x="11990" y="60"/>
+                  <a:pt x="12111" y="259"/>
+                </a:cubicBezTo>
+                <a:cubicBezTo>
+                  <a:pt x="12233" y="459"/>
+                  <a:pt x="12183" y="723"/>
+                  <a:pt x="11999" y="860"/>
+                </a:cubicBezTo>
+                <a:lnTo>
+                  <a:pt x="9712" y="2555"/>
+                </a:lnTo>
+                <a:lnTo>
+                  <a:pt x="12863" y="644"/>
+                </a:lnTo>
+                <a:cubicBezTo>
+                  <a:pt x="13062" y="523"/>
+                  <a:pt x="13316" y="592"/>
+                  <a:pt x="13434" y="798"/>
+                </a:cubicBezTo>
+                <a:cubicBezTo>
+                  <a:pt x="13463" y="848"/>
+                  <a:pt x="13481" y="901"/>
+                  <a:pt x="13489" y="955"/>
+                </a:cubicBezTo>
+                <a:lnTo>
+                  <a:pt x="14265" y="484"/>
+                </a:lnTo>
+                <a:cubicBezTo>
+                  <a:pt x="14462" y="364"/>
+                  <a:pt x="14714" y="431"/>
+                  <a:pt x="14834" y="635"/>
+                </a:cubicBezTo>
+                <a:cubicBezTo>
+                  <a:pt x="14954" y="838"/>
+                  <a:pt x="14898" y="1105"/>
+                  <a:pt x="14708" y="1237"/>
+                </a:cubicBezTo>
+                <a:lnTo>
+                  <a:pt x="12533" y="2750"/>
+                </a:lnTo>
+                <a:lnTo>
+                  <a:pt x="15152" y="1161"/>
+                </a:lnTo>
+                <a:cubicBezTo>
+                  <a:pt x="15351" y="1040"/>
+                  <a:pt x="15605" y="1109"/>
+                  <a:pt x="15724" y="1316"/>
+                </a:cubicBezTo>
+                <a:cubicBezTo>
+                  <a:pt x="15824" y="1490"/>
+                  <a:pt x="15796" y="1708"/>
+                  <a:pt x="15669" y="1849"/>
+                </a:cubicBezTo>
+                <a:cubicBezTo>
+                  <a:pt x="15731" y="1885"/>
+                  <a:pt x="15786" y="1937"/>
+                  <a:pt x="15827" y="2006"/>
+                </a:cubicBezTo>
+                <a:cubicBezTo>
+                  <a:pt x="15946" y="2210"/>
+                  <a:pt x="15890" y="2477"/>
+                  <a:pt x="15699" y="2608"/>
+                </a:cubicBezTo>
+                <a:lnTo>
+                  <a:pt x="12934" y="4516"/>
+                </a:lnTo>
+                <a:lnTo>
+                  <a:pt x="17776" y="1578"/>
+                </a:lnTo>
+                <a:cubicBezTo>
+                  <a:pt x="17974" y="1458"/>
+                  <a:pt x="18228" y="1526"/>
+                  <a:pt x="18347" y="1732"/>
+                </a:cubicBezTo>
+                <a:cubicBezTo>
+                  <a:pt x="18466" y="1938"/>
+                  <a:pt x="18406" y="2205"/>
+                  <a:pt x="18213" y="2335"/>
+                </a:cubicBezTo>
+                <a:lnTo>
+                  <a:pt x="17202" y="3012"/>
+                </a:lnTo>
+                <a:cubicBezTo>
+                  <a:pt x="17352" y="3001"/>
+                  <a:pt x="17502" y="3079"/>
+                  <a:pt x="17587" y="3224"/>
+                </a:cubicBezTo>
+                <a:cubicBezTo>
+                  <a:pt x="17706" y="3428"/>
+                  <a:pt x="17648" y="3696"/>
+                  <a:pt x="17456" y="3826"/>
+                </a:cubicBezTo>
+                <a:lnTo>
+                  <a:pt x="15523" y="5141"/>
+                </a:lnTo>
+                <a:lnTo>
+                  <a:pt x="17548" y="3912"/>
+                </a:lnTo>
+                <a:cubicBezTo>
+                  <a:pt x="17747" y="3792"/>
+                  <a:pt x="18001" y="3860"/>
+                  <a:pt x="18119" y="4065"/>
+                </a:cubicBezTo>
+                <a:cubicBezTo>
+                  <a:pt x="18199" y="4203"/>
+                  <a:pt x="18199" y="4370"/>
+                  <a:pt x="18131" y="4503"/>
+                </a:cubicBezTo>
+                <a:lnTo>
+                  <a:pt x="19052" y="3944"/>
+                </a:lnTo>
+                <a:cubicBezTo>
+                  <a:pt x="19251" y="3824"/>
+                  <a:pt x="19503" y="3892"/>
+                  <a:pt x="19623" y="4097"/>
+                </a:cubicBezTo>
+                <a:cubicBezTo>
+                  <a:pt x="19742" y="4303"/>
+                  <a:pt x="19683" y="4570"/>
+                  <a:pt x="19490" y="4700"/>
+                </a:cubicBezTo>
+                <a:lnTo>
+                  <a:pt x="17234" y="6222"/>
+                </a:lnTo>
+                <a:lnTo>
+                  <a:pt x="19391" y="4913"/>
+                </a:lnTo>
+                <a:cubicBezTo>
+                  <a:pt x="19590" y="4792"/>
+                  <a:pt x="19846" y="4862"/>
+                  <a:pt x="19963" y="5070"/>
+                </a:cubicBezTo>
+                <a:cubicBezTo>
+                  <a:pt x="19993" y="5122"/>
+                  <a:pt x="20011" y="5178"/>
+                  <a:pt x="20019" y="5235"/>
+                </a:cubicBezTo>
+                <a:cubicBezTo>
+                  <a:pt x="20216" y="5125"/>
+                  <a:pt x="20464" y="5195"/>
+                  <a:pt x="20580" y="5399"/>
+                </a:cubicBezTo>
+                <a:cubicBezTo>
+                  <a:pt x="20698" y="5607"/>
+                  <a:pt x="20634" y="5876"/>
+                  <a:pt x="20438" y="6003"/>
+                </a:cubicBezTo>
+                <a:lnTo>
+                  <a:pt x="19769" y="6435"/>
+                </a:lnTo>
+                <a:cubicBezTo>
+                  <a:pt x="19798" y="6463"/>
+                  <a:pt x="19823" y="6495"/>
+                  <a:pt x="19845" y="6532"/>
+                </a:cubicBezTo>
+                <a:cubicBezTo>
+                  <a:pt x="19964" y="6737"/>
+                  <a:pt x="19906" y="7004"/>
+                  <a:pt x="19714" y="7135"/>
+                </a:cubicBezTo>
+                <a:lnTo>
+                  <a:pt x="16936" y="9026"/>
+                </a:lnTo>
+                <a:lnTo>
+                  <a:pt x="20853" y="6650"/>
+                </a:lnTo>
+                <a:cubicBezTo>
+                  <a:pt x="21052" y="6528"/>
+                  <a:pt x="21307" y="6598"/>
+                  <a:pt x="21425" y="6805"/>
+                </a:cubicBezTo>
+                <a:cubicBezTo>
+                  <a:pt x="21543" y="7012"/>
+                  <a:pt x="21482" y="7281"/>
+                  <a:pt x="21286" y="7409"/>
+                </a:cubicBezTo>
+                <a:lnTo>
+                  <a:pt x="20045" y="8222"/>
+                </a:lnTo>
+                <a:cubicBezTo>
+                  <a:pt x="20087" y="8254"/>
+                  <a:pt x="20125" y="8296"/>
+                  <a:pt x="20154" y="8346"/>
+                </a:cubicBezTo>
+                <a:cubicBezTo>
+                  <a:pt x="20274" y="8549"/>
+                  <a:pt x="20219" y="8815"/>
+                  <a:pt x="20030" y="8948"/>
+                </a:cubicBezTo>
+                <a:lnTo>
+                  <a:pt x="16835" y="11183"/>
+                </a:lnTo>
+                <a:lnTo>
+                  <a:pt x="20194" y="9145"/>
+                </a:lnTo>
+                <a:cubicBezTo>
+                  <a:pt x="20392" y="9024"/>
+                  <a:pt x="20646" y="9093"/>
+                  <a:pt x="20765" y="9299"/>
+                </a:cubicBezTo>
+                <a:cubicBezTo>
+                  <a:pt x="20884" y="9506"/>
+                  <a:pt x="20824" y="9774"/>
+                  <a:pt x="20630" y="9903"/>
+                </a:cubicBezTo>
+                <a:lnTo>
+                  <a:pt x="20003" y="10319"/>
+                </a:lnTo>
+                <a:cubicBezTo>
+                  <a:pt x="20066" y="10356"/>
+                  <a:pt x="20122" y="10410"/>
+                  <a:pt x="20162" y="10480"/>
+                </a:cubicBezTo>
+                <a:cubicBezTo>
+                  <a:pt x="20280" y="10687"/>
+                  <a:pt x="20219" y="10955"/>
+                  <a:pt x="20024" y="11083"/>
+                </a:cubicBezTo>
+                <a:lnTo>
+                  <a:pt x="19989" y="11106"/>
+                </a:lnTo>
+                <a:cubicBezTo>
+                  <a:pt x="20023" y="11136"/>
+                  <a:pt x="20053" y="11172"/>
+                  <a:pt x="20077" y="11213"/>
+                </a:cubicBezTo>
+                <a:cubicBezTo>
+                  <a:pt x="20196" y="11418"/>
+                  <a:pt x="20139" y="11685"/>
+                  <a:pt x="19948" y="11816"/>
+                </a:cubicBezTo>
+                <a:lnTo>
+                  <a:pt x="19720" y="11971"/>
+                </a:lnTo>
+                <a:cubicBezTo>
+                  <a:pt x="19883" y="11944"/>
+                  <a:pt x="20052" y="12019"/>
+                  <a:pt x="20144" y="12174"/>
+                </a:cubicBezTo>
+                <a:cubicBezTo>
+                  <a:pt x="20264" y="12377"/>
+                  <a:pt x="20210" y="12643"/>
+                  <a:pt x="20021" y="12776"/>
+                </a:cubicBezTo>
+                <a:lnTo>
+                  <a:pt x="19214" y="13347"/>
+                </a:lnTo>
+                <a:lnTo>
+                  <a:pt x="20519" y="12555"/>
+                </a:lnTo>
+                <a:cubicBezTo>
+                  <a:pt x="20717" y="12434"/>
+                  <a:pt x="20971" y="12502"/>
+                  <a:pt x="21090" y="12709"/>
+                </a:cubicBezTo>
+                <a:cubicBezTo>
+                  <a:pt x="21209" y="12914"/>
+                  <a:pt x="21149" y="13182"/>
+                  <a:pt x="20956" y="13312"/>
+                </a:cubicBezTo>
+                <a:lnTo>
+                  <a:pt x="20359" y="13711"/>
+                </a:lnTo>
+                <a:cubicBezTo>
+                  <a:pt x="20386" y="13737"/>
+                  <a:pt x="20410" y="13767"/>
+                  <a:pt x="20431" y="13801"/>
+                </a:cubicBezTo>
+                <a:cubicBezTo>
+                  <a:pt x="20552" y="14001"/>
+                  <a:pt x="20503" y="14265"/>
+                  <a:pt x="20319" y="14402"/>
+                </a:cubicBezTo>
+                <a:lnTo>
+                  <a:pt x="18332" y="15877"/>
+                </a:lnTo>
+                <a:lnTo>
+                  <a:pt x="18896" y="15535"/>
+                </a:lnTo>
+                <a:cubicBezTo>
+                  <a:pt x="19088" y="15417"/>
+                  <a:pt x="19334" y="15479"/>
+                  <a:pt x="19457" y="15674"/>
+                </a:cubicBezTo>
+                <a:cubicBezTo>
+                  <a:pt x="19580" y="15868"/>
+                  <a:pt x="19538" y="16130"/>
+                  <a:pt x="19361" y="16271"/>
+                </a:cubicBezTo>
+                <a:lnTo>
+                  <a:pt x="17911" y="17426"/>
+                </a:lnTo>
+                <a:cubicBezTo>
+                  <a:pt x="17948" y="17458"/>
+                  <a:pt x="17980" y="17498"/>
+                  <a:pt x="18005" y="17544"/>
+                </a:cubicBezTo>
+                <a:cubicBezTo>
+                  <a:pt x="18121" y="17756"/>
+                  <a:pt x="18052" y="18026"/>
+                  <a:pt x="17851" y="18148"/>
+                </a:cubicBezTo>
+                <a:lnTo>
+                  <a:pt x="14263" y="20325"/>
+                </a:lnTo>
+                <a:cubicBezTo>
+                  <a:pt x="14071" y="20443"/>
+                  <a:pt x="13825" y="20381"/>
+                  <a:pt x="13702" y="20186"/>
+                </a:cubicBezTo>
+                <a:cubicBezTo>
+                  <a:pt x="13610" y="20041"/>
+                  <a:pt x="13610" y="19858"/>
+                  <a:pt x="13690" y="19716"/>
+                </a:cubicBezTo>
+                <a:lnTo>
+                  <a:pt x="10778" y="21483"/>
+                </a:lnTo>
+                <a:cubicBezTo>
+                  <a:pt x="10712" y="21523"/>
+                  <a:pt x="10639" y="21542"/>
+                  <a:pt x="10568" y="21542"/>
+                </a:cubicBezTo>
+                <a:close/>
+              </a:path>
+            </a:pathLst>
+          </a:custGeom>
+          <a:solidFill>
+            <a:srgbClr val="4FC0E9"/>
+          </a:solidFill>
+          <a:ln w="25400">
+            <a:miter lim="400000"/>
+          </a:ln>
+        </p:spPr>
+        <p:txBody>
+          <a:bodyPr lIns="38100" tIns="38100" rIns="38100" bIns="38100" anchor="ctr"/>
+          <a:lstStyle/>
+          <a:p>
+            <a:pPr lvl="0" defTabSz="457200">
+              <a:defRPr sz="3000">
+                <a:solidFill>
+                  <a:srgbClr val="FFFFFF"/>
+                </a:solidFill>
+                <a:effectLst>
+                  <a:outerShdw blurRad="38100" dist="12700" dir="5400000" rotWithShape="0">
+                    <a:srgbClr val="000000">
+                      <a:alpha val="50000"/>
+                    </a:srgbClr>
+                  </a:outerShdw>
+                </a:effectLst>
+              </a:defRPr>
+            </a:pPr>
+            <a:endParaRPr/>
+          </a:p>
+        </p:txBody>
+      </p:sp>
+      <p:sp>
+        <p:nvSpPr>
           <p:cNvPr id="7" name="Shape 189"/>
           <p:cNvSpPr/>
           <p:nvPr/>
@@ -14490,7 +20787,7 @@
 </p:sld>
 </file>
 
-<file path=ppt/slides/slide3.xml><?xml version="1.0" encoding="utf-8"?>
+<file path=ppt/slides/slide4.xml><?xml version="1.0" encoding="utf-8"?>
 <p:sld xmlns:a="http://schemas.openxmlformats.org/drawingml/2006/main" xmlns:r="http://schemas.openxmlformats.org/officeDocument/2006/relationships" xmlns:p="http://schemas.openxmlformats.org/presentationml/2006/main">
   <p:cSld>
     <p:spTree>
@@ -14763,7 +21060,7 @@
 </p:sld>
 </file>
 
-<file path=ppt/slides/slide4.xml><?xml version="1.0" encoding="utf-8"?>
+<file path=ppt/slides/slide5.xml><?xml version="1.0" encoding="utf-8"?>
 <p:sld xmlns:a="http://schemas.openxmlformats.org/drawingml/2006/main" xmlns:r="http://schemas.openxmlformats.org/officeDocument/2006/relationships" xmlns:p="http://schemas.openxmlformats.org/presentationml/2006/main">
   <p:cSld>
     <p:spTree>
@@ -18199,7 +24496,7 @@
 </p:sld>
 </file>
 
-<file path=ppt/slides/slide5.xml><?xml version="1.0" encoding="utf-8"?>
+<file path=ppt/slides/slide6.xml><?xml version="1.0" encoding="utf-8"?>
 <p:sld xmlns:a="http://schemas.openxmlformats.org/drawingml/2006/main" xmlns:r="http://schemas.openxmlformats.org/officeDocument/2006/relationships" xmlns:p="http://schemas.openxmlformats.org/presentationml/2006/main">
   <p:cSld>
     <p:spTree>
@@ -19149,233 +25446,6 @@
 </p:sld>
 </file>
 
-<file path=ppt/slides/slide6.xml><?xml version="1.0" encoding="utf-8"?>
-<p:sld xmlns:a="http://schemas.openxmlformats.org/drawingml/2006/main" xmlns:r="http://schemas.openxmlformats.org/officeDocument/2006/relationships" xmlns:p="http://schemas.openxmlformats.org/presentationml/2006/main">
-  <p:cSld>
-    <p:spTree>
-      <p:nvGrpSpPr>
-        <p:cNvPr id="1" name=""/>
-        <p:cNvGrpSpPr/>
-        <p:nvPr/>
-      </p:nvGrpSpPr>
-      <p:grpSpPr>
-        <a:xfrm>
-          <a:off x="0" y="0"/>
-          <a:ext cx="0" cy="0"/>
-          <a:chOff x="0" y="0"/>
-          <a:chExt cx="0" cy="0"/>
-        </a:xfrm>
-      </p:grpSpPr>
-      <p:sp>
-        <p:nvSpPr>
-          <p:cNvPr id="6" name="Shape 206"/>
-          <p:cNvSpPr>
-            <a:spLocks noGrp="1"/>
-          </p:cNvSpPr>
-          <p:nvPr>
-            <p:ph type="title"/>
-          </p:nvPr>
-        </p:nvSpPr>
-        <p:spPr>
-          <a:xfrm>
-            <a:off x="1041400" y="355600"/>
-            <a:ext cx="10922000" cy="1066800"/>
-          </a:xfrm>
-          <a:prstGeom prst="rect">
-            <a:avLst/>
-          </a:prstGeom>
-        </p:spPr>
-        <p:txBody>
-          <a:bodyPr/>
-          <a:lstStyle/>
-          <a:p>
-            <a:pPr lvl="0"/>
-            <a:r>
-              <a:rPr lang="en-US" sz="6600" dirty="0"/>
-              <a:t>Loop invariant</a:t>
-            </a:r>
-            <a:endParaRPr sz="6600" dirty="0"/>
-          </a:p>
-        </p:txBody>
-      </p:sp>
-      <p:sp>
-        <p:nvSpPr>
-          <p:cNvPr id="7" name="Shape 207"/>
-          <p:cNvSpPr>
-            <a:spLocks noGrp="1"/>
-          </p:cNvSpPr>
-          <p:nvPr>
-            <p:ph type="body" idx="1"/>
-          </p:nvPr>
-        </p:nvSpPr>
-        <p:spPr>
-          <a:xfrm>
-            <a:off x="1041400" y="2286000"/>
-            <a:ext cx="10922000" cy="6616700"/>
-          </a:xfrm>
-          <a:prstGeom prst="rect">
-            <a:avLst/>
-          </a:prstGeom>
-        </p:spPr>
-        <p:txBody>
-          <a:bodyPr/>
-          <a:lstStyle/>
-          <a:p>
-            <a:r>
-              <a:rPr lang="ko-KR" altLang="en-US" sz="2400" dirty="0" err="1">
-                <a:latin typeface="배달의민족 주아" panose="02020603020101020101" pitchFamily="18" charset="-127"/>
-                <a:ea typeface="배달의민족 주아" panose="02020603020101020101" pitchFamily="18" charset="-127"/>
-              </a:rPr>
-              <a:t>반복문</a:t>
-            </a:r>
-            <a:r>
-              <a:rPr lang="ko-KR" altLang="en-US" sz="2400" dirty="0">
-                <a:latin typeface="배달의민족 주아" panose="02020603020101020101" pitchFamily="18" charset="-127"/>
-                <a:ea typeface="배달의민족 주아" panose="02020603020101020101" pitchFamily="18" charset="-127"/>
-              </a:rPr>
-              <a:t> 불변식은 반복문의 내용이 한 번 실행될 때마다 중간 결과가 우리가 원하는 답으로 가고 있는지를 명시하는 조건</a:t>
-            </a:r>
-            <a:endParaRPr lang="en-US" altLang="ko-KR" sz="2400" dirty="0">
-              <a:latin typeface="배달의민족 주아" panose="02020603020101020101" pitchFamily="18" charset="-127"/>
-              <a:ea typeface="배달의민족 주아" panose="02020603020101020101" pitchFamily="18" charset="-127"/>
-            </a:endParaRPr>
-          </a:p>
-          <a:p>
-            <a:r>
-              <a:rPr lang="ko-KR" altLang="en-US" sz="2400" dirty="0">
-                <a:latin typeface="배달의민족 주아" panose="02020603020101020101" pitchFamily="18" charset="-127"/>
-                <a:ea typeface="배달의민족 주아" panose="02020603020101020101" pitchFamily="18" charset="-127"/>
-              </a:rPr>
-              <a:t>따라서 반복문의 마지막에 정답을 계산하기 위해서는 항상 이 식이 변하지 않아야 함</a:t>
-            </a:r>
-            <a:endParaRPr lang="en-US" altLang="ko-KR" sz="2400" dirty="0">
-              <a:latin typeface="배달의민족 주아" panose="02020603020101020101" pitchFamily="18" charset="-127"/>
-              <a:ea typeface="배달의민족 주아" panose="02020603020101020101" pitchFamily="18" charset="-127"/>
-            </a:endParaRPr>
-          </a:p>
-          <a:p>
-            <a:r>
-              <a:rPr lang="ko-KR" altLang="en-US" sz="2400" dirty="0">
-                <a:latin typeface="배달의민족 주아" panose="02020603020101020101" pitchFamily="18" charset="-127"/>
-                <a:ea typeface="배달의민족 주아" panose="02020603020101020101" pitchFamily="18" charset="-127"/>
-              </a:rPr>
-              <a:t>다음과 같은 과정을 거쳐 반복문의 정당성을 증명할 수 있음</a:t>
-            </a:r>
-            <a:endParaRPr lang="en-US" altLang="ko-KR" sz="2400" dirty="0">
-              <a:latin typeface="배달의민족 주아" panose="02020603020101020101" pitchFamily="18" charset="-127"/>
-              <a:ea typeface="배달의민족 주아" panose="02020603020101020101" pitchFamily="18" charset="-127"/>
-            </a:endParaRPr>
-          </a:p>
-          <a:p>
-            <a:endParaRPr lang="en-US" altLang="ko-KR" sz="2400" dirty="0">
-              <a:latin typeface="배달의민족 주아" panose="02020603020101020101" pitchFamily="18" charset="-127"/>
-              <a:ea typeface="배달의민족 주아" panose="02020603020101020101" pitchFamily="18" charset="-127"/>
-            </a:endParaRPr>
-          </a:p>
-          <a:p>
-            <a:r>
-              <a:rPr lang="ko-KR" altLang="en-US" sz="2400" dirty="0" err="1">
-                <a:latin typeface="배달의민족 주아" panose="02020603020101020101" pitchFamily="18" charset="-127"/>
-                <a:ea typeface="배달의민족 주아" panose="02020603020101020101" pitchFamily="18" charset="-127"/>
-              </a:rPr>
-              <a:t>반복문</a:t>
-            </a:r>
-            <a:r>
-              <a:rPr lang="ko-KR" altLang="en-US" sz="2400" dirty="0">
-                <a:latin typeface="배달의민족 주아" panose="02020603020101020101" pitchFamily="18" charset="-127"/>
-                <a:ea typeface="배달의민족 주아" panose="02020603020101020101" pitchFamily="18" charset="-127"/>
-              </a:rPr>
-              <a:t> </a:t>
-            </a:r>
-            <a:r>
-              <a:rPr lang="ko-KR" altLang="en-US" sz="2400" dirty="0" err="1">
-                <a:latin typeface="배달의민족 주아" panose="02020603020101020101" pitchFamily="18" charset="-127"/>
-                <a:ea typeface="배달의민족 주아" panose="02020603020101020101" pitchFamily="18" charset="-127"/>
-              </a:rPr>
-              <a:t>진입시</a:t>
-            </a:r>
-            <a:r>
-              <a:rPr lang="ko-KR" altLang="en-US" sz="2400" dirty="0">
-                <a:latin typeface="배달의민족 주아" panose="02020603020101020101" pitchFamily="18" charset="-127"/>
-                <a:ea typeface="배달의민족 주아" panose="02020603020101020101" pitchFamily="18" charset="-127"/>
-              </a:rPr>
-              <a:t> 불변식이 성립함을 보임</a:t>
-            </a:r>
-            <a:endParaRPr lang="en-US" altLang="ko-KR" sz="2400" dirty="0">
-              <a:latin typeface="배달의민족 주아" panose="02020603020101020101" pitchFamily="18" charset="-127"/>
-              <a:ea typeface="배달의민족 주아" panose="02020603020101020101" pitchFamily="18" charset="-127"/>
-            </a:endParaRPr>
-          </a:p>
-          <a:p>
-            <a:r>
-              <a:rPr lang="ko-KR" altLang="en-US" sz="2400" dirty="0" err="1">
-                <a:latin typeface="배달의민족 주아" panose="02020603020101020101" pitchFamily="18" charset="-127"/>
-                <a:ea typeface="배달의민족 주아" panose="02020603020101020101" pitchFamily="18" charset="-127"/>
-              </a:rPr>
-              <a:t>반복문</a:t>
-            </a:r>
-            <a:r>
-              <a:rPr lang="ko-KR" altLang="en-US" sz="2400" dirty="0">
-                <a:latin typeface="배달의민족 주아" panose="02020603020101020101" pitchFamily="18" charset="-127"/>
-                <a:ea typeface="배달의민족 주아" panose="02020603020101020101" pitchFamily="18" charset="-127"/>
-              </a:rPr>
-              <a:t> 내용이 불변식을 깨뜨리지 않음을 보임</a:t>
-            </a:r>
-            <a:r>
-              <a:rPr lang="en-US" altLang="ko-KR" sz="2400" dirty="0">
-                <a:latin typeface="배달의민족 주아" panose="02020603020101020101" pitchFamily="18" charset="-127"/>
-                <a:ea typeface="배달의민족 주아" panose="02020603020101020101" pitchFamily="18" charset="-127"/>
-              </a:rPr>
-              <a:t>. </a:t>
-            </a:r>
-            <a:r>
-              <a:rPr lang="ko-KR" altLang="en-US" sz="2400" dirty="0">
-                <a:latin typeface="배달의민족 주아" panose="02020603020101020101" pitchFamily="18" charset="-127"/>
-                <a:ea typeface="배달의민족 주아" panose="02020603020101020101" pitchFamily="18" charset="-127"/>
-              </a:rPr>
-              <a:t>즉 항상 성립함을 보임</a:t>
-            </a:r>
-            <a:endParaRPr lang="en-US" altLang="ko-KR" sz="2400" dirty="0">
-              <a:latin typeface="배달의민족 주아" panose="02020603020101020101" pitchFamily="18" charset="-127"/>
-              <a:ea typeface="배달의민족 주아" panose="02020603020101020101" pitchFamily="18" charset="-127"/>
-            </a:endParaRPr>
-          </a:p>
-          <a:p>
-            <a:r>
-              <a:rPr lang="ko-KR" altLang="en-US" sz="2400" dirty="0" err="1">
-                <a:latin typeface="배달의민족 주아" panose="02020603020101020101" pitchFamily="18" charset="-127"/>
-                <a:ea typeface="배달의민족 주아" panose="02020603020101020101" pitchFamily="18" charset="-127"/>
-              </a:rPr>
-              <a:t>반복문</a:t>
-            </a:r>
-            <a:r>
-              <a:rPr lang="ko-KR" altLang="en-US" sz="2400" dirty="0">
-                <a:latin typeface="배달의민족 주아" panose="02020603020101020101" pitchFamily="18" charset="-127"/>
-                <a:ea typeface="배달의민족 주아" panose="02020603020101020101" pitchFamily="18" charset="-127"/>
-              </a:rPr>
-              <a:t> 종료시에 불변식이 성립하면 항상 우리가 정답을 구했음을 보임</a:t>
-            </a:r>
-            <a:endParaRPr lang="en-US" altLang="ko-KR" sz="2400" dirty="0">
-              <a:latin typeface="배달의민족 주아" panose="02020603020101020101" pitchFamily="18" charset="-127"/>
-              <a:ea typeface="배달의민족 주아" panose="02020603020101020101" pitchFamily="18" charset="-127"/>
-            </a:endParaRPr>
-          </a:p>
-        </p:txBody>
-      </p:sp>
-    </p:spTree>
-    <p:extLst>
-      <p:ext uri="{BB962C8B-B14F-4D97-AF65-F5344CB8AC3E}">
-        <p14:creationId xmlns:p14="http://schemas.microsoft.com/office/powerpoint/2010/main" val="2086226961"/>
-      </p:ext>
-    </p:extLst>
-  </p:cSld>
-  <p:clrMapOvr>
-    <a:masterClrMapping/>
-  </p:clrMapOvr>
-  <p:transition spd="med"/>
-</p:sld>
-</file>
-
 <file path=ppt/slides/slide7.xml><?xml version="1.0" encoding="utf-8"?>
 <p:sld xmlns:a="http://schemas.openxmlformats.org/drawingml/2006/main" xmlns:r="http://schemas.openxmlformats.org/officeDocument/2006/relationships" xmlns:p="http://schemas.openxmlformats.org/presentationml/2006/main">
   <p:cSld>
@@ -19418,24 +25488,8 @@
           <a:p>
             <a:pPr lvl="0"/>
             <a:r>
-              <a:rPr lang="en-US" sz="6600" dirty="0" err="1"/>
-              <a:t>Reductio</a:t>
-            </a:r>
-            <a:r>
-              <a:rPr lang="ko-KR" altLang="en-US" sz="6600" dirty="0"/>
-              <a:t> </a:t>
-            </a:r>
-            <a:r>
-              <a:rPr lang="en-US" altLang="ko-KR" sz="6600" dirty="0"/>
-              <a:t>ad</a:t>
-            </a:r>
-            <a:r>
-              <a:rPr lang="ko-KR" altLang="en-US" sz="6600" dirty="0"/>
-              <a:t> </a:t>
-            </a:r>
-            <a:r>
-              <a:rPr lang="en-US" altLang="ko-KR" sz="6600" dirty="0"/>
-              <a:t>absurdum</a:t>
+              <a:rPr lang="en-US" sz="6600" dirty="0"/>
+              <a:t>Loop invariant</a:t>
             </a:r>
             <a:endParaRPr sz="6600" dirty="0"/>
           </a:p>
@@ -19469,7 +25523,14 @@
                 <a:latin typeface="배달의민족 주아" panose="02020603020101020101" pitchFamily="18" charset="-127"/>
                 <a:ea typeface="배달의민족 주아" panose="02020603020101020101" pitchFamily="18" charset="-127"/>
               </a:rPr>
-              <a:t>귀류법</a:t>
+              <a:t>반복문</a:t>
+            </a:r>
+            <a:r>
+              <a:rPr lang="ko-KR" altLang="en-US" sz="2400" dirty="0">
+                <a:latin typeface="배달의민족 주아" panose="02020603020101020101" pitchFamily="18" charset="-127"/>
+                <a:ea typeface="배달의민족 주아" panose="02020603020101020101" pitchFamily="18" charset="-127"/>
+              </a:rPr>
+              <a:t> 불변식은 반복문의 내용이 한 번 실행될 때마다 중간 결과가 우리가 원하는 답으로 가고 있는지를 명시하는 조건</a:t>
             </a:r>
             <a:endParaRPr lang="en-US" altLang="ko-KR" sz="2400" dirty="0">
               <a:latin typeface="배달의민족 주아" panose="02020603020101020101" pitchFamily="18" charset="-127"/>
@@ -19482,21 +25543,7 @@
                 <a:latin typeface="배달의민족 주아" panose="02020603020101020101" pitchFamily="18" charset="-127"/>
                 <a:ea typeface="배달의민족 주아" panose="02020603020101020101" pitchFamily="18" charset="-127"/>
               </a:rPr>
-              <a:t>우리가 원하는 바와 반대되는 상황을 가정하고 논리를 전개하여 결론이 </a:t>
-            </a:r>
-            <a:r>
-              <a:rPr lang="ko-KR" altLang="en-US" sz="2400" dirty="0" err="1">
-                <a:latin typeface="배달의민족 주아" panose="02020603020101020101" pitchFamily="18" charset="-127"/>
-                <a:ea typeface="배달의민족 주아" panose="02020603020101020101" pitchFamily="18" charset="-127"/>
-              </a:rPr>
-              <a:t>잘못됐음을</a:t>
-            </a:r>
-            <a:r>
-              <a:rPr lang="ko-KR" altLang="en-US" sz="2400" dirty="0">
-                <a:latin typeface="배달의민족 주아" panose="02020603020101020101" pitchFamily="18" charset="-127"/>
-                <a:ea typeface="배달의민족 주아" panose="02020603020101020101" pitchFamily="18" charset="-127"/>
-              </a:rPr>
-              <a:t> 찾아내는 증명기법</a:t>
+              <a:t>따라서 반복문의 마지막에 정답을 계산하기 위해서는 항상 이 식이 변하지 않아야 함</a:t>
             </a:r>
             <a:endParaRPr lang="en-US" altLang="ko-KR" sz="2400" dirty="0">
               <a:latin typeface="배달의민족 주아" panose="02020603020101020101" pitchFamily="18" charset="-127"/>
@@ -19509,7 +25556,101 @@
                 <a:latin typeface="배달의민족 주아" panose="02020603020101020101" pitchFamily="18" charset="-127"/>
                 <a:ea typeface="배달의민족 주아" panose="02020603020101020101" pitchFamily="18" charset="-127"/>
               </a:rPr>
-              <a:t>대게 어떤 선택이 최선임을 증명하고자 할 때 많이 이용</a:t>
+              <a:t>다음과 같은 과정을 거쳐 반복문의 정당성을 증명할 수 있음</a:t>
+            </a:r>
+            <a:endParaRPr lang="en-US" altLang="ko-KR" sz="2400" dirty="0">
+              <a:latin typeface="배달의민족 주아" panose="02020603020101020101" pitchFamily="18" charset="-127"/>
+              <a:ea typeface="배달의민족 주아" panose="02020603020101020101" pitchFamily="18" charset="-127"/>
+            </a:endParaRPr>
+          </a:p>
+          <a:p>
+            <a:endParaRPr lang="en-US" altLang="ko-KR" sz="2400" dirty="0">
+              <a:latin typeface="배달의민족 주아" panose="02020603020101020101" pitchFamily="18" charset="-127"/>
+              <a:ea typeface="배달의민족 주아" panose="02020603020101020101" pitchFamily="18" charset="-127"/>
+            </a:endParaRPr>
+          </a:p>
+          <a:p>
+            <a:r>
+              <a:rPr lang="ko-KR" altLang="en-US" sz="2400" dirty="0" err="1">
+                <a:latin typeface="배달의민족 주아" panose="02020603020101020101" pitchFamily="18" charset="-127"/>
+                <a:ea typeface="배달의민족 주아" panose="02020603020101020101" pitchFamily="18" charset="-127"/>
+              </a:rPr>
+              <a:t>반복문</a:t>
+            </a:r>
+            <a:r>
+              <a:rPr lang="ko-KR" altLang="en-US" sz="2400" dirty="0">
+                <a:latin typeface="배달의민족 주아" panose="02020603020101020101" pitchFamily="18" charset="-127"/>
+                <a:ea typeface="배달의민족 주아" panose="02020603020101020101" pitchFamily="18" charset="-127"/>
+              </a:rPr>
+              <a:t> </a:t>
+            </a:r>
+            <a:r>
+              <a:rPr lang="ko-KR" altLang="en-US" sz="2400" dirty="0" err="1">
+                <a:latin typeface="배달의민족 주아" panose="02020603020101020101" pitchFamily="18" charset="-127"/>
+                <a:ea typeface="배달의민족 주아" panose="02020603020101020101" pitchFamily="18" charset="-127"/>
+              </a:rPr>
+              <a:t>진입시</a:t>
+            </a:r>
+            <a:r>
+              <a:rPr lang="ko-KR" altLang="en-US" sz="2400" dirty="0">
+                <a:latin typeface="배달의민족 주아" panose="02020603020101020101" pitchFamily="18" charset="-127"/>
+                <a:ea typeface="배달의민족 주아" panose="02020603020101020101" pitchFamily="18" charset="-127"/>
+              </a:rPr>
+              <a:t> 불변식이 성립함을 보임</a:t>
+            </a:r>
+            <a:endParaRPr lang="en-US" altLang="ko-KR" sz="2400" dirty="0">
+              <a:latin typeface="배달의민족 주아" panose="02020603020101020101" pitchFamily="18" charset="-127"/>
+              <a:ea typeface="배달의민족 주아" panose="02020603020101020101" pitchFamily="18" charset="-127"/>
+            </a:endParaRPr>
+          </a:p>
+          <a:p>
+            <a:r>
+              <a:rPr lang="ko-KR" altLang="en-US" sz="2400" dirty="0" err="1">
+                <a:latin typeface="배달의민족 주아" panose="02020603020101020101" pitchFamily="18" charset="-127"/>
+                <a:ea typeface="배달의민족 주아" panose="02020603020101020101" pitchFamily="18" charset="-127"/>
+              </a:rPr>
+              <a:t>반복문</a:t>
+            </a:r>
+            <a:r>
+              <a:rPr lang="ko-KR" altLang="en-US" sz="2400" dirty="0">
+                <a:latin typeface="배달의민족 주아" panose="02020603020101020101" pitchFamily="18" charset="-127"/>
+                <a:ea typeface="배달의민족 주아" panose="02020603020101020101" pitchFamily="18" charset="-127"/>
+              </a:rPr>
+              <a:t> 내용이 불변식을 깨뜨리지 않음을 보임</a:t>
+            </a:r>
+            <a:r>
+              <a:rPr lang="en-US" altLang="ko-KR" sz="2400" dirty="0">
+                <a:latin typeface="배달의민족 주아" panose="02020603020101020101" pitchFamily="18" charset="-127"/>
+                <a:ea typeface="배달의민족 주아" panose="02020603020101020101" pitchFamily="18" charset="-127"/>
+              </a:rPr>
+              <a:t>. </a:t>
+            </a:r>
+            <a:r>
+              <a:rPr lang="ko-KR" altLang="en-US" sz="2400" dirty="0">
+                <a:latin typeface="배달의민족 주아" panose="02020603020101020101" pitchFamily="18" charset="-127"/>
+                <a:ea typeface="배달의민족 주아" panose="02020603020101020101" pitchFamily="18" charset="-127"/>
+              </a:rPr>
+              <a:t>즉 항상 성립함을 보임</a:t>
+            </a:r>
+            <a:endParaRPr lang="en-US" altLang="ko-KR" sz="2400" dirty="0">
+              <a:latin typeface="배달의민족 주아" panose="02020603020101020101" pitchFamily="18" charset="-127"/>
+              <a:ea typeface="배달의민족 주아" panose="02020603020101020101" pitchFamily="18" charset="-127"/>
+            </a:endParaRPr>
+          </a:p>
+          <a:p>
+            <a:r>
+              <a:rPr lang="ko-KR" altLang="en-US" sz="2400" dirty="0" err="1">
+                <a:latin typeface="배달의민족 주아" panose="02020603020101020101" pitchFamily="18" charset="-127"/>
+                <a:ea typeface="배달의민족 주아" panose="02020603020101020101" pitchFamily="18" charset="-127"/>
+              </a:rPr>
+              <a:t>반복문</a:t>
+            </a:r>
+            <a:r>
+              <a:rPr lang="ko-KR" altLang="en-US" sz="2400" dirty="0">
+                <a:latin typeface="배달의민족 주아" panose="02020603020101020101" pitchFamily="18" charset="-127"/>
+                <a:ea typeface="배달의민족 주아" panose="02020603020101020101" pitchFamily="18" charset="-127"/>
+              </a:rPr>
+              <a:t> 종료시에 불변식이 성립하면 항상 우리가 정답을 구했음을 보임</a:t>
             </a:r>
             <a:endParaRPr lang="en-US" altLang="ko-KR" sz="2400" dirty="0">
               <a:latin typeface="배달의민족 주아" panose="02020603020101020101" pitchFamily="18" charset="-127"/>
@@ -19521,7 +25662,7 @@
     </p:spTree>
     <p:extLst>
       <p:ext uri="{BB962C8B-B14F-4D97-AF65-F5344CB8AC3E}">
-        <p14:creationId xmlns:p14="http://schemas.microsoft.com/office/powerpoint/2010/main" val="2836796656"/>
+        <p14:creationId xmlns:p14="http://schemas.microsoft.com/office/powerpoint/2010/main" val="2086226961"/>
       </p:ext>
     </p:extLst>
   </p:cSld>
@@ -19574,8 +25715,24 @@
           <a:p>
             <a:pPr lvl="0"/>
             <a:r>
-              <a:rPr lang="en-US" sz="6600" dirty="0"/>
-              <a:t>QUEUE</a:t>
+              <a:rPr lang="en-US" sz="6600" dirty="0" err="1"/>
+              <a:t>Reductio</a:t>
+            </a:r>
+            <a:r>
+              <a:rPr lang="ko-KR" altLang="en-US" sz="6600" dirty="0"/>
+              <a:t> </a:t>
+            </a:r>
+            <a:r>
+              <a:rPr lang="en-US" altLang="ko-KR" sz="6600" dirty="0"/>
+              <a:t>ad</a:t>
+            </a:r>
+            <a:r>
+              <a:rPr lang="ko-KR" altLang="en-US" sz="6600" dirty="0"/>
+              <a:t> </a:t>
+            </a:r>
+            <a:r>
+              <a:rPr lang="en-US" altLang="ko-KR" sz="6600" dirty="0"/>
+              <a:t>absurdum</a:t>
             </a:r>
             <a:endParaRPr sz="6600" dirty="0"/>
           </a:p>
@@ -19605,25 +25762,11 @@
           <a:lstStyle/>
           <a:p>
             <a:r>
-              <a:rPr lang="ko-KR" altLang="en-US" sz="2400" dirty="0">
+              <a:rPr lang="ko-KR" altLang="en-US" sz="2400" dirty="0" err="1">
                 <a:latin typeface="배달의민족 주아" panose="02020603020101020101" pitchFamily="18" charset="-127"/>
                 <a:ea typeface="배달의민족 주아" panose="02020603020101020101" pitchFamily="18" charset="-127"/>
               </a:rPr>
-              <a:t>자료구조의 일종으로 </a:t>
-            </a:r>
-            <a:r>
-              <a:rPr lang="en-US" altLang="ko-KR" sz="2400" dirty="0">
-                <a:latin typeface="배달의민족 주아" panose="02020603020101020101" pitchFamily="18" charset="-127"/>
-                <a:ea typeface="배달의민족 주아" panose="02020603020101020101" pitchFamily="18" charset="-127"/>
-              </a:rPr>
-              <a:t>FIFO(First In First Out)</a:t>
-            </a:r>
-            <a:r>
-              <a:rPr lang="ko-KR" altLang="en-US" sz="2400" dirty="0">
-                <a:latin typeface="배달의민족 주아" panose="02020603020101020101" pitchFamily="18" charset="-127"/>
-                <a:ea typeface="배달의민족 주아" panose="02020603020101020101" pitchFamily="18" charset="-127"/>
-              </a:rPr>
-              <a:t>구조</a:t>
+              <a:t>귀류법</a:t>
             </a:r>
             <a:endParaRPr lang="en-US" altLang="ko-KR" sz="2400" dirty="0">
               <a:latin typeface="배달의민족 주아" panose="02020603020101020101" pitchFamily="18" charset="-127"/>
@@ -19631,6 +25774,27 @@
             </a:endParaRPr>
           </a:p>
           <a:p>
+            <a:r>
+              <a:rPr lang="ko-KR" altLang="en-US" sz="2400" dirty="0">
+                <a:latin typeface="배달의민족 주아" panose="02020603020101020101" pitchFamily="18" charset="-127"/>
+                <a:ea typeface="배달의민족 주아" panose="02020603020101020101" pitchFamily="18" charset="-127"/>
+              </a:rPr>
+              <a:t>우리가 원하는 바와 반대되는 상황을 가정하고 논리를 전개하여 결론이 </a:t>
+            </a:r>
+            <a:r>
+              <a:rPr lang="ko-KR" altLang="en-US" sz="2400" dirty="0" err="1">
+                <a:latin typeface="배달의민족 주아" panose="02020603020101020101" pitchFamily="18" charset="-127"/>
+                <a:ea typeface="배달의민족 주아" panose="02020603020101020101" pitchFamily="18" charset="-127"/>
+              </a:rPr>
+              <a:t>잘못됐음을</a:t>
+            </a:r>
+            <a:r>
+              <a:rPr lang="ko-KR" altLang="en-US" sz="2400" dirty="0">
+                <a:latin typeface="배달의민족 주아" panose="02020603020101020101" pitchFamily="18" charset="-127"/>
+                <a:ea typeface="배달의민족 주아" panose="02020603020101020101" pitchFamily="18" charset="-127"/>
+              </a:rPr>
+              <a:t> 찾아내는 증명기법</a:t>
+            </a:r>
             <a:endParaRPr lang="en-US" altLang="ko-KR" sz="2400" dirty="0">
               <a:latin typeface="배달의민족 주아" panose="02020603020101020101" pitchFamily="18" charset="-127"/>
               <a:ea typeface="배달의민족 주아" panose="02020603020101020101" pitchFamily="18" charset="-127"/>
@@ -19638,134 +25802,23 @@
           </a:p>
           <a:p>
             <a:r>
-              <a:rPr lang="en-US" sz="2400" dirty="0">
-                <a:latin typeface="배달의민족 주아" panose="02020603020101020101" pitchFamily="18" charset="-127"/>
-                <a:ea typeface="배달의민족 주아" panose="02020603020101020101" pitchFamily="18" charset="-127"/>
-              </a:rPr>
-              <a:t>Data</a:t>
-            </a:r>
-            <a:r>
               <a:rPr lang="ko-KR" altLang="en-US" sz="2400" dirty="0">
                 <a:latin typeface="배달의민족 주아" panose="02020603020101020101" pitchFamily="18" charset="-127"/>
                 <a:ea typeface="배달의민족 주아" panose="02020603020101020101" pitchFamily="18" charset="-127"/>
               </a:rPr>
-              <a:t>가 입력된 시간 순서대로 처리해야 할 필요가 있는 상황에서 사용</a:t>
+              <a:t>대게 어떤 선택이 최선임을 증명하고자 할 때 많이 이용</a:t>
             </a:r>
             <a:endParaRPr lang="en-US" altLang="ko-KR" sz="2400" dirty="0">
-              <a:latin typeface="배달의민족 주아" panose="02020603020101020101" pitchFamily="18" charset="-127"/>
-              <a:ea typeface="배달의민족 주아" panose="02020603020101020101" pitchFamily="18" charset="-127"/>
-            </a:endParaRPr>
-          </a:p>
-          <a:p>
-            <a:endParaRPr lang="en-US" altLang="ko-KR" sz="2400" dirty="0">
-              <a:latin typeface="배달의민족 주아" panose="02020603020101020101" pitchFamily="18" charset="-127"/>
-              <a:ea typeface="배달의민족 주아" panose="02020603020101020101" pitchFamily="18" charset="-127"/>
-            </a:endParaRPr>
-          </a:p>
-          <a:p>
-            <a:r>
-              <a:rPr lang="en-US" sz="2400" dirty="0">
-                <a:latin typeface="배달의민족 주아" panose="02020603020101020101" pitchFamily="18" charset="-127"/>
-                <a:ea typeface="배달의민족 주아" panose="02020603020101020101" pitchFamily="18" charset="-127"/>
-              </a:rPr>
-              <a:t>BFS(Breadth</a:t>
-            </a:r>
-            <a:r>
-              <a:rPr lang="ko-KR" altLang="en-US" sz="2400" dirty="0">
-                <a:latin typeface="배달의민족 주아" panose="02020603020101020101" pitchFamily="18" charset="-127"/>
-                <a:ea typeface="배달의민족 주아" panose="02020603020101020101" pitchFamily="18" charset="-127"/>
-              </a:rPr>
-              <a:t> </a:t>
-            </a:r>
-            <a:r>
-              <a:rPr lang="en-US" altLang="ko-KR" sz="2400" dirty="0">
-                <a:latin typeface="배달의민족 주아" panose="02020603020101020101" pitchFamily="18" charset="-127"/>
-                <a:ea typeface="배달의민족 주아" panose="02020603020101020101" pitchFamily="18" charset="-127"/>
-              </a:rPr>
-              <a:t>First</a:t>
-            </a:r>
-            <a:r>
-              <a:rPr lang="ko-KR" altLang="en-US" sz="2400" dirty="0">
-                <a:latin typeface="배달의민족 주아" panose="02020603020101020101" pitchFamily="18" charset="-127"/>
-                <a:ea typeface="배달의민족 주아" panose="02020603020101020101" pitchFamily="18" charset="-127"/>
-              </a:rPr>
-              <a:t> </a:t>
-            </a:r>
-            <a:r>
-              <a:rPr lang="en-US" altLang="ko-KR" sz="2400" dirty="0">
-                <a:latin typeface="배달의민족 주아" panose="02020603020101020101" pitchFamily="18" charset="-127"/>
-                <a:ea typeface="배달의민족 주아" panose="02020603020101020101" pitchFamily="18" charset="-127"/>
-              </a:rPr>
-              <a:t>Search – </a:t>
-            </a:r>
-            <a:r>
-              <a:rPr lang="ko-KR" altLang="en-US" sz="2400" dirty="0">
-                <a:latin typeface="배달의민족 주아" panose="02020603020101020101" pitchFamily="18" charset="-127"/>
-                <a:ea typeface="배달의민족 주아" panose="02020603020101020101" pitchFamily="18" charset="-127"/>
-              </a:rPr>
-              <a:t>너비 우선 탐색</a:t>
-            </a:r>
-            <a:r>
-              <a:rPr lang="en-US" altLang="ko-KR" sz="2400" dirty="0">
-                <a:latin typeface="배달의민족 주아" panose="02020603020101020101" pitchFamily="18" charset="-127"/>
-                <a:ea typeface="배달의민족 주아" panose="02020603020101020101" pitchFamily="18" charset="-127"/>
-              </a:rPr>
-              <a:t>)</a:t>
-            </a:r>
-            <a:r>
-              <a:rPr lang="ko-KR" altLang="en-US" sz="2400" dirty="0">
-                <a:latin typeface="배달의민족 주아" panose="02020603020101020101" pitchFamily="18" charset="-127"/>
-                <a:ea typeface="배달의민족 주아" panose="02020603020101020101" pitchFamily="18" charset="-127"/>
-              </a:rPr>
-              <a:t>의 구현에 사용</a:t>
-            </a:r>
-            <a:endParaRPr sz="2400" dirty="0">
               <a:latin typeface="배달의민족 주아" panose="02020603020101020101" pitchFamily="18" charset="-127"/>
               <a:ea typeface="배달의민족 주아" panose="02020603020101020101" pitchFamily="18" charset="-127"/>
             </a:endParaRPr>
           </a:p>
         </p:txBody>
       </p:sp>
-      <p:pic>
-        <p:nvPicPr>
-          <p:cNvPr id="3" name="그림 2">
-            <a:extLst>
-              <a:ext uri="{FF2B5EF4-FFF2-40B4-BE49-F238E27FC236}">
-                <a16:creationId xmlns:a16="http://schemas.microsoft.com/office/drawing/2014/main" id="{7C0FE364-DE68-45A8-B1B4-AA4B77F22753}"/>
-              </a:ext>
-            </a:extLst>
-          </p:cNvPr>
-          <p:cNvPicPr>
-            <a:picLocks noChangeAspect="1"/>
-          </p:cNvPicPr>
-          <p:nvPr/>
-        </p:nvPicPr>
-        <p:blipFill>
-          <a:blip r:embed="rId2" cstate="print">
-            <a:extLst>
-              <a:ext uri="{28A0092B-C50C-407E-A947-70E740481C1C}">
-                <a14:useLocalDpi xmlns:a14="http://schemas.microsoft.com/office/drawing/2010/main" val="0"/>
-              </a:ext>
-            </a:extLst>
-          </a:blip>
-          <a:stretch>
-            <a:fillRect/>
-          </a:stretch>
-        </p:blipFill>
-        <p:spPr>
-          <a:xfrm>
-            <a:off x="2919663" y="3884863"/>
-            <a:ext cx="7165474" cy="7165474"/>
-          </a:xfrm>
-          <a:prstGeom prst="rect">
-            <a:avLst/>
-          </a:prstGeom>
-        </p:spPr>
-      </p:pic>
     </p:spTree>
     <p:extLst>
       <p:ext uri="{BB962C8B-B14F-4D97-AF65-F5344CB8AC3E}">
-        <p14:creationId xmlns:p14="http://schemas.microsoft.com/office/powerpoint/2010/main" val="270530286"/>
+        <p14:creationId xmlns:p14="http://schemas.microsoft.com/office/powerpoint/2010/main" val="2836796656"/>
       </p:ext>
     </p:extLst>
   </p:cSld>
@@ -19819,7 +25872,7 @@
             <a:pPr lvl="0"/>
             <a:r>
               <a:rPr lang="en-US" sz="6600" dirty="0"/>
-              <a:t>implement</a:t>
+              <a:t>QUEUE</a:t>
             </a:r>
             <a:endParaRPr sz="6600" dirty="0"/>
           </a:p>
@@ -19853,21 +25906,21 @@
                 <a:latin typeface="배달의민족 주아" panose="02020603020101020101" pitchFamily="18" charset="-127"/>
                 <a:ea typeface="배달의민족 주아" panose="02020603020101020101" pitchFamily="18" charset="-127"/>
               </a:rPr>
-              <a:t>다음 기능들을 고려하여 </a:t>
+              <a:t>자료구조의 일종으로 </a:t>
             </a:r>
             <a:r>
               <a:rPr lang="en-US" altLang="ko-KR" sz="2400" dirty="0">
                 <a:latin typeface="배달의민족 주아" panose="02020603020101020101" pitchFamily="18" charset="-127"/>
                 <a:ea typeface="배달의민족 주아" panose="02020603020101020101" pitchFamily="18" charset="-127"/>
               </a:rPr>
-              <a:t>queue</a:t>
+              <a:t>FIFO(First In First Out) </a:t>
             </a:r>
             <a:r>
               <a:rPr lang="ko-KR" altLang="en-US" sz="2400" dirty="0">
                 <a:latin typeface="배달의민족 주아" panose="02020603020101020101" pitchFamily="18" charset="-127"/>
                 <a:ea typeface="배달의민족 주아" panose="02020603020101020101" pitchFamily="18" charset="-127"/>
               </a:rPr>
-              <a:t>를 구현해보자</a:t>
+              <a:t>구조</a:t>
             </a:r>
             <a:endParaRPr lang="en-US" altLang="ko-KR" sz="2400" dirty="0">
               <a:latin typeface="배달의민족 주아" panose="02020603020101020101" pitchFamily="18" charset="-127"/>
@@ -19875,87 +25928,79 @@
             </a:endParaRPr>
           </a:p>
           <a:p>
-            <a:pPr marL="0" indent="0">
-              <a:buNone/>
-            </a:pPr>
-            <a:r>
-              <a:rPr lang="en-US" altLang="ko-KR" sz="2400" dirty="0">
-                <a:latin typeface="배달의민족 주아" panose="02020603020101020101" pitchFamily="18" charset="-127"/>
-                <a:ea typeface="배달의민족 주아" panose="02020603020101020101" pitchFamily="18" charset="-127"/>
-              </a:rPr>
-              <a:t>   - push(): Queue</a:t>
-            </a:r>
-            <a:r>
-              <a:rPr lang="ko-KR" altLang="en-US" sz="2400" dirty="0">
-                <a:latin typeface="배달의민족 주아" panose="02020603020101020101" pitchFamily="18" charset="-127"/>
-                <a:ea typeface="배달의민족 주아" panose="02020603020101020101" pitchFamily="18" charset="-127"/>
-              </a:rPr>
-              <a:t>에 </a:t>
-            </a:r>
-            <a:r>
-              <a:rPr lang="en-US" altLang="ko-KR" sz="2400" dirty="0">
-                <a:latin typeface="배달의민족 주아" panose="02020603020101020101" pitchFamily="18" charset="-127"/>
-                <a:ea typeface="배달의민족 주아" panose="02020603020101020101" pitchFamily="18" charset="-127"/>
-              </a:rPr>
-              <a:t>data</a:t>
-            </a:r>
-            <a:r>
-              <a:rPr lang="ko-KR" altLang="en-US" sz="2400" dirty="0">
-                <a:latin typeface="배달의민족 주아" panose="02020603020101020101" pitchFamily="18" charset="-127"/>
-                <a:ea typeface="배달의민족 주아" panose="02020603020101020101" pitchFamily="18" charset="-127"/>
-              </a:rPr>
-              <a:t>를 저장</a:t>
-            </a:r>
             <a:endParaRPr lang="en-US" altLang="ko-KR" sz="2400" dirty="0">
               <a:latin typeface="배달의민족 주아" panose="02020603020101020101" pitchFamily="18" charset="-127"/>
               <a:ea typeface="배달의민족 주아" panose="02020603020101020101" pitchFamily="18" charset="-127"/>
             </a:endParaRPr>
           </a:p>
           <a:p>
-            <a:pPr marL="0" indent="0">
-              <a:buNone/>
-            </a:pPr>
+            <a:r>
+              <a:rPr lang="en-US" sz="2400" dirty="0">
+                <a:latin typeface="배달의민족 주아" panose="02020603020101020101" pitchFamily="18" charset="-127"/>
+                <a:ea typeface="배달의민족 주아" panose="02020603020101020101" pitchFamily="18" charset="-127"/>
+              </a:rPr>
+              <a:t>Data</a:t>
+            </a:r>
+            <a:r>
+              <a:rPr lang="ko-KR" altLang="en-US" sz="2400" dirty="0">
+                <a:latin typeface="배달의민족 주아" panose="02020603020101020101" pitchFamily="18" charset="-127"/>
+                <a:ea typeface="배달의민족 주아" panose="02020603020101020101" pitchFamily="18" charset="-127"/>
+              </a:rPr>
+              <a:t>가 입력된 시간 순서대로 처리해야 할 필요가 있는 상황에서 사용</a:t>
+            </a:r>
+            <a:endParaRPr lang="en-US" altLang="ko-KR" sz="2400" dirty="0">
+              <a:latin typeface="배달의민족 주아" panose="02020603020101020101" pitchFamily="18" charset="-127"/>
+              <a:ea typeface="배달의민족 주아" panose="02020603020101020101" pitchFamily="18" charset="-127"/>
+            </a:endParaRPr>
+          </a:p>
+          <a:p>
+            <a:endParaRPr lang="en-US" altLang="ko-KR" sz="2400" dirty="0">
+              <a:latin typeface="배달의민족 주아" panose="02020603020101020101" pitchFamily="18" charset="-127"/>
+              <a:ea typeface="배달의민족 주아" panose="02020603020101020101" pitchFamily="18" charset="-127"/>
+            </a:endParaRPr>
+          </a:p>
+          <a:p>
+            <a:r>
+              <a:rPr lang="en-US" sz="2400" dirty="0">
+                <a:latin typeface="배달의민족 주아" panose="02020603020101020101" pitchFamily="18" charset="-127"/>
+                <a:ea typeface="배달의민족 주아" panose="02020603020101020101" pitchFamily="18" charset="-127"/>
+              </a:rPr>
+              <a:t>BFS(Breadth</a:t>
+            </a:r>
+            <a:r>
+              <a:rPr lang="ko-KR" altLang="en-US" sz="2400" dirty="0">
+                <a:latin typeface="배달의민족 주아" panose="02020603020101020101" pitchFamily="18" charset="-127"/>
+                <a:ea typeface="배달의민족 주아" panose="02020603020101020101" pitchFamily="18" charset="-127"/>
+              </a:rPr>
+              <a:t> </a:t>
+            </a:r>
             <a:r>
               <a:rPr lang="en-US" altLang="ko-KR" sz="2400" dirty="0">
                 <a:latin typeface="배달의민족 주아" panose="02020603020101020101" pitchFamily="18" charset="-127"/>
                 <a:ea typeface="배달의민족 주아" panose="02020603020101020101" pitchFamily="18" charset="-127"/>
               </a:rPr>
-              <a:t>   - pop(): Queue</a:t>
+              <a:t>First</a:t>
             </a:r>
             <a:r>
               <a:rPr lang="ko-KR" altLang="en-US" sz="2400" dirty="0">
                 <a:latin typeface="배달의민족 주아" panose="02020603020101020101" pitchFamily="18" charset="-127"/>
                 <a:ea typeface="배달의민족 주아" panose="02020603020101020101" pitchFamily="18" charset="-127"/>
               </a:rPr>
-              <a:t>의 맨 앞에 있는 </a:t>
+              <a:t> </a:t>
             </a:r>
             <a:r>
               <a:rPr lang="en-US" altLang="ko-KR" sz="2400" dirty="0">
                 <a:latin typeface="배달의민족 주아" panose="02020603020101020101" pitchFamily="18" charset="-127"/>
                 <a:ea typeface="배달의민족 주아" panose="02020603020101020101" pitchFamily="18" charset="-127"/>
               </a:rPr>
-              <a:t>data</a:t>
+              <a:t>Search – </a:t>
             </a:r>
             <a:r>
               <a:rPr lang="ko-KR" altLang="en-US" sz="2400" dirty="0">
                 <a:latin typeface="배달의민족 주아" panose="02020603020101020101" pitchFamily="18" charset="-127"/>
                 <a:ea typeface="배달의민족 주아" panose="02020603020101020101" pitchFamily="18" charset="-127"/>
               </a:rPr>
-              <a:t>를 제거</a:t>
-            </a:r>
-            <a:r>
-              <a:rPr lang="en-US" altLang="ko-KR" sz="2400" dirty="0">
-                <a:latin typeface="배달의민족 주아" panose="02020603020101020101" pitchFamily="18" charset="-127"/>
-                <a:ea typeface="배달의민족 주아" panose="02020603020101020101" pitchFamily="18" charset="-127"/>
-              </a:rPr>
-              <a:t>(</a:t>
-            </a:r>
-            <a:r>
-              <a:rPr lang="ko-KR" altLang="en-US" sz="2400" dirty="0">
-                <a:latin typeface="배달의민족 주아" panose="02020603020101020101" pitchFamily="18" charset="-127"/>
-                <a:ea typeface="배달의민족 주아" panose="02020603020101020101" pitchFamily="18" charset="-127"/>
-              </a:rPr>
-              <a:t>동시에 출력을 할 수도 있음</a:t>
+              <a:t>너비 우선 탐색</a:t>
             </a:r>
             <a:r>
               <a:rPr lang="en-US" altLang="ko-KR" sz="2400" dirty="0">
@@ -19964,114 +26009,60 @@
               </a:rPr>
               <a:t>)</a:t>
             </a:r>
-          </a:p>
-          <a:p>
-            <a:pPr marL="0" indent="0">
-              <a:buNone/>
-            </a:pPr>
-            <a:r>
-              <a:rPr lang="en-US" altLang="ko-KR" sz="2400" dirty="0">
-                <a:latin typeface="배달의민족 주아" panose="02020603020101020101" pitchFamily="18" charset="-127"/>
-                <a:ea typeface="배달의민족 주아" panose="02020603020101020101" pitchFamily="18" charset="-127"/>
-              </a:rPr>
-              <a:t>   - front(): Queue</a:t>
-            </a:r>
             <a:r>
               <a:rPr lang="ko-KR" altLang="en-US" sz="2400" dirty="0">
                 <a:latin typeface="배달의민족 주아" panose="02020603020101020101" pitchFamily="18" charset="-127"/>
                 <a:ea typeface="배달의민족 주아" panose="02020603020101020101" pitchFamily="18" charset="-127"/>
               </a:rPr>
-              <a:t>의 맨 앞에 있는 </a:t>
-            </a:r>
-            <a:r>
-              <a:rPr lang="en-US" altLang="ko-KR" sz="2400" dirty="0">
-                <a:latin typeface="배달의민족 주아" panose="02020603020101020101" pitchFamily="18" charset="-127"/>
-                <a:ea typeface="배달의민족 주아" panose="02020603020101020101" pitchFamily="18" charset="-127"/>
-              </a:rPr>
-              <a:t>data</a:t>
-            </a:r>
-            <a:r>
-              <a:rPr lang="ko-KR" altLang="en-US" sz="2400" dirty="0">
-                <a:latin typeface="배달의민족 주아" panose="02020603020101020101" pitchFamily="18" charset="-127"/>
-                <a:ea typeface="배달의민족 주아" panose="02020603020101020101" pitchFamily="18" charset="-127"/>
-              </a:rPr>
-              <a:t>를 </a:t>
-            </a:r>
-            <a:r>
-              <a:rPr lang="en-US" altLang="ko-KR" sz="2400" dirty="0">
-                <a:latin typeface="배달의민족 주아" panose="02020603020101020101" pitchFamily="18" charset="-127"/>
-                <a:ea typeface="배달의민족 주아" panose="02020603020101020101" pitchFamily="18" charset="-127"/>
-              </a:rPr>
-              <a:t>return</a:t>
-            </a:r>
-          </a:p>
-          <a:p>
-            <a:pPr marL="0" indent="0">
-              <a:buNone/>
-            </a:pPr>
-            <a:r>
-              <a:rPr lang="en-US" altLang="ko-KR" sz="2400" dirty="0">
-                <a:latin typeface="배달의민족 주아" panose="02020603020101020101" pitchFamily="18" charset="-127"/>
-                <a:ea typeface="배달의민족 주아" panose="02020603020101020101" pitchFamily="18" charset="-127"/>
-              </a:rPr>
-              <a:t>   - size(): Queue</a:t>
-            </a:r>
-            <a:r>
-              <a:rPr lang="ko-KR" altLang="en-US" sz="2400" dirty="0">
-                <a:latin typeface="배달의민족 주아" panose="02020603020101020101" pitchFamily="18" charset="-127"/>
-                <a:ea typeface="배달의민족 주아" panose="02020603020101020101" pitchFamily="18" charset="-127"/>
-              </a:rPr>
-              <a:t>의 크기를 </a:t>
-            </a:r>
-            <a:r>
-              <a:rPr lang="en-US" altLang="ko-KR" sz="2400" dirty="0">
-                <a:latin typeface="배달의민족 주아" panose="02020603020101020101" pitchFamily="18" charset="-127"/>
-                <a:ea typeface="배달의민족 주아" panose="02020603020101020101" pitchFamily="18" charset="-127"/>
-              </a:rPr>
-              <a:t>return</a:t>
-            </a:r>
-          </a:p>
-          <a:p>
-            <a:pPr marL="0" indent="0">
-              <a:buNone/>
-            </a:pPr>
-            <a:r>
-              <a:rPr lang="en-US" altLang="ko-KR" sz="2400" dirty="0">
-                <a:latin typeface="배달의민족 주아" panose="02020603020101020101" pitchFamily="18" charset="-127"/>
-                <a:ea typeface="배달의민족 주아" panose="02020603020101020101" pitchFamily="18" charset="-127"/>
-              </a:rPr>
-              <a:t>   - empty(): Queue</a:t>
-            </a:r>
-            <a:r>
-              <a:rPr lang="ko-KR" altLang="en-US" sz="2400" dirty="0">
-                <a:latin typeface="배달의민족 주아" panose="02020603020101020101" pitchFamily="18" charset="-127"/>
-                <a:ea typeface="배달의민족 주아" panose="02020603020101020101" pitchFamily="18" charset="-127"/>
-              </a:rPr>
-              <a:t>가 비어 있는지를 </a:t>
-            </a:r>
-            <a:r>
-              <a:rPr lang="en-US" altLang="ko-KR" sz="2400" dirty="0">
-                <a:latin typeface="배달의민족 주아" panose="02020603020101020101" pitchFamily="18" charset="-127"/>
-                <a:ea typeface="배달의민족 주아" panose="02020603020101020101" pitchFamily="18" charset="-127"/>
-              </a:rPr>
-              <a:t>return</a:t>
-            </a:r>
-          </a:p>
-          <a:p>
-            <a:pPr marL="0" indent="0">
-              <a:buNone/>
-            </a:pPr>
-            <a:endParaRPr lang="en-US" altLang="ko-KR" sz="2400" dirty="0">
+              <a:t>의 구현에 사용</a:t>
+            </a:r>
+            <a:endParaRPr sz="2400" dirty="0">
               <a:latin typeface="배달의민족 주아" panose="02020603020101020101" pitchFamily="18" charset="-127"/>
               <a:ea typeface="배달의민족 주아" panose="02020603020101020101" pitchFamily="18" charset="-127"/>
             </a:endParaRPr>
           </a:p>
         </p:txBody>
       </p:sp>
+      <p:pic>
+        <p:nvPicPr>
+          <p:cNvPr id="3" name="그림 2">
+            <a:extLst>
+              <a:ext uri="{FF2B5EF4-FFF2-40B4-BE49-F238E27FC236}">
+                <a16:creationId xmlns:a16="http://schemas.microsoft.com/office/drawing/2014/main" id="{7C0FE364-DE68-45A8-B1B4-AA4B77F22753}"/>
+              </a:ext>
+            </a:extLst>
+          </p:cNvPr>
+          <p:cNvPicPr>
+            <a:picLocks noChangeAspect="1"/>
+          </p:cNvPicPr>
+          <p:nvPr/>
+        </p:nvPicPr>
+        <p:blipFill>
+          <a:blip r:embed="rId3" cstate="print">
+            <a:extLst>
+              <a:ext uri="{28A0092B-C50C-407E-A947-70E740481C1C}">
+                <a14:useLocalDpi xmlns:a14="http://schemas.microsoft.com/office/drawing/2010/main" val="0"/>
+              </a:ext>
+            </a:extLst>
+          </a:blip>
+          <a:stretch>
+            <a:fillRect/>
+          </a:stretch>
+        </p:blipFill>
+        <p:spPr>
+          <a:xfrm>
+            <a:off x="2919663" y="3884863"/>
+            <a:ext cx="7165474" cy="7165474"/>
+          </a:xfrm>
+          <a:prstGeom prst="rect">
+            <a:avLst/>
+          </a:prstGeom>
+        </p:spPr>
+      </p:pic>
     </p:spTree>
     <p:extLst>
       <p:ext uri="{BB962C8B-B14F-4D97-AF65-F5344CB8AC3E}">
-        <p14:creationId xmlns:p14="http://schemas.microsoft.com/office/powerpoint/2010/main" val="319148522"/>
+        <p14:creationId xmlns:p14="http://schemas.microsoft.com/office/powerpoint/2010/main" val="270530286"/>
       </p:ext>
     </p:extLst>
   </p:cSld>
